--- a/template - v2.pptx
+++ b/template - v2.pptx
@@ -4,6 +4,9 @@
   <p:sldMasterIdLst>
     <p:sldMasterId id="2147483648" r:id="rId1"/>
   </p:sldMasterIdLst>
+  <p:notesMasterIdLst>
+    <p:notesMasterId r:id="rId3"/>
+  </p:notesMasterIdLst>
   <p:sldIdLst>
     <p:sldId id="256" r:id="rId2"/>
   </p:sldIdLst>
@@ -112,6 +115,355 @@
 </p:presentation>
 </file>
 
+<file path=ppt/notesMasters/notesMaster1.xml><?xml version="1.0" encoding="utf-8"?>
+<p:notesMaster xmlns:a="http://schemas.openxmlformats.org/drawingml/2006/main" xmlns:r="http://schemas.openxmlformats.org/officeDocument/2006/relationships" xmlns:p="http://schemas.openxmlformats.org/presentationml/2006/main">
+  <p:cSld>
+    <p:bg>
+      <p:bgRef idx="1001">
+        <a:schemeClr val="bg1"/>
+      </p:bgRef>
+    </p:bg>
+    <p:spTree>
+      <p:nvGrpSpPr>
+        <p:cNvPr id="1" name=""/>
+        <p:cNvGrpSpPr/>
+        <p:nvPr/>
+      </p:nvGrpSpPr>
+      <p:grpSpPr>
+        <a:xfrm>
+          <a:off x="0" y="0"/>
+          <a:ext cx="0" cy="0"/>
+          <a:chOff x="0" y="0"/>
+          <a:chExt cx="0" cy="0"/>
+        </a:xfrm>
+      </p:grpSpPr>
+      <p:sp>
+        <p:nvSpPr>
+          <p:cNvPr id="2" name="Espaço Reservado para Cabeçalho 1"/>
+          <p:cNvSpPr>
+            <a:spLocks noGrp="1"/>
+          </p:cNvSpPr>
+          <p:nvPr>
+            <p:ph type="hdr" sz="quarter"/>
+          </p:nvPr>
+        </p:nvSpPr>
+        <p:spPr>
+          <a:xfrm>
+            <a:off x="0" y="0"/>
+            <a:ext cx="2971800" cy="458788"/>
+          </a:xfrm>
+          <a:prstGeom prst="rect">
+            <a:avLst/>
+          </a:prstGeom>
+        </p:spPr>
+        <p:txBody>
+          <a:bodyPr vert="horz" lIns="91440" tIns="45720" rIns="91440" bIns="45720" rtlCol="0"/>
+          <a:lstStyle>
+            <a:lvl1pPr algn="l">
+              <a:defRPr sz="1200"/>
+            </a:lvl1pPr>
+          </a:lstStyle>
+          <a:p>
+            <a:endParaRPr lang="pt-BR"/>
+          </a:p>
+        </p:txBody>
+      </p:sp>
+      <p:sp>
+        <p:nvSpPr>
+          <p:cNvPr id="3" name="Espaço Reservado para Data 2"/>
+          <p:cNvSpPr>
+            <a:spLocks noGrp="1"/>
+          </p:cNvSpPr>
+          <p:nvPr>
+            <p:ph type="dt" idx="1"/>
+          </p:nvPr>
+        </p:nvSpPr>
+        <p:spPr>
+          <a:xfrm>
+            <a:off x="3884613" y="0"/>
+            <a:ext cx="2971800" cy="458788"/>
+          </a:xfrm>
+          <a:prstGeom prst="rect">
+            <a:avLst/>
+          </a:prstGeom>
+        </p:spPr>
+        <p:txBody>
+          <a:bodyPr vert="horz" lIns="91440" tIns="45720" rIns="91440" bIns="45720" rtlCol="0"/>
+          <a:lstStyle>
+            <a:lvl1pPr algn="r">
+              <a:defRPr sz="1200"/>
+            </a:lvl1pPr>
+          </a:lstStyle>
+          <a:p>
+            <a:fld id="{D9374ACA-3954-42E3-B51E-F6598EAA97F2}" type="datetimeFigureOut">
+              <a:rPr lang="pt-BR" smtClean="0"/>
+              <a:t>11/07/2024</a:t>
+            </a:fld>
+            <a:endParaRPr lang="pt-BR"/>
+          </a:p>
+        </p:txBody>
+      </p:sp>
+      <p:sp>
+        <p:nvSpPr>
+          <p:cNvPr id="4" name="Espaço Reservado para Imagem de Slide 3"/>
+          <p:cNvSpPr>
+            <a:spLocks noGrp="1" noRot="1" noChangeAspect="1"/>
+          </p:cNvSpPr>
+          <p:nvPr>
+            <p:ph type="sldImg" idx="2"/>
+          </p:nvPr>
+        </p:nvSpPr>
+        <p:spPr>
+          <a:xfrm>
+            <a:off x="685800" y="1143000"/>
+            <a:ext cx="5486400" cy="3086100"/>
+          </a:xfrm>
+          <a:prstGeom prst="rect">
+            <a:avLst/>
+          </a:prstGeom>
+          <a:noFill/>
+          <a:ln w="12700">
+            <a:solidFill>
+              <a:prstClr val="black"/>
+            </a:solidFill>
+          </a:ln>
+        </p:spPr>
+        <p:txBody>
+          <a:bodyPr vert="horz" lIns="91440" tIns="45720" rIns="91440" bIns="45720" rtlCol="0" anchor="ctr"/>
+          <a:lstStyle/>
+          <a:p>
+            <a:endParaRPr lang="pt-BR"/>
+          </a:p>
+        </p:txBody>
+      </p:sp>
+      <p:sp>
+        <p:nvSpPr>
+          <p:cNvPr id="5" name="Espaço Reservado para Anotações 4"/>
+          <p:cNvSpPr>
+            <a:spLocks noGrp="1"/>
+          </p:cNvSpPr>
+          <p:nvPr>
+            <p:ph type="body" sz="quarter" idx="3"/>
+          </p:nvPr>
+        </p:nvSpPr>
+        <p:spPr>
+          <a:xfrm>
+            <a:off x="685800" y="4400550"/>
+            <a:ext cx="5486400" cy="3600450"/>
+          </a:xfrm>
+          <a:prstGeom prst="rect">
+            <a:avLst/>
+          </a:prstGeom>
+        </p:spPr>
+        <p:txBody>
+          <a:bodyPr vert="horz" lIns="91440" tIns="45720" rIns="91440" bIns="45720" rtlCol="0"/>
+          <a:lstStyle/>
+          <a:p>
+            <a:pPr lvl="0"/>
+            <a:r>
+              <a:rPr lang="pt-BR"/>
+              <a:t>Clique para editar os estilos de texto Mestres</a:t>
+            </a:r>
+          </a:p>
+          <a:p>
+            <a:pPr lvl="1"/>
+            <a:r>
+              <a:rPr lang="pt-BR"/>
+              <a:t>Segundo nível</a:t>
+            </a:r>
+          </a:p>
+          <a:p>
+            <a:pPr lvl="2"/>
+            <a:r>
+              <a:rPr lang="pt-BR"/>
+              <a:t>Terceiro nível</a:t>
+            </a:r>
+          </a:p>
+          <a:p>
+            <a:pPr lvl="3"/>
+            <a:r>
+              <a:rPr lang="pt-BR"/>
+              <a:t>Quarto nível</a:t>
+            </a:r>
+          </a:p>
+          <a:p>
+            <a:pPr lvl="4"/>
+            <a:r>
+              <a:rPr lang="pt-BR"/>
+              <a:t>Quinto nível</a:t>
+            </a:r>
+          </a:p>
+        </p:txBody>
+      </p:sp>
+      <p:sp>
+        <p:nvSpPr>
+          <p:cNvPr id="6" name="Espaço Reservado para Rodapé 5"/>
+          <p:cNvSpPr>
+            <a:spLocks noGrp="1"/>
+          </p:cNvSpPr>
+          <p:nvPr>
+            <p:ph type="ftr" sz="quarter" idx="4"/>
+          </p:nvPr>
+        </p:nvSpPr>
+        <p:spPr>
+          <a:xfrm>
+            <a:off x="0" y="8685213"/>
+            <a:ext cx="2971800" cy="458787"/>
+          </a:xfrm>
+          <a:prstGeom prst="rect">
+            <a:avLst/>
+          </a:prstGeom>
+        </p:spPr>
+        <p:txBody>
+          <a:bodyPr vert="horz" lIns="91440" tIns="45720" rIns="91440" bIns="45720" rtlCol="0" anchor="b"/>
+          <a:lstStyle>
+            <a:lvl1pPr algn="l">
+              <a:defRPr sz="1200"/>
+            </a:lvl1pPr>
+          </a:lstStyle>
+          <a:p>
+            <a:endParaRPr lang="pt-BR"/>
+          </a:p>
+        </p:txBody>
+      </p:sp>
+      <p:sp>
+        <p:nvSpPr>
+          <p:cNvPr id="7" name="Espaço Reservado para Número de Slide 6"/>
+          <p:cNvSpPr>
+            <a:spLocks noGrp="1"/>
+          </p:cNvSpPr>
+          <p:nvPr>
+            <p:ph type="sldNum" sz="quarter" idx="5"/>
+          </p:nvPr>
+        </p:nvSpPr>
+        <p:spPr>
+          <a:xfrm>
+            <a:off x="3884613" y="8685213"/>
+            <a:ext cx="2971800" cy="458787"/>
+          </a:xfrm>
+          <a:prstGeom prst="rect">
+            <a:avLst/>
+          </a:prstGeom>
+        </p:spPr>
+        <p:txBody>
+          <a:bodyPr vert="horz" lIns="91440" tIns="45720" rIns="91440" bIns="45720" rtlCol="0" anchor="b"/>
+          <a:lstStyle>
+            <a:lvl1pPr algn="r">
+              <a:defRPr sz="1200"/>
+            </a:lvl1pPr>
+          </a:lstStyle>
+          <a:p>
+            <a:fld id="{6713135C-CF49-4777-8373-BD8944E8D3DC}" type="slidenum">
+              <a:rPr lang="pt-BR" smtClean="0"/>
+              <a:t>‹nº›</a:t>
+            </a:fld>
+            <a:endParaRPr lang="pt-BR"/>
+          </a:p>
+        </p:txBody>
+      </p:sp>
+    </p:spTree>
+    <p:extLst>
+      <p:ext uri="{BB962C8B-B14F-4D97-AF65-F5344CB8AC3E}">
+        <p14:creationId xmlns:p14="http://schemas.microsoft.com/office/powerpoint/2010/main" val="3170728024"/>
+      </p:ext>
+    </p:extLst>
+  </p:cSld>
+  <p:clrMap bg1="lt1" tx1="dk1" bg2="lt2" tx2="dk2" accent1="accent1" accent2="accent2" accent3="accent3" accent4="accent4" accent5="accent5" accent6="accent6" hlink="hlink" folHlink="folHlink"/>
+  <p:notesStyle>
+    <a:lvl1pPr marL="0" algn="l" defTabSz="914400" rtl="0" eaLnBrk="1" latinLnBrk="0" hangingPunct="1">
+      <a:defRPr sz="1200" kern="1200">
+        <a:solidFill>
+          <a:schemeClr val="tx1"/>
+        </a:solidFill>
+        <a:latin typeface="+mn-lt"/>
+        <a:ea typeface="+mn-ea"/>
+        <a:cs typeface="+mn-cs"/>
+      </a:defRPr>
+    </a:lvl1pPr>
+    <a:lvl2pPr marL="457200" algn="l" defTabSz="914400" rtl="0" eaLnBrk="1" latinLnBrk="0" hangingPunct="1">
+      <a:defRPr sz="1200" kern="1200">
+        <a:solidFill>
+          <a:schemeClr val="tx1"/>
+        </a:solidFill>
+        <a:latin typeface="+mn-lt"/>
+        <a:ea typeface="+mn-ea"/>
+        <a:cs typeface="+mn-cs"/>
+      </a:defRPr>
+    </a:lvl2pPr>
+    <a:lvl3pPr marL="914400" algn="l" defTabSz="914400" rtl="0" eaLnBrk="1" latinLnBrk="0" hangingPunct="1">
+      <a:defRPr sz="1200" kern="1200">
+        <a:solidFill>
+          <a:schemeClr val="tx1"/>
+        </a:solidFill>
+        <a:latin typeface="+mn-lt"/>
+        <a:ea typeface="+mn-ea"/>
+        <a:cs typeface="+mn-cs"/>
+      </a:defRPr>
+    </a:lvl3pPr>
+    <a:lvl4pPr marL="1371600" algn="l" defTabSz="914400" rtl="0" eaLnBrk="1" latinLnBrk="0" hangingPunct="1">
+      <a:defRPr sz="1200" kern="1200">
+        <a:solidFill>
+          <a:schemeClr val="tx1"/>
+        </a:solidFill>
+        <a:latin typeface="+mn-lt"/>
+        <a:ea typeface="+mn-ea"/>
+        <a:cs typeface="+mn-cs"/>
+      </a:defRPr>
+    </a:lvl4pPr>
+    <a:lvl5pPr marL="1828800" algn="l" defTabSz="914400" rtl="0" eaLnBrk="1" latinLnBrk="0" hangingPunct="1">
+      <a:defRPr sz="1200" kern="1200">
+        <a:solidFill>
+          <a:schemeClr val="tx1"/>
+        </a:solidFill>
+        <a:latin typeface="+mn-lt"/>
+        <a:ea typeface="+mn-ea"/>
+        <a:cs typeface="+mn-cs"/>
+      </a:defRPr>
+    </a:lvl5pPr>
+    <a:lvl6pPr marL="2286000" algn="l" defTabSz="914400" rtl="0" eaLnBrk="1" latinLnBrk="0" hangingPunct="1">
+      <a:defRPr sz="1200" kern="1200">
+        <a:solidFill>
+          <a:schemeClr val="tx1"/>
+        </a:solidFill>
+        <a:latin typeface="+mn-lt"/>
+        <a:ea typeface="+mn-ea"/>
+        <a:cs typeface="+mn-cs"/>
+      </a:defRPr>
+    </a:lvl6pPr>
+    <a:lvl7pPr marL="2743200" algn="l" defTabSz="914400" rtl="0" eaLnBrk="1" latinLnBrk="0" hangingPunct="1">
+      <a:defRPr sz="1200" kern="1200">
+        <a:solidFill>
+          <a:schemeClr val="tx1"/>
+        </a:solidFill>
+        <a:latin typeface="+mn-lt"/>
+        <a:ea typeface="+mn-ea"/>
+        <a:cs typeface="+mn-cs"/>
+      </a:defRPr>
+    </a:lvl7pPr>
+    <a:lvl8pPr marL="3200400" algn="l" defTabSz="914400" rtl="0" eaLnBrk="1" latinLnBrk="0" hangingPunct="1">
+      <a:defRPr sz="1200" kern="1200">
+        <a:solidFill>
+          <a:schemeClr val="tx1"/>
+        </a:solidFill>
+        <a:latin typeface="+mn-lt"/>
+        <a:ea typeface="+mn-ea"/>
+        <a:cs typeface="+mn-cs"/>
+      </a:defRPr>
+    </a:lvl8pPr>
+    <a:lvl9pPr marL="3657600" algn="l" defTabSz="914400" rtl="0" eaLnBrk="1" latinLnBrk="0" hangingPunct="1">
+      <a:defRPr sz="1200" kern="1200">
+        <a:solidFill>
+          <a:schemeClr val="tx1"/>
+        </a:solidFill>
+        <a:latin typeface="+mn-lt"/>
+        <a:ea typeface="+mn-ea"/>
+        <a:cs typeface="+mn-cs"/>
+      </a:defRPr>
+    </a:lvl9pPr>
+  </p:notesStyle>
+</p:notesMaster>
+</file>
+
 <file path=ppt/slideLayouts/slideLayout1.xml><?xml version="1.0" encoding="utf-8"?>
 <p:sldLayout xmlns:a="http://schemas.openxmlformats.org/drawingml/2006/main" xmlns:r="http://schemas.openxmlformats.org/officeDocument/2006/relationships" xmlns:p="http://schemas.openxmlformats.org/presentationml/2006/main" type="title" preserve="1">
   <p:cSld name="capa_título">
@@ -131,10 +483,10 @@
       </p:grpSpPr>
       <p:pic>
         <p:nvPicPr>
-          <p:cNvPr id="7" name="Imagem 6">
+          <p:cNvPr id="11" name="Imagem 10">
             <a:extLst>
               <a:ext uri="{FF2B5EF4-FFF2-40B4-BE49-F238E27FC236}">
-                <a16:creationId xmlns="" xmlns:a16="http://schemas.microsoft.com/office/drawing/2014/main" id="{0659555A-62B8-4F41-8CA4-1B3A3EA14739}"/>
+                <a16:creationId xmlns:a16="http://schemas.microsoft.com/office/drawing/2014/main" id="{A8588439-4FFA-D7FA-FB21-A64F1AB11E86}"/>
               </a:ext>
             </a:extLst>
           </p:cNvPr>
@@ -143,15 +495,22 @@
           </p:cNvPicPr>
           <p:nvPr userDrawn="1"/>
         </p:nvPicPr>
-        <p:blipFill rotWithShape="1">
-          <a:blip r:embed="rId2"/>
-          <a:srcRect l="247" t="557" b="1"/>
-          <a:stretch/>
+        <p:blipFill>
+          <a:blip r:embed="rId2" cstate="print">
+            <a:extLst>
+              <a:ext uri="{28A0092B-C50C-407E-A947-70E740481C1C}">
+                <a14:useLocalDpi xmlns:a14="http://schemas.microsoft.com/office/drawing/2010/main" val="0"/>
+              </a:ext>
+            </a:extLst>
+          </a:blip>
+          <a:stretch>
+            <a:fillRect/>
+          </a:stretch>
         </p:blipFill>
         <p:spPr>
           <a:xfrm>
-            <a:off x="0" y="0"/>
-            <a:ext cx="12187897" cy="6858000"/>
+            <a:off x="0" y="428"/>
+            <a:ext cx="12192000" cy="6857143"/>
           </a:xfrm>
           <a:prstGeom prst="rect">
             <a:avLst/>
@@ -165,24 +524,30 @@
             <a:spLocks noGrp="1"/>
           </p:cNvSpPr>
           <p:nvPr>
-            <p:ph type="ctrTitle"/>
+            <p:ph type="ctrTitle" hasCustomPrompt="1"/>
           </p:nvPr>
         </p:nvSpPr>
         <p:spPr>
           <a:xfrm>
-            <a:off x="1314450" y="1122363"/>
-            <a:ext cx="9772650" cy="2387600"/>
-          </a:xfrm>
-        </p:spPr>
-        <p:txBody>
-          <a:bodyPr anchor="b">
-            <a:normAutofit/>
+            <a:off x="6624918" y="1900517"/>
+            <a:ext cx="4536141" cy="1609445"/>
+          </a:xfrm>
+          <a:prstGeom prst="rect">
+            <a:avLst/>
+          </a:prstGeom>
+        </p:spPr>
+        <p:txBody>
+          <a:bodyPr anchor="ctr">
+            <a:noAutofit/>
           </a:bodyPr>
           <a:lstStyle>
-            <a:lvl1pPr algn="ctr">
+            <a:lvl1pPr algn="l">
+              <a:lnSpc>
+                <a:spcPts val="4800"/>
+              </a:lnSpc>
               <a:defRPr lang="pt-BR" sz="4800" b="1" i="0" u="none" strike="noStrike" cap="none" dirty="0">
                 <a:solidFill>
-                  <a:srgbClr val="1F4B2D"/>
+                  <a:schemeClr val="bg1"/>
                 </a:solidFill>
                 <a:latin typeface="Microsoft JhengHei" panose="020B0604030504040204" pitchFamily="34" charset="-120"/>
                 <a:ea typeface="Microsoft JhengHei" panose="020B0604030504040204" pitchFamily="34" charset="-120"/>
@@ -211,16 +576,16 @@
         </p:nvSpPr>
         <p:spPr>
           <a:xfrm>
-            <a:off x="1314450" y="3602038"/>
-            <a:ext cx="9772650" cy="1655762"/>
+            <a:off x="6832122" y="3588589"/>
+            <a:ext cx="4254978" cy="461665"/>
           </a:xfrm>
         </p:spPr>
         <p:txBody>
           <a:bodyPr>
-            <a:normAutofit/>
+            <a:noAutofit/>
           </a:bodyPr>
           <a:lstStyle>
-            <a:lvl1pPr marL="0" marR="0" indent="0" algn="r" rtl="0">
+            <a:lvl1pPr marL="0" marR="0" indent="0" algn="l" rtl="0">
               <a:lnSpc>
                 <a:spcPct val="100000"/>
               </a:lnSpc>
@@ -235,9 +600,9 @@
               </a:buClr>
               <a:buFont typeface="Arial" panose="020B0604020202020204" pitchFamily="34" charset="0"/>
               <a:buNone/>
-              <a:defRPr lang="pt-BR" sz="2400" b="0" i="0" u="none" strike="noStrike" cap="none" dirty="0">
-                <a:solidFill>
-                  <a:srgbClr val="1F4B2D"/>
+              <a:defRPr lang="pt-BR" sz="2000" b="0" i="0" u="none" strike="noStrike" cap="none" dirty="0">
+                <a:solidFill>
+                  <a:schemeClr val="bg1"/>
                 </a:solidFill>
                 <a:latin typeface="Microsoft JhengHei" panose="020B0604030504040204" pitchFamily="34" charset="-120"/>
                 <a:ea typeface="Microsoft JhengHei" panose="020B0604030504040204" pitchFamily="34" charset="-120"/>
@@ -286,35 +651,123 @@
           </a:p>
         </p:txBody>
       </p:sp>
+      <p:sp>
+        <p:nvSpPr>
+          <p:cNvPr id="4" name="CaixaDeTexto 3"/>
+          <p:cNvSpPr txBox="1"/>
+          <p:nvPr userDrawn="1"/>
+        </p:nvSpPr>
+        <p:spPr>
+          <a:xfrm>
+            <a:off x="9330397" y="6257279"/>
+            <a:ext cx="2857500" cy="461665"/>
+          </a:xfrm>
+          <a:prstGeom prst="rect">
+            <a:avLst/>
+          </a:prstGeom>
+          <a:noFill/>
+        </p:spPr>
+        <p:txBody>
+          <a:bodyPr wrap="square" rtlCol="0">
+            <a:spAutoFit/>
+          </a:bodyPr>
+          <a:lstStyle/>
+          <a:p>
+            <a:r>
+              <a:rPr lang="pt-BR" sz="800" dirty="0">
+                <a:solidFill>
+                  <a:schemeClr val="bg1"/>
+                </a:solidFill>
+              </a:rPr>
+              <a:t>Boletim elaborado </a:t>
+            </a:r>
+            <a:r>
+              <a:rPr lang="pt-BR" sz="800" b="1" dirty="0">
+                <a:solidFill>
+                  <a:schemeClr val="bg1"/>
+                </a:solidFill>
+              </a:rPr>
+              <a:t>na Secretaria de Estado</a:t>
+            </a:r>
+            <a:r>
+              <a:rPr lang="pt-BR" sz="800" b="1" baseline="0" dirty="0">
+                <a:solidFill>
+                  <a:schemeClr val="bg1"/>
+                </a:solidFill>
+              </a:rPr>
+              <a:t> da Economia</a:t>
+            </a:r>
+            <a:r>
+              <a:rPr lang="pt-BR" sz="800" baseline="0" dirty="0">
+                <a:solidFill>
+                  <a:schemeClr val="bg1"/>
+                </a:solidFill>
+              </a:rPr>
+              <a:t> pela </a:t>
+            </a:r>
+            <a:r>
+              <a:rPr lang="pt-BR" sz="800" b="1" baseline="0" dirty="0">
+                <a:solidFill>
+                  <a:schemeClr val="bg1"/>
+                </a:solidFill>
+              </a:rPr>
+              <a:t>Assessoria Especial de Monitoramento Fiscal e Planejamento Financeiro</a:t>
+            </a:r>
+            <a:r>
+              <a:rPr lang="pt-BR" sz="800" baseline="0" dirty="0">
+                <a:solidFill>
+                  <a:schemeClr val="bg1"/>
+                </a:solidFill>
+              </a:rPr>
+              <a:t> e </a:t>
+            </a:r>
+            <a:r>
+              <a:rPr lang="pt-BR" sz="800" b="1" baseline="0" dirty="0">
+                <a:solidFill>
+                  <a:schemeClr val="bg1"/>
+                </a:solidFill>
+              </a:rPr>
+              <a:t>pela Gerência de Projeções e Análise Fiscais</a:t>
+            </a:r>
+            <a:r>
+              <a:rPr lang="pt-BR" sz="800" b="0" baseline="0" dirty="0">
+                <a:solidFill>
+                  <a:schemeClr val="bg1"/>
+                </a:solidFill>
+              </a:rPr>
+              <a:t>.</a:t>
+            </a:r>
+            <a:endParaRPr lang="pt-BR" sz="800" b="1" dirty="0">
+              <a:solidFill>
+                <a:schemeClr val="bg1"/>
+              </a:solidFill>
+            </a:endParaRPr>
+          </a:p>
+        </p:txBody>
+      </p:sp>
       <p:pic>
         <p:nvPicPr>
-          <p:cNvPr id="9" name="Google Shape;99;p1">
+          <p:cNvPr id="8" name="Google Shape;108;p2">
             <a:extLst>
               <a:ext uri="{FF2B5EF4-FFF2-40B4-BE49-F238E27FC236}">
-                <a16:creationId xmlns="" xmlns:a16="http://schemas.microsoft.com/office/drawing/2014/main" id="{DE5005F3-3792-41C9-8075-52A42497510B}"/>
+                <a16:creationId xmlns:a16="http://schemas.microsoft.com/office/drawing/2014/main" id="{8C659ED9-5019-8891-8BA8-89CAA0ECB096}"/>
               </a:ext>
             </a:extLst>
           </p:cNvPr>
-          <p:cNvPicPr preferRelativeResize="0">
-            <a:picLocks noChangeAspect="1" noChangeArrowheads="1"/>
-          </p:cNvPicPr>
+          <p:cNvPicPr preferRelativeResize="0"/>
           <p:nvPr userDrawn="1"/>
         </p:nvPicPr>
         <p:blipFill rotWithShape="1">
-          <a:blip r:embed="rId3" cstate="print">
-            <a:extLst>
-              <a:ext uri="{28A0092B-C50C-407E-A947-70E740481C1C}">
-                <a14:useLocalDpi xmlns:a14="http://schemas.microsoft.com/office/drawing/2010/main" val="0"/>
-              </a:ext>
-            </a:extLst>
+          <a:blip r:embed="rId3">
+            <a:alphaModFix/>
           </a:blip>
-          <a:srcRect l="32545"/>
+          <a:srcRect l="32230" r="118"/>
           <a:stretch/>
         </p:blipFill>
-        <p:spPr bwMode="auto">
-          <a:xfrm>
-            <a:off x="10285123" y="219961"/>
-            <a:ext cx="1603954" cy="485416"/>
+        <p:spPr>
+          <a:xfrm>
+            <a:off x="10456850" y="262313"/>
+            <a:ext cx="1533873" cy="461665"/>
           </a:xfrm>
           <a:prstGeom prst="rect">
             <a:avLst/>
@@ -323,85 +776,284 @@
           <a:ln>
             <a:noFill/>
           </a:ln>
-          <a:extLst>
-            <a:ext uri="{909E8E84-426E-40DD-AFC4-6F175D3DCCD1}">
-              <a14:hiddenFill xmlns:a14="http://schemas.microsoft.com/office/drawing/2010/main">
-                <a:solidFill>
-                  <a:srgbClr val="FFFFFF"/>
-                </a:solidFill>
-              </a14:hiddenFill>
-            </a:ext>
-            <a:ext uri="{91240B29-F687-4F45-9708-019B960494DF}">
-              <a14:hiddenLine xmlns:a14="http://schemas.microsoft.com/office/drawing/2010/main" w="9525">
-                <a:solidFill>
-                  <a:srgbClr val="000000"/>
-                </a:solidFill>
-                <a:miter lim="800000"/>
-                <a:headEnd/>
-                <a:tailEnd/>
-              </a14:hiddenLine>
-            </a:ext>
-          </a:extLst>
         </p:spPr>
       </p:pic>
-      <p:sp>
-        <p:nvSpPr>
-          <p:cNvPr id="4" name="CaixaDeTexto 3"/>
-          <p:cNvSpPr txBox="1"/>
+      <p:cxnSp>
+        <p:nvCxnSpPr>
+          <p:cNvPr id="13" name="Conector reto 12">
+            <a:extLst>
+              <a:ext uri="{FF2B5EF4-FFF2-40B4-BE49-F238E27FC236}">
+                <a16:creationId xmlns:a16="http://schemas.microsoft.com/office/drawing/2014/main" id="{F60AC68A-0BA7-1254-0CE1-1AE52420A3DE}"/>
+              </a:ext>
+            </a:extLst>
+          </p:cNvPr>
+          <p:cNvCxnSpPr>
+            <a:cxnSpLocks/>
+          </p:cNvCxnSpPr>
           <p:nvPr userDrawn="1"/>
-        </p:nvSpPr>
-        <p:spPr>
-          <a:xfrm>
-            <a:off x="9330397" y="6257279"/>
-            <a:ext cx="2857500" cy="461665"/>
-          </a:xfrm>
-          <a:prstGeom prst="rect">
+        </p:nvCxnSpPr>
+        <p:spPr>
+          <a:xfrm flipH="1">
+            <a:off x="6832122" y="3571337"/>
+            <a:ext cx="5355775" cy="0"/>
+          </a:xfrm>
+          <a:prstGeom prst="line">
             <a:avLst/>
           </a:prstGeom>
-          <a:noFill/>
-        </p:spPr>
-        <p:txBody>
-          <a:bodyPr wrap="square" rtlCol="0">
-            <a:spAutoFit/>
-          </a:bodyPr>
-          <a:lstStyle/>
-          <a:p>
-            <a:r>
-              <a:rPr lang="pt-BR" sz="800" dirty="0" smtClean="0"/>
-              <a:t>Boletim elaborado </a:t>
-            </a:r>
-            <a:r>
-              <a:rPr lang="pt-BR" sz="800" b="1" dirty="0" smtClean="0"/>
-              <a:t>na Secretaria de Estado</a:t>
-            </a:r>
-            <a:r>
-              <a:rPr lang="pt-BR" sz="800" b="1" baseline="0" dirty="0" smtClean="0"/>
-              <a:t> da Economia</a:t>
-            </a:r>
-            <a:r>
-              <a:rPr lang="pt-BR" sz="800" baseline="0" dirty="0" smtClean="0"/>
-              <a:t> pela </a:t>
-            </a:r>
-            <a:r>
-              <a:rPr lang="pt-BR" sz="800" b="1" baseline="0" dirty="0" smtClean="0"/>
-              <a:t>Assessoria Especial de Monitoramento Fiscal e Planejamento Financeiro</a:t>
-            </a:r>
-            <a:r>
-              <a:rPr lang="pt-BR" sz="800" baseline="0" dirty="0" smtClean="0"/>
-              <a:t> e </a:t>
-            </a:r>
-            <a:r>
-              <a:rPr lang="pt-BR" sz="800" b="1" baseline="0" dirty="0" smtClean="0"/>
-              <a:t>pela Gerência de Projeções e Análise Fiscais</a:t>
-            </a:r>
-            <a:r>
-              <a:rPr lang="pt-BR" sz="800" b="0" baseline="0" dirty="0" smtClean="0"/>
-              <a:t>.</a:t>
-            </a:r>
-            <a:endParaRPr lang="pt-BR" sz="800" b="1" dirty="0"/>
-          </a:p>
-        </p:txBody>
-      </p:sp>
+          <a:ln w="19050">
+            <a:solidFill>
+              <a:schemeClr val="bg1"/>
+            </a:solidFill>
+            <a:prstDash val="sysDot"/>
+          </a:ln>
+        </p:spPr>
+        <p:style>
+          <a:lnRef idx="1">
+            <a:schemeClr val="accent1"/>
+          </a:lnRef>
+          <a:fillRef idx="0">
+            <a:schemeClr val="accent1"/>
+          </a:fillRef>
+          <a:effectRef idx="0">
+            <a:schemeClr val="accent1"/>
+          </a:effectRef>
+          <a:fontRef idx="minor">
+            <a:schemeClr val="tx1"/>
+          </a:fontRef>
+        </p:style>
+      </p:cxnSp>
+      <p:cxnSp>
+        <p:nvCxnSpPr>
+          <p:cNvPr id="18" name="Conector reto 17">
+            <a:extLst>
+              <a:ext uri="{FF2B5EF4-FFF2-40B4-BE49-F238E27FC236}">
+                <a16:creationId xmlns:a16="http://schemas.microsoft.com/office/drawing/2014/main" id="{EBACD8D5-5C9F-ABF3-DF10-4775EE638966}"/>
+              </a:ext>
+            </a:extLst>
+          </p:cNvPr>
+          <p:cNvCxnSpPr>
+            <a:cxnSpLocks/>
+          </p:cNvCxnSpPr>
+          <p:nvPr userDrawn="1"/>
+        </p:nvCxnSpPr>
+        <p:spPr>
+          <a:xfrm>
+            <a:off x="6555231" y="1900517"/>
+            <a:ext cx="0" cy="1609446"/>
+          </a:xfrm>
+          <a:prstGeom prst="line">
+            <a:avLst/>
+          </a:prstGeom>
+          <a:ln w="57150">
+            <a:solidFill>
+              <a:schemeClr val="bg1"/>
+            </a:solidFill>
+          </a:ln>
+        </p:spPr>
+        <p:style>
+          <a:lnRef idx="1">
+            <a:schemeClr val="accent1"/>
+          </a:lnRef>
+          <a:fillRef idx="0">
+            <a:schemeClr val="accent1"/>
+          </a:fillRef>
+          <a:effectRef idx="0">
+            <a:schemeClr val="accent1"/>
+          </a:effectRef>
+          <a:fontRef idx="minor">
+            <a:schemeClr val="tx1"/>
+          </a:fontRef>
+        </p:style>
+      </p:cxnSp>
+      <p:grpSp>
+        <p:nvGrpSpPr>
+          <p:cNvPr id="5" name="Agrupar 4">
+            <a:extLst>
+              <a:ext uri="{FF2B5EF4-FFF2-40B4-BE49-F238E27FC236}">
+                <a16:creationId xmlns:a16="http://schemas.microsoft.com/office/drawing/2014/main" id="{35F743B7-4ABA-84BC-9CDE-7D278CFDACE7}"/>
+              </a:ext>
+            </a:extLst>
+          </p:cNvPr>
+          <p:cNvGrpSpPr/>
+          <p:nvPr userDrawn="1"/>
+        </p:nvGrpSpPr>
+        <p:grpSpPr>
+          <a:xfrm rot="16200000">
+            <a:off x="10738339" y="5403536"/>
+            <a:ext cx="45719" cy="2861603"/>
+            <a:chOff x="68577" y="-3604"/>
+            <a:chExt cx="45720" cy="817990"/>
+          </a:xfrm>
+        </p:grpSpPr>
+        <p:sp>
+          <p:nvSpPr>
+            <p:cNvPr id="6" name="Retângulo 5">
+              <a:extLst>
+                <a:ext uri="{FF2B5EF4-FFF2-40B4-BE49-F238E27FC236}">
+                  <a16:creationId xmlns:a16="http://schemas.microsoft.com/office/drawing/2014/main" id="{38980EA9-8F8C-5D62-5802-6F2BE667B933}"/>
+                </a:ext>
+              </a:extLst>
+            </p:cNvPr>
+            <p:cNvSpPr/>
+            <p:nvPr userDrawn="1"/>
+          </p:nvSpPr>
+          <p:spPr>
+            <a:xfrm>
+              <a:off x="68578" y="-3604"/>
+              <a:ext cx="45719" cy="273600"/>
+            </a:xfrm>
+            <a:prstGeom prst="rect">
+              <a:avLst/>
+            </a:prstGeom>
+            <a:solidFill>
+              <a:srgbClr val="002E23"/>
+            </a:solidFill>
+            <a:ln>
+              <a:noFill/>
+            </a:ln>
+          </p:spPr>
+          <p:style>
+            <a:lnRef idx="2">
+              <a:schemeClr val="accent1">
+                <a:shade val="50000"/>
+              </a:schemeClr>
+            </a:lnRef>
+            <a:fillRef idx="1">
+              <a:schemeClr val="accent1"/>
+            </a:fillRef>
+            <a:effectRef idx="0">
+              <a:schemeClr val="accent1"/>
+            </a:effectRef>
+            <a:fontRef idx="minor">
+              <a:schemeClr val="lt1"/>
+            </a:fontRef>
+          </p:style>
+          <p:txBody>
+            <a:bodyPr rtlCol="0" anchor="ctr"/>
+            <a:lstStyle/>
+            <a:p>
+              <a:pPr algn="ctr"/>
+              <a:endParaRPr lang="pt-BR" dirty="0">
+                <a:solidFill>
+                  <a:srgbClr val="006E54"/>
+                </a:solidFill>
+              </a:endParaRPr>
+            </a:p>
+          </p:txBody>
+        </p:sp>
+        <p:sp>
+          <p:nvSpPr>
+            <p:cNvPr id="7" name="Retângulo 6">
+              <a:extLst>
+                <a:ext uri="{FF2B5EF4-FFF2-40B4-BE49-F238E27FC236}">
+                  <a16:creationId xmlns:a16="http://schemas.microsoft.com/office/drawing/2014/main" id="{3C9D02B1-16A3-6853-9EA8-2C35CC80A6C7}"/>
+                </a:ext>
+              </a:extLst>
+            </p:cNvPr>
+            <p:cNvSpPr/>
+            <p:nvPr userDrawn="1"/>
+          </p:nvSpPr>
+          <p:spPr>
+            <a:xfrm>
+              <a:off x="68578" y="267186"/>
+              <a:ext cx="45719" cy="273600"/>
+            </a:xfrm>
+            <a:prstGeom prst="rect">
+              <a:avLst/>
+            </a:prstGeom>
+            <a:solidFill>
+              <a:srgbClr val="AC9A63"/>
+            </a:solidFill>
+            <a:ln>
+              <a:noFill/>
+            </a:ln>
+          </p:spPr>
+          <p:style>
+            <a:lnRef idx="2">
+              <a:schemeClr val="accent1">
+                <a:shade val="50000"/>
+              </a:schemeClr>
+            </a:lnRef>
+            <a:fillRef idx="1">
+              <a:schemeClr val="accent1"/>
+            </a:fillRef>
+            <a:effectRef idx="0">
+              <a:schemeClr val="accent1"/>
+            </a:effectRef>
+            <a:fontRef idx="minor">
+              <a:schemeClr val="lt1"/>
+            </a:fontRef>
+          </p:style>
+          <p:txBody>
+            <a:bodyPr rtlCol="0" anchor="ctr"/>
+            <a:lstStyle/>
+            <a:p>
+              <a:pPr algn="ctr"/>
+              <a:endParaRPr lang="pt-BR" dirty="0">
+                <a:solidFill>
+                  <a:srgbClr val="006E54"/>
+                </a:solidFill>
+              </a:endParaRPr>
+            </a:p>
+          </p:txBody>
+        </p:sp>
+        <p:sp>
+          <p:nvSpPr>
+            <p:cNvPr id="9" name="Retângulo 8">
+              <a:extLst>
+                <a:ext uri="{FF2B5EF4-FFF2-40B4-BE49-F238E27FC236}">
+                  <a16:creationId xmlns:a16="http://schemas.microsoft.com/office/drawing/2014/main" id="{8760A27A-B74B-2D9E-0D4F-9EEA0A4E8784}"/>
+                </a:ext>
+              </a:extLst>
+            </p:cNvPr>
+            <p:cNvSpPr/>
+            <p:nvPr userDrawn="1"/>
+          </p:nvSpPr>
+          <p:spPr>
+            <a:xfrm>
+              <a:off x="68577" y="540786"/>
+              <a:ext cx="45720" cy="273600"/>
+            </a:xfrm>
+            <a:prstGeom prst="rect">
+              <a:avLst/>
+            </a:prstGeom>
+            <a:solidFill>
+              <a:srgbClr val="003774"/>
+            </a:solidFill>
+            <a:ln>
+              <a:noFill/>
+            </a:ln>
+          </p:spPr>
+          <p:style>
+            <a:lnRef idx="2">
+              <a:schemeClr val="accent1">
+                <a:shade val="50000"/>
+              </a:schemeClr>
+            </a:lnRef>
+            <a:fillRef idx="1">
+              <a:schemeClr val="accent1"/>
+            </a:fillRef>
+            <a:effectRef idx="0">
+              <a:schemeClr val="accent1"/>
+            </a:effectRef>
+            <a:fontRef idx="minor">
+              <a:schemeClr val="lt1"/>
+            </a:fontRef>
+          </p:style>
+          <p:txBody>
+            <a:bodyPr rtlCol="0" anchor="ctr"/>
+            <a:lstStyle/>
+            <a:p>
+              <a:pPr algn="ctr"/>
+              <a:endParaRPr lang="pt-BR" dirty="0">
+                <a:solidFill>
+                  <a:srgbClr val="006E54"/>
+                </a:solidFill>
+              </a:endParaRPr>
+            </a:p>
+          </p:txBody>
+        </p:sp>
+      </p:grpSp>
     </p:spTree>
     <p:extLst>
       <p:ext uri="{BB962C8B-B14F-4D97-AF65-F5344CB8AC3E}">
@@ -447,6 +1099,9 @@
             <a:off x="1001282" y="457200"/>
             <a:ext cx="3770743" cy="1600200"/>
           </a:xfrm>
+          <a:prstGeom prst="rect">
+            <a:avLst/>
+          </a:prstGeom>
         </p:spPr>
         <p:txBody>
           <a:bodyPr anchor="b"/>
@@ -607,11 +1262,15 @@
         </p:spPr>
         <p:txBody>
           <a:bodyPr/>
-          <a:lstStyle/>
-          <a:p>
-            <a:fld id="{594ACB89-4662-4B0D-B4A6-6AB382733EB7}" type="datetimeFigureOut">
+          <a:lstStyle>
+            <a:lvl1pPr>
+              <a:defRPr sz="1000"/>
+            </a:lvl1pPr>
+          </a:lstStyle>
+          <a:p>
+            <a:fld id="{3847EC4F-048C-499A-9D4E-DFDB1061565D}" type="datetime1">
               <a:rPr lang="pt-BR" smtClean="0"/>
-              <a:t>05/07/2024</a:t>
+              <a:t>11/07/2024</a:t>
             </a:fld>
             <a:endParaRPr lang="pt-BR"/>
           </a:p>
@@ -635,12 +1294,17 @@
         </p:spPr>
         <p:txBody>
           <a:bodyPr/>
-          <a:lstStyle/>
-          <a:p>
-            <a:r>
-              <a:rPr lang="pt-BR" dirty="0"/>
-              <a:t>Secretaria de Estado da Economia</a:t>
-            </a:r>
+          <a:lstStyle>
+            <a:lvl1pPr>
+              <a:defRPr sz="1000"/>
+            </a:lvl1pPr>
+          </a:lstStyle>
+          <a:p>
+            <a:r>
+              <a:rPr lang="pt-BR"/>
+              <a:t>Boletim Econômico | Secretaria de Estado da Economia</a:t>
+            </a:r>
+            <a:endParaRPr lang="pt-BR" dirty="0"/>
           </a:p>
         </p:txBody>
       </p:sp>
@@ -662,10 +1326,15 @@
         </p:spPr>
         <p:txBody>
           <a:bodyPr/>
-          <a:lstStyle/>
+          <a:lstStyle>
+            <a:lvl1pPr>
+              <a:defRPr sz="1000"/>
+            </a:lvl1pPr>
+          </a:lstStyle>
           <a:p>
             <a:fld id="{FAACE0D2-E678-453C-8082-E08B461DE721}" type="slidenum">
               <a:rPr lang="pt-BR" smtClean="0"/>
+              <a:pPr/>
               <a:t>‹nº›</a:t>
             </a:fld>
             <a:endParaRPr lang="pt-BR"/>
@@ -722,45 +1391,6 @@
           </a:p>
         </p:txBody>
       </p:sp>
-      <p:cxnSp>
-        <p:nvCxnSpPr>
-          <p:cNvPr id="14" name="Conector reto 13"/>
-          <p:cNvCxnSpPr/>
-          <p:nvPr userDrawn="1"/>
-        </p:nvCxnSpPr>
-        <p:spPr>
-          <a:xfrm>
-            <a:off x="3603121" y="6472341"/>
-            <a:ext cx="4985759" cy="0"/>
-          </a:xfrm>
-          <a:prstGeom prst="line">
-            <a:avLst/>
-          </a:prstGeom>
-          <a:ln w="12700" cap="rnd">
-            <a:solidFill>
-              <a:srgbClr val="008666">
-                <a:alpha val="50000"/>
-              </a:srgbClr>
-            </a:solidFill>
-            <a:miter lim="800000"/>
-          </a:ln>
-          <a:effectLst/>
-        </p:spPr>
-        <p:style>
-          <a:lnRef idx="1">
-            <a:schemeClr val="accent1"/>
-          </a:lnRef>
-          <a:fillRef idx="0">
-            <a:schemeClr val="accent1"/>
-          </a:fillRef>
-          <a:effectRef idx="0">
-            <a:schemeClr val="accent1"/>
-          </a:effectRef>
-          <a:fontRef idx="minor">
-            <a:schemeClr val="tx1"/>
-          </a:fontRef>
-        </p:style>
-      </p:cxnSp>
     </p:spTree>
     <p:extLst>
       <p:ext uri="{BB962C8B-B14F-4D97-AF65-F5344CB8AC3E}">
@@ -860,11 +1490,15 @@
         </p:spPr>
         <p:txBody>
           <a:bodyPr/>
-          <a:lstStyle/>
-          <a:p>
-            <a:fld id="{594ACB89-4662-4B0D-B4A6-6AB382733EB7}" type="datetimeFigureOut">
+          <a:lstStyle>
+            <a:lvl1pPr>
+              <a:defRPr sz="1000"/>
+            </a:lvl1pPr>
+          </a:lstStyle>
+          <a:p>
+            <a:fld id="{3B02893F-FD53-419E-9D45-9790A94DA4D0}" type="datetime1">
               <a:rPr lang="pt-BR" smtClean="0"/>
-              <a:t>05/07/2024</a:t>
+              <a:t>11/07/2024</a:t>
             </a:fld>
             <a:endParaRPr lang="pt-BR"/>
           </a:p>
@@ -888,12 +1522,17 @@
         </p:spPr>
         <p:txBody>
           <a:bodyPr/>
-          <a:lstStyle/>
-          <a:p>
-            <a:r>
-              <a:rPr lang="pt-BR" dirty="0"/>
-              <a:t>Secretaria de Estado da Economia</a:t>
-            </a:r>
+          <a:lstStyle>
+            <a:lvl1pPr>
+              <a:defRPr sz="1000"/>
+            </a:lvl1pPr>
+          </a:lstStyle>
+          <a:p>
+            <a:r>
+              <a:rPr lang="pt-BR"/>
+              <a:t>Boletim Econômico | Secretaria de Estado da Economia</a:t>
+            </a:r>
+            <a:endParaRPr lang="pt-BR" dirty="0"/>
           </a:p>
         </p:txBody>
       </p:sp>
@@ -915,58 +1554,30 @@
         </p:spPr>
         <p:txBody>
           <a:bodyPr/>
-          <a:lstStyle/>
+          <a:lstStyle>
+            <a:lvl1pPr>
+              <a:defRPr sz="1000"/>
+            </a:lvl1pPr>
+          </a:lstStyle>
           <a:p>
             <a:fld id="{FAACE0D2-E678-453C-8082-E08B461DE721}" type="slidenum">
               <a:rPr lang="pt-BR" smtClean="0"/>
+              <a:pPr/>
               <a:t>‹nº›</a:t>
             </a:fld>
             <a:endParaRPr lang="pt-BR"/>
           </a:p>
         </p:txBody>
       </p:sp>
-      <p:cxnSp>
-        <p:nvCxnSpPr>
-          <p:cNvPr id="12" name="Conector reto 11"/>
-          <p:cNvCxnSpPr/>
-          <p:nvPr userDrawn="1"/>
-        </p:nvCxnSpPr>
-        <p:spPr>
-          <a:xfrm>
-            <a:off x="3603121" y="6472341"/>
-            <a:ext cx="4985759" cy="0"/>
-          </a:xfrm>
-          <a:prstGeom prst="line">
-            <a:avLst/>
-          </a:prstGeom>
-          <a:ln w="12700" cap="rnd">
-            <a:solidFill>
-              <a:srgbClr val="008666">
-                <a:alpha val="50000"/>
-              </a:srgbClr>
-            </a:solidFill>
-            <a:miter lim="800000"/>
-          </a:ln>
-          <a:effectLst/>
-        </p:spPr>
-        <p:style>
-          <a:lnRef idx="1">
-            <a:schemeClr val="accent1"/>
-          </a:lnRef>
-          <a:fillRef idx="0">
-            <a:schemeClr val="accent1"/>
-          </a:fillRef>
-          <a:effectRef idx="0">
-            <a:schemeClr val="accent1"/>
-          </a:effectRef>
-          <a:fontRef idx="minor">
-            <a:schemeClr val="tx1"/>
-          </a:fontRef>
-        </p:style>
-      </p:cxnSp>
-      <p:sp>
-        <p:nvSpPr>
-          <p:cNvPr id="13" name="Espaço Reservado para Título 1"/>
+      <p:sp>
+        <p:nvSpPr>
+          <p:cNvPr id="2" name="Espaço Reservado para Título 1">
+            <a:extLst>
+              <a:ext uri="{FF2B5EF4-FFF2-40B4-BE49-F238E27FC236}">
+                <a16:creationId xmlns:a16="http://schemas.microsoft.com/office/drawing/2014/main" id="{3AD85877-CCAC-EB62-C471-24B21E536170}"/>
+              </a:ext>
+            </a:extLst>
+          </p:cNvPr>
           <p:cNvSpPr>
             <a:spLocks noGrp="1"/>
           </p:cNvSpPr>
@@ -987,7 +1598,15 @@
           <a:bodyPr vert="horz" lIns="91440" tIns="45720" rIns="91440" bIns="45720" rtlCol="0" anchor="ctr">
             <a:noAutofit/>
           </a:bodyPr>
-          <a:lstStyle/>
+          <a:lstStyle>
+            <a:lvl1pPr>
+              <a:defRPr>
+                <a:solidFill>
+                  <a:srgbClr val="002E6B"/>
+                </a:solidFill>
+              </a:defRPr>
+            </a:lvl1pPr>
+          </a:lstStyle>
           <a:p>
             <a:r>
               <a:rPr lang="pt-BR" dirty="0"/>
@@ -998,10 +1617,10 @@
       </p:sp>
       <p:sp>
         <p:nvSpPr>
-          <p:cNvPr id="15" name="Subtítulo 2">
+          <p:cNvPr id="5" name="Subtítulo 2">
             <a:extLst>
               <a:ext uri="{FF2B5EF4-FFF2-40B4-BE49-F238E27FC236}">
-                <a16:creationId xmlns="" xmlns:a16="http://schemas.microsoft.com/office/drawing/2014/main" id="{A7872648-BA39-4DB2-AE89-6A10579AD6EF}"/>
+                <a16:creationId xmlns:a16="http://schemas.microsoft.com/office/drawing/2014/main" id="{08C1C99A-960A-26D2-7643-D6AEFECE766C}"/>
               </a:ext>
             </a:extLst>
           </p:cNvPr>
@@ -1040,7 +1659,7 @@
               <a:buNone/>
               <a:defRPr lang="pt-BR" sz="2200" b="0" i="0" u="none" strike="noStrike" cap="none" dirty="0">
                 <a:solidFill>
-                  <a:srgbClr val="008666"/>
+                  <a:srgbClr val="00579E"/>
                 </a:solidFill>
                 <a:latin typeface="Microsoft JhengHei" panose="020B0604030504040204" pitchFamily="34" charset="-120"/>
                 <a:ea typeface="Microsoft JhengHei" panose="020B0604030504040204" pitchFamily="34" charset="-120"/>
@@ -1089,56 +1708,195 @@
           </a:p>
         </p:txBody>
       </p:sp>
-      <p:sp>
-        <p:nvSpPr>
-          <p:cNvPr id="14" name="Retângulo 13"/>
-          <p:cNvSpPr/>
+      <p:grpSp>
+        <p:nvGrpSpPr>
+          <p:cNvPr id="6" name="Agrupar 5">
+            <a:extLst>
+              <a:ext uri="{FF2B5EF4-FFF2-40B4-BE49-F238E27FC236}">
+                <a16:creationId xmlns:a16="http://schemas.microsoft.com/office/drawing/2014/main" id="{36DE49A4-2DB7-B45D-85D2-4895E1D19F66}"/>
+              </a:ext>
+            </a:extLst>
+          </p:cNvPr>
+          <p:cNvGrpSpPr/>
           <p:nvPr userDrawn="1"/>
-        </p:nvSpPr>
-        <p:spPr>
-          <a:xfrm>
-            <a:off x="0" y="0"/>
-            <a:ext cx="45719" cy="830263"/>
-          </a:xfrm>
-          <a:prstGeom prst="rect">
-            <a:avLst/>
-          </a:prstGeom>
-          <a:solidFill>
-            <a:srgbClr val="008666"/>
-          </a:solidFill>
-          <a:ln>
-            <a:noFill/>
-          </a:ln>
-        </p:spPr>
-        <p:style>
-          <a:lnRef idx="2">
-            <a:schemeClr val="accent1">
-              <a:shade val="50000"/>
-            </a:schemeClr>
-          </a:lnRef>
-          <a:fillRef idx="1">
-            <a:schemeClr val="accent1"/>
-          </a:fillRef>
-          <a:effectRef idx="0">
-            <a:schemeClr val="accent1"/>
-          </a:effectRef>
-          <a:fontRef idx="minor">
-            <a:schemeClr val="lt1"/>
-          </a:fontRef>
-        </p:style>
-        <p:txBody>
-          <a:bodyPr rtlCol="0" anchor="ctr"/>
-          <a:lstStyle/>
-          <a:p>
-            <a:pPr algn="ctr"/>
-            <a:endParaRPr lang="pt-BR" dirty="0">
-              <a:solidFill>
-                <a:srgbClr val="006E54"/>
-              </a:solidFill>
-            </a:endParaRPr>
-          </a:p>
-        </p:txBody>
-      </p:sp>
+        </p:nvGrpSpPr>
+        <p:grpSpPr>
+          <a:xfrm>
+            <a:off x="-2" y="-3604"/>
+            <a:ext cx="18000" cy="817990"/>
+            <a:chOff x="68577" y="-3604"/>
+            <a:chExt cx="45720" cy="817990"/>
+          </a:xfrm>
+        </p:grpSpPr>
+        <p:sp>
+          <p:nvSpPr>
+            <p:cNvPr id="10" name="Retângulo 9">
+              <a:extLst>
+                <a:ext uri="{FF2B5EF4-FFF2-40B4-BE49-F238E27FC236}">
+                  <a16:creationId xmlns:a16="http://schemas.microsoft.com/office/drawing/2014/main" id="{912797EB-1FCF-2863-4665-ADF21A9023C2}"/>
+                </a:ext>
+              </a:extLst>
+            </p:cNvPr>
+            <p:cNvSpPr/>
+            <p:nvPr userDrawn="1"/>
+          </p:nvSpPr>
+          <p:spPr>
+            <a:xfrm>
+              <a:off x="68578" y="-3604"/>
+              <a:ext cx="45719" cy="273600"/>
+            </a:xfrm>
+            <a:prstGeom prst="rect">
+              <a:avLst/>
+            </a:prstGeom>
+            <a:solidFill>
+              <a:srgbClr val="002E23"/>
+            </a:solidFill>
+            <a:ln>
+              <a:noFill/>
+            </a:ln>
+          </p:spPr>
+          <p:style>
+            <a:lnRef idx="2">
+              <a:schemeClr val="accent1">
+                <a:shade val="50000"/>
+              </a:schemeClr>
+            </a:lnRef>
+            <a:fillRef idx="1">
+              <a:schemeClr val="accent1"/>
+            </a:fillRef>
+            <a:effectRef idx="0">
+              <a:schemeClr val="accent1"/>
+            </a:effectRef>
+            <a:fontRef idx="minor">
+              <a:schemeClr val="lt1"/>
+            </a:fontRef>
+          </p:style>
+          <p:txBody>
+            <a:bodyPr rtlCol="0" anchor="ctr"/>
+            <a:lstStyle/>
+            <a:p>
+              <a:pPr algn="ctr"/>
+              <a:endParaRPr lang="pt-BR" dirty="0">
+                <a:solidFill>
+                  <a:srgbClr val="006E54"/>
+                </a:solidFill>
+              </a:endParaRPr>
+            </a:p>
+          </p:txBody>
+        </p:sp>
+        <p:sp>
+          <p:nvSpPr>
+            <p:cNvPr id="11" name="Retângulo 10">
+              <a:extLst>
+                <a:ext uri="{FF2B5EF4-FFF2-40B4-BE49-F238E27FC236}">
+                  <a16:creationId xmlns:a16="http://schemas.microsoft.com/office/drawing/2014/main" id="{E080AD34-88E1-7C36-A729-BC4471FF87D3}"/>
+                </a:ext>
+              </a:extLst>
+            </p:cNvPr>
+            <p:cNvSpPr/>
+            <p:nvPr userDrawn="1"/>
+          </p:nvSpPr>
+          <p:spPr>
+            <a:xfrm>
+              <a:off x="68578" y="267186"/>
+              <a:ext cx="45719" cy="273600"/>
+            </a:xfrm>
+            <a:prstGeom prst="rect">
+              <a:avLst/>
+            </a:prstGeom>
+            <a:solidFill>
+              <a:srgbClr val="AC9A63"/>
+            </a:solidFill>
+            <a:ln>
+              <a:noFill/>
+            </a:ln>
+          </p:spPr>
+          <p:style>
+            <a:lnRef idx="2">
+              <a:schemeClr val="accent1">
+                <a:shade val="50000"/>
+              </a:schemeClr>
+            </a:lnRef>
+            <a:fillRef idx="1">
+              <a:schemeClr val="accent1"/>
+            </a:fillRef>
+            <a:effectRef idx="0">
+              <a:schemeClr val="accent1"/>
+            </a:effectRef>
+            <a:fontRef idx="minor">
+              <a:schemeClr val="lt1"/>
+            </a:fontRef>
+          </p:style>
+          <p:txBody>
+            <a:bodyPr rtlCol="0" anchor="ctr"/>
+            <a:lstStyle/>
+            <a:p>
+              <a:pPr algn="ctr"/>
+              <a:endParaRPr lang="pt-BR" dirty="0">
+                <a:solidFill>
+                  <a:srgbClr val="006E54"/>
+                </a:solidFill>
+              </a:endParaRPr>
+            </a:p>
+          </p:txBody>
+        </p:sp>
+        <p:sp>
+          <p:nvSpPr>
+            <p:cNvPr id="12" name="Retângulo 11">
+              <a:extLst>
+                <a:ext uri="{FF2B5EF4-FFF2-40B4-BE49-F238E27FC236}">
+                  <a16:creationId xmlns:a16="http://schemas.microsoft.com/office/drawing/2014/main" id="{B8168C81-FD49-BA99-CD7E-27586FCBE44B}"/>
+                </a:ext>
+              </a:extLst>
+            </p:cNvPr>
+            <p:cNvSpPr/>
+            <p:nvPr userDrawn="1"/>
+          </p:nvSpPr>
+          <p:spPr>
+            <a:xfrm>
+              <a:off x="68577" y="540786"/>
+              <a:ext cx="45720" cy="273600"/>
+            </a:xfrm>
+            <a:prstGeom prst="rect">
+              <a:avLst/>
+            </a:prstGeom>
+            <a:solidFill>
+              <a:srgbClr val="003774"/>
+            </a:solidFill>
+            <a:ln>
+              <a:noFill/>
+            </a:ln>
+          </p:spPr>
+          <p:style>
+            <a:lnRef idx="2">
+              <a:schemeClr val="accent1">
+                <a:shade val="50000"/>
+              </a:schemeClr>
+            </a:lnRef>
+            <a:fillRef idx="1">
+              <a:schemeClr val="accent1"/>
+            </a:fillRef>
+            <a:effectRef idx="0">
+              <a:schemeClr val="accent1"/>
+            </a:effectRef>
+            <a:fontRef idx="minor">
+              <a:schemeClr val="lt1"/>
+            </a:fontRef>
+          </p:style>
+          <p:txBody>
+            <a:bodyPr rtlCol="0" anchor="ctr"/>
+            <a:lstStyle/>
+            <a:p>
+              <a:pPr algn="ctr"/>
+              <a:endParaRPr lang="pt-BR" dirty="0">
+                <a:solidFill>
+                  <a:srgbClr val="006E54"/>
+                </a:solidFill>
+              </a:endParaRPr>
+            </a:p>
+          </p:txBody>
+        </p:sp>
+      </p:grpSp>
     </p:spTree>
     <p:extLst>
       <p:ext uri="{BB962C8B-B14F-4D97-AF65-F5344CB8AC3E}">
@@ -1184,6 +1942,9 @@
             <a:off x="8724900" y="1162227"/>
             <a:ext cx="2628900" cy="5014735"/>
           </a:xfrm>
+          <a:prstGeom prst="rect">
+            <a:avLst/>
+          </a:prstGeom>
         </p:spPr>
         <p:txBody>
           <a:bodyPr vert="eaVert"/>
@@ -1270,11 +2031,15 @@
         </p:spPr>
         <p:txBody>
           <a:bodyPr/>
-          <a:lstStyle/>
-          <a:p>
-            <a:fld id="{594ACB89-4662-4B0D-B4A6-6AB382733EB7}" type="datetimeFigureOut">
+          <a:lstStyle>
+            <a:lvl1pPr>
+              <a:defRPr sz="1000"/>
+            </a:lvl1pPr>
+          </a:lstStyle>
+          <a:p>
+            <a:fld id="{F0A56DB4-4AEF-4152-BDB3-329CCB6072FA}" type="datetime1">
               <a:rPr lang="pt-BR" smtClean="0"/>
-              <a:t>05/07/2024</a:t>
+              <a:t>11/07/2024</a:t>
             </a:fld>
             <a:endParaRPr lang="pt-BR"/>
           </a:p>
@@ -1298,12 +2063,17 @@
         </p:spPr>
         <p:txBody>
           <a:bodyPr/>
-          <a:lstStyle/>
-          <a:p>
-            <a:r>
-              <a:rPr lang="pt-BR" dirty="0"/>
-              <a:t>Secretaria de Estado da Economia</a:t>
-            </a:r>
+          <a:lstStyle>
+            <a:lvl1pPr>
+              <a:defRPr sz="1000"/>
+            </a:lvl1pPr>
+          </a:lstStyle>
+          <a:p>
+            <a:r>
+              <a:rPr lang="pt-BR"/>
+              <a:t>Boletim Econômico | Secretaria de Estado da Economia</a:t>
+            </a:r>
+            <a:endParaRPr lang="pt-BR" dirty="0"/>
           </a:p>
         </p:txBody>
       </p:sp>
@@ -1325,10 +2095,15 @@
         </p:spPr>
         <p:txBody>
           <a:bodyPr/>
-          <a:lstStyle/>
+          <a:lstStyle>
+            <a:lvl1pPr>
+              <a:defRPr sz="1000"/>
+            </a:lvl1pPr>
+          </a:lstStyle>
           <a:p>
             <a:fld id="{FAACE0D2-E678-453C-8082-E08B461DE721}" type="slidenum">
               <a:rPr lang="pt-BR" smtClean="0"/>
+              <a:pPr/>
               <a:t>‹nº›</a:t>
             </a:fld>
             <a:endParaRPr lang="pt-BR"/>
@@ -1456,10 +2231,10 @@
       </p:grpSpPr>
       <p:pic>
         <p:nvPicPr>
-          <p:cNvPr id="6" name="Imagem 5">
+          <p:cNvPr id="3" name="Imagem 2">
             <a:extLst>
               <a:ext uri="{FF2B5EF4-FFF2-40B4-BE49-F238E27FC236}">
-                <a16:creationId xmlns="" xmlns:a16="http://schemas.microsoft.com/office/drawing/2014/main" id="{F864F5F6-004E-448D-9B6C-49EAD3145F89}"/>
+                <a16:creationId xmlns:a16="http://schemas.microsoft.com/office/drawing/2014/main" id="{1B369B4E-BFA5-002B-042A-4E23520610B9}"/>
               </a:ext>
             </a:extLst>
           </p:cNvPr>
@@ -1469,39 +2244,50 @@
           <p:nvPr userDrawn="1"/>
         </p:nvPicPr>
         <p:blipFill>
-          <a:blip r:embed="rId2"/>
+          <a:blip r:embed="rId2" cstate="print">
+            <a:extLst>
+              <a:ext uri="{28A0092B-C50C-407E-A947-70E740481C1C}">
+                <a14:useLocalDpi xmlns:a14="http://schemas.microsoft.com/office/drawing/2010/main" val="0"/>
+              </a:ext>
+            </a:extLst>
+          </a:blip>
           <a:stretch>
             <a:fillRect/>
           </a:stretch>
         </p:blipFill>
         <p:spPr>
           <a:xfrm>
-            <a:off x="0" y="0"/>
-            <a:ext cx="12192000" cy="6858000"/>
+            <a:off x="0" y="428"/>
+            <a:ext cx="12192000" cy="6857572"/>
           </a:xfrm>
           <a:prstGeom prst="rect">
             <a:avLst/>
           </a:prstGeom>
         </p:spPr>
       </p:pic>
-      <p:sp>
-        <p:nvSpPr>
-          <p:cNvPr id="10" name="Espaço Reservado para Texto 2">
+      <p:pic>
+        <p:nvPicPr>
+          <p:cNvPr id="4" name="Google Shape;108;p2">
             <a:extLst>
               <a:ext uri="{FF2B5EF4-FFF2-40B4-BE49-F238E27FC236}">
-                <a16:creationId xmlns="" xmlns:a16="http://schemas.microsoft.com/office/drawing/2014/main" id="{3A037A5E-9D08-4C2F-B552-931AD93909DE}"/>
+                <a16:creationId xmlns:a16="http://schemas.microsoft.com/office/drawing/2014/main" id="{6EC717BB-88F6-B68B-608F-04D88F9F36B3}"/>
               </a:ext>
             </a:extLst>
           </p:cNvPr>
-          <p:cNvSpPr txBox="1">
-            <a:spLocks/>
-          </p:cNvSpPr>
+          <p:cNvPicPr preferRelativeResize="0"/>
           <p:nvPr userDrawn="1"/>
-        </p:nvSpPr>
-        <p:spPr>
-          <a:xfrm>
-            <a:off x="696000" y="729000"/>
-            <a:ext cx="10800000" cy="5400000"/>
+        </p:nvPicPr>
+        <p:blipFill rotWithShape="1">
+          <a:blip r:embed="rId3">
+            <a:alphaModFix/>
+          </a:blip>
+          <a:srcRect l="32230" r="118"/>
+          <a:stretch/>
+        </p:blipFill>
+        <p:spPr>
+          <a:xfrm>
+            <a:off x="6096000" y="2814918"/>
+            <a:ext cx="4797743" cy="1444025"/>
           </a:xfrm>
           <a:prstGeom prst="rect">
             <a:avLst/>
@@ -1511,1194 +2297,328 @@
             <a:noFill/>
           </a:ln>
         </p:spPr>
-        <p:txBody>
-          <a:bodyPr spcFirstLastPara="1" wrap="square" lIns="91425" tIns="45700" rIns="91425" bIns="45700" numCol="2" anchor="t" anchorCtr="0">
-            <a:normAutofit/>
+      </p:pic>
+      <p:sp>
+        <p:nvSpPr>
+          <p:cNvPr id="5" name="CaixaDeTexto 4">
+            <a:extLst>
+              <a:ext uri="{FF2B5EF4-FFF2-40B4-BE49-F238E27FC236}">
+                <a16:creationId xmlns:a16="http://schemas.microsoft.com/office/drawing/2014/main" id="{FBFF3A2D-3AF6-A8C7-370D-C9BBAE6D25EA}"/>
+              </a:ext>
+            </a:extLst>
+          </p:cNvPr>
+          <p:cNvSpPr txBox="1"/>
+          <p:nvPr userDrawn="1"/>
+        </p:nvSpPr>
+        <p:spPr>
+          <a:xfrm>
+            <a:off x="9038031" y="139056"/>
+            <a:ext cx="3281082" cy="369332"/>
+          </a:xfrm>
+          <a:prstGeom prst="rect">
+            <a:avLst/>
+          </a:prstGeom>
+          <a:noFill/>
+        </p:spPr>
+        <p:txBody>
+          <a:bodyPr wrap="square" rtlCol="0">
+            <a:spAutoFit/>
           </a:bodyPr>
-          <a:lstStyle>
-            <a:defPPr marR="0" lvl="0" algn="l" rtl="0">
-              <a:lnSpc>
-                <a:spcPct val="100000"/>
-              </a:lnSpc>
-              <a:spcBef>
-                <a:spcPts val="0"/>
-              </a:spcBef>
-              <a:spcAft>
-                <a:spcPts val="0"/>
-              </a:spcAft>
-            </a:defPPr>
-            <a:lvl1pPr marL="457200" marR="0" lvl="0" indent="-406400" algn="ctr" rtl="0">
-              <a:lnSpc>
-                <a:spcPct val="90000"/>
-              </a:lnSpc>
-              <a:spcBef>
-                <a:spcPts val="1000"/>
-              </a:spcBef>
-              <a:spcAft>
-                <a:spcPts val="0"/>
-              </a:spcAft>
-              <a:buClr>
-                <a:schemeClr val="dk1"/>
-              </a:buClr>
-              <a:buSzPts val="2400"/>
-              <a:buFont typeface="Arial"/>
-              <a:buNone/>
-              <a:defRPr sz="2400" b="0" i="0" u="none" strike="noStrike" cap="none">
-                <a:solidFill>
-                  <a:schemeClr val="dk1"/>
-                </a:solidFill>
-                <a:latin typeface="Calibri"/>
-                <a:ea typeface="Calibri"/>
-                <a:cs typeface="Calibri"/>
-                <a:sym typeface="Calibri"/>
-              </a:defRPr>
-            </a:lvl1pPr>
-            <a:lvl2pPr marL="914400" marR="0" lvl="1" indent="-381000" algn="ctr" rtl="0">
-              <a:lnSpc>
-                <a:spcPct val="90000"/>
-              </a:lnSpc>
-              <a:spcBef>
-                <a:spcPts val="500"/>
-              </a:spcBef>
-              <a:spcAft>
-                <a:spcPts val="0"/>
-              </a:spcAft>
-              <a:buClr>
-                <a:schemeClr val="dk1"/>
-              </a:buClr>
-              <a:buSzPts val="2000"/>
-              <a:buFont typeface="Arial"/>
-              <a:buNone/>
-              <a:defRPr sz="2000" b="0" i="0" u="none" strike="noStrike" cap="none">
-                <a:solidFill>
-                  <a:schemeClr val="dk1"/>
-                </a:solidFill>
-                <a:latin typeface="Calibri"/>
-                <a:ea typeface="Calibri"/>
-                <a:cs typeface="Calibri"/>
-                <a:sym typeface="Calibri"/>
-              </a:defRPr>
-            </a:lvl2pPr>
-            <a:lvl3pPr marL="1371600" marR="0" lvl="2" indent="-355600" algn="ctr" rtl="0">
-              <a:lnSpc>
-                <a:spcPct val="90000"/>
-              </a:lnSpc>
-              <a:spcBef>
-                <a:spcPts val="500"/>
-              </a:spcBef>
-              <a:spcAft>
-                <a:spcPts val="0"/>
-              </a:spcAft>
-              <a:buClr>
-                <a:schemeClr val="dk1"/>
-              </a:buClr>
-              <a:buSzPts val="1800"/>
-              <a:buFont typeface="Arial"/>
-              <a:buNone/>
-              <a:defRPr sz="1800" b="0" i="0" u="none" strike="noStrike" cap="none">
-                <a:solidFill>
-                  <a:schemeClr val="dk1"/>
-                </a:solidFill>
-                <a:latin typeface="Calibri"/>
-                <a:ea typeface="Calibri"/>
-                <a:cs typeface="Calibri"/>
-                <a:sym typeface="Calibri"/>
-              </a:defRPr>
-            </a:lvl3pPr>
-            <a:lvl4pPr marL="1828800" marR="0" lvl="3" indent="-342900" algn="ctr" rtl="0">
-              <a:lnSpc>
-                <a:spcPct val="90000"/>
-              </a:lnSpc>
-              <a:spcBef>
-                <a:spcPts val="500"/>
-              </a:spcBef>
-              <a:spcAft>
-                <a:spcPts val="0"/>
-              </a:spcAft>
-              <a:buClr>
-                <a:schemeClr val="dk1"/>
-              </a:buClr>
-              <a:buSzPts val="1600"/>
-              <a:buFont typeface="Arial"/>
-              <a:buNone/>
-              <a:defRPr sz="1600" b="0" i="0" u="none" strike="noStrike" cap="none">
-                <a:solidFill>
-                  <a:schemeClr val="dk1"/>
-                </a:solidFill>
-                <a:latin typeface="Calibri"/>
-                <a:ea typeface="Calibri"/>
-                <a:cs typeface="Calibri"/>
-                <a:sym typeface="Calibri"/>
-              </a:defRPr>
-            </a:lvl4pPr>
-            <a:lvl5pPr marL="2286000" marR="0" lvl="4" indent="-342900" algn="ctr" rtl="0">
-              <a:lnSpc>
-                <a:spcPct val="90000"/>
-              </a:lnSpc>
-              <a:spcBef>
-                <a:spcPts val="500"/>
-              </a:spcBef>
-              <a:spcAft>
-                <a:spcPts val="0"/>
-              </a:spcAft>
-              <a:buClr>
-                <a:schemeClr val="dk1"/>
-              </a:buClr>
-              <a:buSzPts val="1600"/>
-              <a:buFont typeface="Arial"/>
-              <a:buNone/>
-              <a:defRPr sz="1600" b="0" i="0" u="none" strike="noStrike" cap="none">
-                <a:solidFill>
-                  <a:schemeClr val="dk1"/>
-                </a:solidFill>
-                <a:latin typeface="Calibri"/>
-                <a:ea typeface="Calibri"/>
-                <a:cs typeface="Calibri"/>
-                <a:sym typeface="Calibri"/>
-              </a:defRPr>
-            </a:lvl5pPr>
-            <a:lvl6pPr marL="2743200" marR="0" lvl="5" indent="-342900" algn="ctr" rtl="0">
-              <a:lnSpc>
-                <a:spcPct val="90000"/>
-              </a:lnSpc>
-              <a:spcBef>
-                <a:spcPts val="500"/>
-              </a:spcBef>
-              <a:spcAft>
-                <a:spcPts val="0"/>
-              </a:spcAft>
-              <a:buClr>
-                <a:schemeClr val="dk1"/>
-              </a:buClr>
-              <a:buSzPts val="1600"/>
-              <a:buFont typeface="Arial"/>
-              <a:buNone/>
-              <a:defRPr sz="1600" b="0" i="0" u="none" strike="noStrike" cap="none">
-                <a:solidFill>
-                  <a:schemeClr val="dk1"/>
-                </a:solidFill>
-                <a:latin typeface="Calibri"/>
-                <a:ea typeface="Calibri"/>
-                <a:cs typeface="Calibri"/>
-                <a:sym typeface="Calibri"/>
-              </a:defRPr>
-            </a:lvl6pPr>
-            <a:lvl7pPr marL="3200400" marR="0" lvl="6" indent="-342900" algn="ctr" rtl="0">
-              <a:lnSpc>
-                <a:spcPct val="90000"/>
-              </a:lnSpc>
-              <a:spcBef>
-                <a:spcPts val="500"/>
-              </a:spcBef>
-              <a:spcAft>
-                <a:spcPts val="0"/>
-              </a:spcAft>
-              <a:buClr>
-                <a:schemeClr val="dk1"/>
-              </a:buClr>
-              <a:buSzPts val="1600"/>
-              <a:buFont typeface="Arial"/>
-              <a:buNone/>
-              <a:defRPr sz="1600" b="0" i="0" u="none" strike="noStrike" cap="none">
-                <a:solidFill>
-                  <a:schemeClr val="dk1"/>
-                </a:solidFill>
-                <a:latin typeface="Calibri"/>
-                <a:ea typeface="Calibri"/>
-                <a:cs typeface="Calibri"/>
-                <a:sym typeface="Calibri"/>
-              </a:defRPr>
-            </a:lvl7pPr>
-            <a:lvl8pPr marL="3657600" marR="0" lvl="7" indent="-342900" algn="ctr" rtl="0">
-              <a:lnSpc>
-                <a:spcPct val="90000"/>
-              </a:lnSpc>
-              <a:spcBef>
-                <a:spcPts val="500"/>
-              </a:spcBef>
-              <a:spcAft>
-                <a:spcPts val="0"/>
-              </a:spcAft>
-              <a:buClr>
-                <a:schemeClr val="dk1"/>
-              </a:buClr>
-              <a:buSzPts val="1600"/>
-              <a:buFont typeface="Arial"/>
-              <a:buNone/>
-              <a:defRPr sz="1600" b="0" i="0" u="none" strike="noStrike" cap="none">
-                <a:solidFill>
-                  <a:schemeClr val="dk1"/>
-                </a:solidFill>
-                <a:latin typeface="Calibri"/>
-                <a:ea typeface="Calibri"/>
-                <a:cs typeface="Calibri"/>
-                <a:sym typeface="Calibri"/>
-              </a:defRPr>
-            </a:lvl8pPr>
-            <a:lvl9pPr marL="4114800" marR="0" lvl="8" indent="-342900" algn="ctr" rtl="0">
-              <a:lnSpc>
-                <a:spcPct val="90000"/>
-              </a:lnSpc>
-              <a:spcBef>
-                <a:spcPts val="500"/>
-              </a:spcBef>
-              <a:spcAft>
-                <a:spcPts val="0"/>
-              </a:spcAft>
-              <a:buClr>
-                <a:schemeClr val="dk1"/>
-              </a:buClr>
-              <a:buSzPts val="1600"/>
-              <a:buFont typeface="Arial"/>
-              <a:buNone/>
-              <a:defRPr sz="1600" b="0" i="0" u="none" strike="noStrike" cap="none">
-                <a:solidFill>
-                  <a:schemeClr val="dk1"/>
-                </a:solidFill>
-                <a:latin typeface="Calibri"/>
-                <a:ea typeface="Calibri"/>
-                <a:cs typeface="Calibri"/>
-                <a:sym typeface="Calibri"/>
-              </a:defRPr>
-            </a:lvl9pPr>
-          </a:lstStyle>
-          <a:p>
-            <a:pPr marL="114300" indent="0" algn="l">
-              <a:lnSpc>
-                <a:spcPct val="100000"/>
-              </a:lnSpc>
-              <a:spcBef>
-                <a:spcPts val="0"/>
-              </a:spcBef>
-            </a:pPr>
-            <a:r>
-              <a:rPr lang="pt-BR" sz="1800" b="1" dirty="0">
+          <a:lstStyle/>
+          <a:p>
+            <a:r>
+              <a:rPr lang="pt-BR" dirty="0">
                 <a:solidFill>
                   <a:schemeClr val="bg1"/>
                 </a:solidFill>
+                <a:latin typeface="Arial Black" panose="020B0A04020102020204" pitchFamily="34" charset="0"/>
               </a:rPr>
-              <a:t>RONALDO RAMOS CAIADO</a:t>
-            </a:r>
-          </a:p>
-          <a:p>
-            <a:pPr marL="114300" indent="0" algn="l">
-              <a:lnSpc>
-                <a:spcPct val="100000"/>
-              </a:lnSpc>
-              <a:spcBef>
-                <a:spcPts val="0"/>
-              </a:spcBef>
-            </a:pPr>
-            <a:r>
-              <a:rPr lang="pt-BR" sz="1600" dirty="0">
+              <a:t>goias.gov.br/economia</a:t>
+            </a:r>
+          </a:p>
+        </p:txBody>
+      </p:sp>
+      <p:grpSp>
+        <p:nvGrpSpPr>
+          <p:cNvPr id="6" name="Agrupar 5">
+            <a:extLst>
+              <a:ext uri="{FF2B5EF4-FFF2-40B4-BE49-F238E27FC236}">
+                <a16:creationId xmlns:a16="http://schemas.microsoft.com/office/drawing/2014/main" id="{CAA2809B-C1EA-1785-5269-BA47C0409E51}"/>
+              </a:ext>
+            </a:extLst>
+          </p:cNvPr>
+          <p:cNvGrpSpPr/>
+          <p:nvPr userDrawn="1"/>
+        </p:nvGrpSpPr>
+        <p:grpSpPr>
+          <a:xfrm rot="16200000">
+            <a:off x="10499841" y="-1359757"/>
+            <a:ext cx="45719" cy="2762180"/>
+            <a:chOff x="68578" y="-3604"/>
+            <a:chExt cx="45719" cy="817990"/>
+          </a:xfrm>
+        </p:grpSpPr>
+        <p:sp>
+          <p:nvSpPr>
+            <p:cNvPr id="7" name="Retângulo 6">
+              <a:extLst>
+                <a:ext uri="{FF2B5EF4-FFF2-40B4-BE49-F238E27FC236}">
+                  <a16:creationId xmlns:a16="http://schemas.microsoft.com/office/drawing/2014/main" id="{E6F30BCB-8857-B0BD-5DB0-EC54E22ACA66}"/>
+                </a:ext>
+              </a:extLst>
+            </p:cNvPr>
+            <p:cNvSpPr/>
+            <p:nvPr userDrawn="1"/>
+          </p:nvSpPr>
+          <p:spPr>
+            <a:xfrm>
+              <a:off x="68578" y="-3604"/>
+              <a:ext cx="45719" cy="273600"/>
+            </a:xfrm>
+            <a:prstGeom prst="rect">
+              <a:avLst/>
+            </a:prstGeom>
+            <a:solidFill>
+              <a:srgbClr val="002E23"/>
+            </a:solidFill>
+            <a:ln>
+              <a:noFill/>
+            </a:ln>
+          </p:spPr>
+          <p:style>
+            <a:lnRef idx="2">
+              <a:schemeClr val="accent1">
+                <a:shade val="50000"/>
+              </a:schemeClr>
+            </a:lnRef>
+            <a:fillRef idx="1">
+              <a:schemeClr val="accent1"/>
+            </a:fillRef>
+            <a:effectRef idx="0">
+              <a:schemeClr val="accent1"/>
+            </a:effectRef>
+            <a:fontRef idx="minor">
+              <a:schemeClr val="lt1"/>
+            </a:fontRef>
+          </p:style>
+          <p:txBody>
+            <a:bodyPr rtlCol="0" anchor="ctr"/>
+            <a:lstStyle/>
+            <a:p>
+              <a:pPr algn="ctr"/>
+              <a:endParaRPr lang="pt-BR" dirty="0">
+                <a:solidFill>
+                  <a:srgbClr val="006E54"/>
+                </a:solidFill>
+              </a:endParaRPr>
+            </a:p>
+          </p:txBody>
+        </p:sp>
+        <p:sp>
+          <p:nvSpPr>
+            <p:cNvPr id="8" name="Retângulo 7">
+              <a:extLst>
+                <a:ext uri="{FF2B5EF4-FFF2-40B4-BE49-F238E27FC236}">
+                  <a16:creationId xmlns:a16="http://schemas.microsoft.com/office/drawing/2014/main" id="{88949B62-1867-E2AA-C1A3-6713B0CC2B9F}"/>
+                </a:ext>
+              </a:extLst>
+            </p:cNvPr>
+            <p:cNvSpPr/>
+            <p:nvPr userDrawn="1"/>
+          </p:nvSpPr>
+          <p:spPr>
+            <a:xfrm>
+              <a:off x="68578" y="267186"/>
+              <a:ext cx="45719" cy="273600"/>
+            </a:xfrm>
+            <a:prstGeom prst="rect">
+              <a:avLst/>
+            </a:prstGeom>
+            <a:solidFill>
+              <a:srgbClr val="AC9A63"/>
+            </a:solidFill>
+            <a:ln>
+              <a:noFill/>
+            </a:ln>
+          </p:spPr>
+          <p:style>
+            <a:lnRef idx="2">
+              <a:schemeClr val="accent1">
+                <a:shade val="50000"/>
+              </a:schemeClr>
+            </a:lnRef>
+            <a:fillRef idx="1">
+              <a:schemeClr val="accent1"/>
+            </a:fillRef>
+            <a:effectRef idx="0">
+              <a:schemeClr val="accent1"/>
+            </a:effectRef>
+            <a:fontRef idx="minor">
+              <a:schemeClr val="lt1"/>
+            </a:fontRef>
+          </p:style>
+          <p:txBody>
+            <a:bodyPr rtlCol="0" anchor="ctr"/>
+            <a:lstStyle/>
+            <a:p>
+              <a:pPr algn="ctr"/>
+              <a:endParaRPr lang="pt-BR" dirty="0">
+                <a:solidFill>
+                  <a:srgbClr val="006E54"/>
+                </a:solidFill>
+              </a:endParaRPr>
+            </a:p>
+          </p:txBody>
+        </p:sp>
+        <p:sp>
+          <p:nvSpPr>
+            <p:cNvPr id="9" name="Retângulo 8">
+              <a:extLst>
+                <a:ext uri="{FF2B5EF4-FFF2-40B4-BE49-F238E27FC236}">
+                  <a16:creationId xmlns:a16="http://schemas.microsoft.com/office/drawing/2014/main" id="{824ED8BA-208A-CA3C-AA2A-358E84C63DCE}"/>
+                </a:ext>
+              </a:extLst>
+            </p:cNvPr>
+            <p:cNvSpPr/>
+            <p:nvPr userDrawn="1"/>
+          </p:nvSpPr>
+          <p:spPr>
+            <a:xfrm>
+              <a:off x="68578" y="540786"/>
+              <a:ext cx="45719" cy="273600"/>
+            </a:xfrm>
+            <a:prstGeom prst="rect">
+              <a:avLst/>
+            </a:prstGeom>
+            <a:solidFill>
+              <a:srgbClr val="003774"/>
+            </a:solidFill>
+            <a:ln>
+              <a:noFill/>
+            </a:ln>
+          </p:spPr>
+          <p:style>
+            <a:lnRef idx="2">
+              <a:schemeClr val="accent1">
+                <a:shade val="50000"/>
+              </a:schemeClr>
+            </a:lnRef>
+            <a:fillRef idx="1">
+              <a:schemeClr val="accent1"/>
+            </a:fillRef>
+            <a:effectRef idx="0">
+              <a:schemeClr val="accent1"/>
+            </a:effectRef>
+            <a:fontRef idx="minor">
+              <a:schemeClr val="lt1"/>
+            </a:fontRef>
+          </p:style>
+          <p:txBody>
+            <a:bodyPr rtlCol="0" anchor="ctr"/>
+            <a:lstStyle/>
+            <a:p>
+              <a:pPr algn="ctr"/>
+              <a:endParaRPr lang="pt-BR" dirty="0"/>
+            </a:p>
+          </p:txBody>
+        </p:sp>
+      </p:grpSp>
+      <p:sp>
+        <p:nvSpPr>
+          <p:cNvPr id="10" name="CaixaDeTexto 9">
+            <a:extLst>
+              <a:ext uri="{FF2B5EF4-FFF2-40B4-BE49-F238E27FC236}">
+                <a16:creationId xmlns:a16="http://schemas.microsoft.com/office/drawing/2014/main" id="{4618802F-CDD9-C776-9891-F44A8253B81A}"/>
+              </a:ext>
+            </a:extLst>
+          </p:cNvPr>
+          <p:cNvSpPr txBox="1"/>
+          <p:nvPr userDrawn="1"/>
+        </p:nvSpPr>
+        <p:spPr>
+          <a:xfrm>
+            <a:off x="9330397" y="6257279"/>
+            <a:ext cx="2857500" cy="461665"/>
+          </a:xfrm>
+          <a:prstGeom prst="rect">
+            <a:avLst/>
+          </a:prstGeom>
+          <a:noFill/>
+        </p:spPr>
+        <p:txBody>
+          <a:bodyPr wrap="square" rtlCol="0">
+            <a:spAutoFit/>
+          </a:bodyPr>
+          <a:lstStyle/>
+          <a:p>
+            <a:r>
+              <a:rPr lang="pt-BR" sz="800" dirty="0">
                 <a:solidFill>
                   <a:schemeClr val="bg1"/>
                 </a:solidFill>
               </a:rPr>
-              <a:t>Governador do Estado de Goiás</a:t>
-            </a:r>
-          </a:p>
-          <a:p>
-            <a:pPr marL="114300" indent="0" algn="l">
-              <a:lnSpc>
-                <a:spcPts val="1000"/>
-              </a:lnSpc>
-              <a:spcBef>
-                <a:spcPts val="0"/>
-              </a:spcBef>
-            </a:pPr>
-            <a:endParaRPr lang="pt-BR" sz="1800" dirty="0">
+              <a:t>Boletim elaborado </a:t>
+            </a:r>
+            <a:r>
+              <a:rPr lang="pt-BR" sz="800" b="1" dirty="0">
+                <a:solidFill>
+                  <a:schemeClr val="bg1"/>
+                </a:solidFill>
+              </a:rPr>
+              <a:t>na Secretaria de Estado</a:t>
+            </a:r>
+            <a:r>
+              <a:rPr lang="pt-BR" sz="800" b="1" baseline="0" dirty="0">
+                <a:solidFill>
+                  <a:schemeClr val="bg1"/>
+                </a:solidFill>
+              </a:rPr>
+              <a:t> da Economia</a:t>
+            </a:r>
+            <a:r>
+              <a:rPr lang="pt-BR" sz="800" baseline="0" dirty="0">
+                <a:solidFill>
+                  <a:schemeClr val="bg1"/>
+                </a:solidFill>
+              </a:rPr>
+              <a:t> pela </a:t>
+            </a:r>
+            <a:r>
+              <a:rPr lang="pt-BR" sz="800" b="1" baseline="0" dirty="0">
+                <a:solidFill>
+                  <a:schemeClr val="bg1"/>
+                </a:solidFill>
+              </a:rPr>
+              <a:t>Assessoria Especial de Monitoramento Fiscal e Planejamento Financeiro</a:t>
+            </a:r>
+            <a:r>
+              <a:rPr lang="pt-BR" sz="800" baseline="0" dirty="0">
+                <a:solidFill>
+                  <a:schemeClr val="bg1"/>
+                </a:solidFill>
+              </a:rPr>
+              <a:t> e </a:t>
+            </a:r>
+            <a:r>
+              <a:rPr lang="pt-BR" sz="800" b="1" baseline="0" dirty="0">
+                <a:solidFill>
+                  <a:schemeClr val="bg1"/>
+                </a:solidFill>
+              </a:rPr>
+              <a:t>pela Gerência de Projeções e Análise Fiscais</a:t>
+            </a:r>
+            <a:r>
+              <a:rPr lang="pt-BR" sz="800" b="0" baseline="0" dirty="0">
+                <a:solidFill>
+                  <a:schemeClr val="bg1"/>
+                </a:solidFill>
+              </a:rPr>
+              <a:t>.</a:t>
+            </a:r>
+            <a:endParaRPr lang="pt-BR" sz="800" b="1" dirty="0">
               <a:solidFill>
                 <a:schemeClr val="bg1"/>
               </a:solidFill>
-            </a:endParaRPr>
-          </a:p>
-          <a:p>
-            <a:pPr marL="114300" indent="0" algn="l">
-              <a:lnSpc>
-                <a:spcPct val="100000"/>
-              </a:lnSpc>
-              <a:spcBef>
-                <a:spcPts val="0"/>
-              </a:spcBef>
-            </a:pPr>
-            <a:r>
-              <a:rPr lang="pt-BR" sz="1800" b="1" dirty="0">
-                <a:solidFill>
-                  <a:schemeClr val="bg1"/>
-                </a:solidFill>
-              </a:rPr>
-              <a:t>FRANCISCO SÉRVULO FREIRE NOGUEIRA</a:t>
-            </a:r>
-          </a:p>
-          <a:p>
-            <a:pPr marL="114300" indent="0" algn="l">
-              <a:lnSpc>
-                <a:spcPct val="100000"/>
-              </a:lnSpc>
-              <a:spcBef>
-                <a:spcPts val="0"/>
-              </a:spcBef>
-            </a:pPr>
-            <a:r>
-              <a:rPr lang="pt-BR" sz="1600" b="0" i="0" u="none" strike="noStrike" kern="1200" cap="none" dirty="0">
-                <a:solidFill>
-                  <a:schemeClr val="bg1"/>
-                </a:solidFill>
-                <a:latin typeface="Calibri"/>
-                <a:ea typeface="Calibri"/>
-                <a:cs typeface="Calibri"/>
-                <a:sym typeface="Calibri"/>
-              </a:rPr>
-              <a:t>Secretário de Estado da Economia</a:t>
-            </a:r>
-          </a:p>
-          <a:p>
-            <a:pPr marL="114300" indent="0" algn="l">
-              <a:lnSpc>
-                <a:spcPts val="1000"/>
-              </a:lnSpc>
-              <a:spcBef>
-                <a:spcPts val="0"/>
-              </a:spcBef>
-            </a:pPr>
-            <a:endParaRPr lang="pt-BR" sz="1800" dirty="0">
-              <a:solidFill>
-                <a:schemeClr val="bg1"/>
-              </a:solidFill>
-            </a:endParaRPr>
-          </a:p>
-          <a:p>
-            <a:pPr marL="114300" indent="0" algn="l">
-              <a:lnSpc>
-                <a:spcPct val="100000"/>
-              </a:lnSpc>
-              <a:spcBef>
-                <a:spcPts val="0"/>
-              </a:spcBef>
-            </a:pPr>
-            <a:r>
-              <a:rPr lang="pt-BR" sz="1800" b="1" dirty="0">
-                <a:solidFill>
-                  <a:schemeClr val="bg1"/>
-                </a:solidFill>
-              </a:rPr>
-              <a:t>RENATA LACERDA NOLETO</a:t>
-            </a:r>
-          </a:p>
-          <a:p>
-            <a:pPr marL="114300" indent="0" algn="l">
-              <a:lnSpc>
-                <a:spcPct val="100000"/>
-              </a:lnSpc>
-              <a:spcBef>
-                <a:spcPts val="0"/>
-              </a:spcBef>
-            </a:pPr>
-            <a:r>
-              <a:rPr lang="pt-BR" sz="1600" dirty="0" smtClean="0">
-                <a:solidFill>
-                  <a:schemeClr val="bg1"/>
-                </a:solidFill>
-              </a:rPr>
-              <a:t>Secretária-Adjunta</a:t>
-            </a:r>
-          </a:p>
-          <a:p>
-            <a:pPr marL="114300" indent="0" algn="l">
-              <a:lnSpc>
-                <a:spcPts val="1000"/>
-              </a:lnSpc>
-              <a:spcBef>
-                <a:spcPts val="0"/>
-              </a:spcBef>
-            </a:pPr>
-            <a:endParaRPr lang="pt-BR" sz="1600" dirty="0" smtClean="0">
-              <a:solidFill>
-                <a:schemeClr val="bg1"/>
-              </a:solidFill>
-            </a:endParaRPr>
-          </a:p>
-          <a:p>
-            <a:pPr marL="114300" indent="0" algn="l">
-              <a:lnSpc>
-                <a:spcPct val="100000"/>
-              </a:lnSpc>
-              <a:spcBef>
-                <a:spcPts val="0"/>
-              </a:spcBef>
-            </a:pPr>
-            <a:r>
-              <a:rPr lang="pt-BR" sz="1800" b="1" i="0" u="none" strike="noStrike" kern="1200" cap="none" dirty="0" smtClean="0">
-                <a:solidFill>
-                  <a:schemeClr val="bg1"/>
-                </a:solidFill>
-                <a:latin typeface="Calibri"/>
-                <a:ea typeface="Calibri"/>
-                <a:cs typeface="Calibri"/>
-                <a:sym typeface="Calibri"/>
-              </a:rPr>
-              <a:t>RAFAEL BOSCO FERREIRA MELO</a:t>
-            </a:r>
-          </a:p>
-          <a:p>
-            <a:pPr marL="114300" indent="0" algn="l">
-              <a:lnSpc>
-                <a:spcPts val="1000"/>
-              </a:lnSpc>
-              <a:spcBef>
-                <a:spcPts val="0"/>
-              </a:spcBef>
-            </a:pPr>
-            <a:endParaRPr lang="pt-BR" sz="1600" dirty="0">
-              <a:solidFill>
-                <a:schemeClr val="bg1"/>
-              </a:solidFill>
-            </a:endParaRPr>
-          </a:p>
-          <a:p>
-            <a:pPr marL="114300" indent="0" algn="l">
-              <a:lnSpc>
-                <a:spcPts val="1000"/>
-              </a:lnSpc>
-              <a:spcBef>
-                <a:spcPts val="0"/>
-              </a:spcBef>
-            </a:pPr>
-            <a:r>
-              <a:rPr lang="pt-BR" sz="1600" b="0" i="0" u="none" strike="noStrike" kern="1200" cap="none" dirty="0" smtClean="0">
-                <a:solidFill>
-                  <a:schemeClr val="bg1"/>
-                </a:solidFill>
-                <a:latin typeface="Calibri"/>
-                <a:ea typeface="Calibri"/>
-                <a:cs typeface="Calibri"/>
-                <a:sym typeface="Calibri"/>
-              </a:rPr>
-              <a:t>Chefe de Gabinete</a:t>
-            </a:r>
-          </a:p>
-          <a:p>
-            <a:pPr marL="114300" indent="0" algn="l">
-              <a:lnSpc>
-                <a:spcPts val="1000"/>
-              </a:lnSpc>
-              <a:spcBef>
-                <a:spcPts val="0"/>
-              </a:spcBef>
-            </a:pPr>
-            <a:endParaRPr lang="pt-BR" sz="1600" dirty="0">
-              <a:solidFill>
-                <a:schemeClr val="bg1"/>
-              </a:solidFill>
-            </a:endParaRPr>
-          </a:p>
-          <a:p>
-            <a:pPr marL="114300" indent="0" algn="l">
-              <a:lnSpc>
-                <a:spcPct val="100000"/>
-              </a:lnSpc>
-              <a:spcBef>
-                <a:spcPts val="0"/>
-              </a:spcBef>
-            </a:pPr>
-            <a:r>
-              <a:rPr lang="pt-BR" sz="1800" b="1" dirty="0">
-                <a:solidFill>
-                  <a:schemeClr val="bg1"/>
-                </a:solidFill>
-              </a:rPr>
-              <a:t>WEDERSON XAVIER DE OLIVEIRA</a:t>
-            </a:r>
-          </a:p>
-          <a:p>
-            <a:pPr marL="114300" indent="0" algn="l">
-              <a:lnSpc>
-                <a:spcPct val="100000"/>
-              </a:lnSpc>
-              <a:spcBef>
-                <a:spcPts val="0"/>
-              </a:spcBef>
-            </a:pPr>
-            <a:r>
-              <a:rPr lang="pt-BR" sz="1600" dirty="0">
-                <a:solidFill>
-                  <a:schemeClr val="bg1"/>
-                </a:solidFill>
-              </a:rPr>
-              <a:t>Subsecretário do Tesouro Estadual</a:t>
-            </a:r>
-          </a:p>
-          <a:p>
-            <a:pPr marL="114300" indent="0" algn="l">
-              <a:lnSpc>
-                <a:spcPts val="1000"/>
-              </a:lnSpc>
-              <a:spcBef>
-                <a:spcPts val="0"/>
-              </a:spcBef>
-            </a:pPr>
-            <a:endParaRPr lang="pt-BR" sz="1600" dirty="0">
-              <a:solidFill>
-                <a:schemeClr val="bg1"/>
-              </a:solidFill>
-            </a:endParaRPr>
-          </a:p>
-          <a:p>
-            <a:pPr marL="114300" indent="0" algn="l">
-              <a:lnSpc>
-                <a:spcPct val="100000"/>
-              </a:lnSpc>
-              <a:spcBef>
-                <a:spcPts val="0"/>
-              </a:spcBef>
-            </a:pPr>
-            <a:r>
-              <a:rPr lang="pt-BR" sz="1800" b="1" dirty="0">
-                <a:solidFill>
-                  <a:schemeClr val="bg1"/>
-                </a:solidFill>
-              </a:rPr>
-              <a:t>JULIANA CAMILO MANZI PORTO</a:t>
-            </a:r>
-          </a:p>
-          <a:p>
-            <a:pPr marL="114300" indent="0" algn="l">
-              <a:lnSpc>
-                <a:spcPct val="100000"/>
-              </a:lnSpc>
-              <a:spcBef>
-                <a:spcPts val="0"/>
-              </a:spcBef>
-            </a:pPr>
-            <a:r>
-              <a:rPr lang="pt-BR" sz="1600" dirty="0">
-                <a:solidFill>
-                  <a:schemeClr val="bg1"/>
-                </a:solidFill>
-              </a:rPr>
-              <a:t>Superintendente Financeiro</a:t>
-            </a:r>
-          </a:p>
-          <a:p>
-            <a:pPr marL="114300" indent="0" algn="l">
-              <a:lnSpc>
-                <a:spcPts val="1000"/>
-              </a:lnSpc>
-              <a:spcBef>
-                <a:spcPts val="0"/>
-              </a:spcBef>
-            </a:pPr>
-            <a:endParaRPr lang="pt-BR" sz="1600" dirty="0">
-              <a:solidFill>
-                <a:schemeClr val="bg1"/>
-              </a:solidFill>
-            </a:endParaRPr>
-          </a:p>
-          <a:p>
-            <a:pPr marL="114300" marR="0" indent="0" algn="l" defTabSz="914400" rtl="0" eaLnBrk="1" latinLnBrk="0" hangingPunct="1">
-              <a:lnSpc>
-                <a:spcPct val="100000"/>
-              </a:lnSpc>
-              <a:spcBef>
-                <a:spcPts val="0"/>
-              </a:spcBef>
-              <a:spcAft>
-                <a:spcPts val="0"/>
-              </a:spcAft>
-              <a:buClr>
-                <a:schemeClr val="dk1"/>
-              </a:buClr>
-              <a:buSzPts val="2400"/>
-              <a:buFont typeface="Arial"/>
-              <a:buNone/>
-            </a:pPr>
-            <a:r>
-              <a:rPr lang="pt-BR" sz="1800" b="1" i="0" u="none" strike="noStrike" kern="1200" cap="none" dirty="0">
-                <a:solidFill>
-                  <a:schemeClr val="bg1"/>
-                </a:solidFill>
-                <a:latin typeface="Calibri"/>
-                <a:ea typeface="Calibri"/>
-                <a:cs typeface="Calibri"/>
-                <a:sym typeface="Calibri"/>
-              </a:rPr>
-              <a:t>PAULO ROBERTO SCALCO</a:t>
-            </a:r>
-          </a:p>
-          <a:p>
-            <a:pPr marL="114300" indent="0" algn="l">
-              <a:lnSpc>
-                <a:spcPct val="100000"/>
-              </a:lnSpc>
-              <a:spcBef>
-                <a:spcPts val="0"/>
-              </a:spcBef>
-            </a:pPr>
-            <a:r>
-              <a:rPr lang="pt-BR" sz="1600" b="0" i="0" u="none" strike="noStrike" kern="1200" cap="none" dirty="0">
-                <a:solidFill>
-                  <a:schemeClr val="bg1"/>
-                </a:solidFill>
-                <a:latin typeface="Calibri"/>
-                <a:ea typeface="Calibri"/>
-                <a:cs typeface="Calibri"/>
-                <a:sym typeface="Calibri"/>
-              </a:rPr>
-              <a:t>Gerente de Projeções e Análises Fiscais</a:t>
-            </a:r>
-          </a:p>
-          <a:p>
-            <a:pPr marL="114300" indent="0" algn="l">
-              <a:lnSpc>
-                <a:spcPts val="1000"/>
-              </a:lnSpc>
-              <a:spcBef>
-                <a:spcPts val="0"/>
-              </a:spcBef>
-            </a:pPr>
-            <a:endParaRPr lang="pt-BR" sz="1400" dirty="0">
-              <a:solidFill>
-                <a:schemeClr val="bg1"/>
-              </a:solidFill>
-            </a:endParaRPr>
-          </a:p>
-          <a:p>
-            <a:pPr marL="114300" indent="0" algn="l">
-              <a:lnSpc>
-                <a:spcPct val="100000"/>
-              </a:lnSpc>
-              <a:spcBef>
-                <a:spcPts val="0"/>
-              </a:spcBef>
-            </a:pPr>
-            <a:r>
-              <a:rPr lang="pt-BR" sz="1800" b="1" dirty="0">
-                <a:solidFill>
-                  <a:schemeClr val="bg1"/>
-                </a:solidFill>
-              </a:rPr>
-              <a:t>DIEGO COTA PACHECO</a:t>
-            </a:r>
-          </a:p>
-          <a:p>
-            <a:pPr marL="114300" indent="0" algn="l">
-              <a:lnSpc>
-                <a:spcPct val="100000"/>
-              </a:lnSpc>
-              <a:spcBef>
-                <a:spcPts val="0"/>
-              </a:spcBef>
-            </a:pPr>
-            <a:r>
-              <a:rPr lang="pt-BR" sz="1600" dirty="0">
-                <a:solidFill>
-                  <a:schemeClr val="bg1"/>
-                </a:solidFill>
-              </a:rPr>
-              <a:t>Assessor Especial de Monitoramento Fiscal</a:t>
-            </a:r>
-          </a:p>
-          <a:p>
-            <a:pPr marL="114300" indent="0" algn="l">
-              <a:lnSpc>
-                <a:spcPct val="100000"/>
-              </a:lnSpc>
-              <a:spcBef>
-                <a:spcPts val="0"/>
-              </a:spcBef>
-            </a:pPr>
-            <a:r>
-              <a:rPr lang="pt-BR" sz="1600" dirty="0">
-                <a:solidFill>
-                  <a:schemeClr val="bg1"/>
-                </a:solidFill>
-              </a:rPr>
-              <a:t>e Planejamento </a:t>
-            </a:r>
-            <a:r>
-              <a:rPr lang="pt-BR" sz="1600" dirty="0" smtClean="0">
-                <a:solidFill>
-                  <a:schemeClr val="bg1"/>
-                </a:solidFill>
-              </a:rPr>
-              <a:t>Financeiro</a:t>
-            </a:r>
-          </a:p>
-          <a:p>
-            <a:pPr marL="114300" indent="0" algn="l">
-              <a:lnSpc>
-                <a:spcPct val="100000"/>
-              </a:lnSpc>
-              <a:spcBef>
-                <a:spcPts val="0"/>
-              </a:spcBef>
-            </a:pPr>
-            <a:r>
-              <a:rPr lang="pt-BR" sz="1600" b="1" dirty="0" smtClean="0">
-                <a:solidFill>
-                  <a:schemeClr val="bg1"/>
-                </a:solidFill>
-              </a:rPr>
-              <a:t>EQUIPE </a:t>
-            </a:r>
-            <a:r>
-              <a:rPr lang="pt-BR" sz="1600" b="1" dirty="0">
-                <a:solidFill>
-                  <a:schemeClr val="bg1"/>
-                </a:solidFill>
-              </a:rPr>
-              <a:t>TÉCNICA </a:t>
-            </a:r>
-          </a:p>
-          <a:p>
-            <a:pPr marL="114300" indent="0" algn="l">
-              <a:lnSpc>
-                <a:spcPct val="100000"/>
-              </a:lnSpc>
-              <a:spcBef>
-                <a:spcPts val="0"/>
-              </a:spcBef>
-            </a:pPr>
-            <a:endParaRPr lang="pt-BR" sz="1050" b="1" dirty="0">
-              <a:solidFill>
-                <a:schemeClr val="bg1"/>
-              </a:solidFill>
-            </a:endParaRPr>
-          </a:p>
-          <a:p>
-            <a:pPr marL="114300" indent="0" algn="l">
-              <a:lnSpc>
-                <a:spcPct val="100000"/>
-              </a:lnSpc>
-              <a:spcBef>
-                <a:spcPts val="0"/>
-              </a:spcBef>
-            </a:pPr>
-            <a:r>
-              <a:rPr lang="pt-BR" sz="1600" dirty="0">
-                <a:solidFill>
-                  <a:schemeClr val="bg1"/>
-                </a:solidFill>
-              </a:rPr>
-              <a:t>Natanael Soares Leite</a:t>
-            </a:r>
-          </a:p>
-          <a:p>
-            <a:pPr marL="114300" indent="0" algn="l">
-              <a:lnSpc>
-                <a:spcPct val="100000"/>
-              </a:lnSpc>
-              <a:spcBef>
-                <a:spcPts val="0"/>
-              </a:spcBef>
-            </a:pPr>
-            <a:r>
-              <a:rPr lang="pt-BR" sz="1600" dirty="0">
-                <a:solidFill>
-                  <a:schemeClr val="bg1"/>
-                </a:solidFill>
-              </a:rPr>
-              <a:t>Raphael Maciel de Lima</a:t>
-            </a:r>
-          </a:p>
-          <a:p>
-            <a:pPr marL="114300" indent="0">
-              <a:lnSpc>
-                <a:spcPct val="100000"/>
-              </a:lnSpc>
-              <a:spcBef>
-                <a:spcPts val="0"/>
-              </a:spcBef>
-            </a:pPr>
-            <a:endParaRPr lang="pt-BR" sz="1400" dirty="0">
-              <a:solidFill>
-                <a:schemeClr val="bg1"/>
-              </a:solidFill>
-            </a:endParaRPr>
-          </a:p>
-        </p:txBody>
-      </p:sp>
-      <p:sp>
-        <p:nvSpPr>
-          <p:cNvPr id="13" name="Retângulo de cantos arredondados 12"/>
-          <p:cNvSpPr/>
-          <p:nvPr userDrawn="1"/>
-        </p:nvSpPr>
-        <p:spPr>
-          <a:xfrm>
-            <a:off x="6280593" y="4328913"/>
-            <a:ext cx="4498505" cy="1366751"/>
-          </a:xfrm>
-          <a:prstGeom prst="roundRect">
-            <a:avLst/>
-          </a:prstGeom>
-          <a:solidFill>
-            <a:srgbClr val="005637"/>
-          </a:solidFill>
-          <a:ln w="25400" cap="flat" cmpd="sng" algn="ctr">
-            <a:noFill/>
-            <a:prstDash val="solid"/>
-          </a:ln>
-          <a:effectLst/>
-        </p:spPr>
-        <p:txBody>
-          <a:bodyPr rtlCol="0" anchor="ctr"/>
-          <a:lstStyle/>
-          <a:p>
-            <a:pPr marL="0" marR="0" lvl="0" indent="0" algn="ctr" defTabSz="914400" eaLnBrk="1" fontAlgn="auto" latinLnBrk="0" hangingPunct="1">
-              <a:lnSpc>
-                <a:spcPct val="100000"/>
-              </a:lnSpc>
-              <a:spcBef>
-                <a:spcPts val="0"/>
-              </a:spcBef>
-              <a:spcAft>
-                <a:spcPts val="0"/>
-              </a:spcAft>
-              <a:buClr>
-                <a:srgbClr val="000000"/>
-              </a:buClr>
-              <a:buSzTx/>
-              <a:buFont typeface="Arial"/>
-              <a:buNone/>
-              <a:tabLst/>
-              <a:defRPr/>
-            </a:pPr>
-            <a:r>
-              <a:rPr kumimoji="0" lang="pt-BR" sz="1100" b="0" i="0" u="none" strike="noStrike" kern="0" cap="none" spc="0" normalizeH="0" baseline="0" noProof="0" dirty="0">
-                <a:ln>
-                  <a:noFill/>
-                </a:ln>
-                <a:solidFill>
-                  <a:srgbClr val="FFFFFF"/>
-                </a:solidFill>
-                <a:effectLst/>
-                <a:uLnTx/>
-                <a:uFillTx/>
-                <a:latin typeface="Arial"/>
-                <a:ea typeface="+mn-ea"/>
-                <a:cs typeface="+mn-cs"/>
-                <a:sym typeface="Arial"/>
-              </a:rPr>
-              <a:t>SECRETARIA DO ESTADO DA ECONOMIA</a:t>
-            </a:r>
-          </a:p>
-          <a:p>
-            <a:pPr marL="0" marR="0" lvl="0" indent="0" algn="ctr" defTabSz="914400" eaLnBrk="1" fontAlgn="auto" latinLnBrk="0" hangingPunct="1">
-              <a:lnSpc>
-                <a:spcPct val="100000"/>
-              </a:lnSpc>
-              <a:spcBef>
-                <a:spcPts val="0"/>
-              </a:spcBef>
-              <a:spcAft>
-                <a:spcPts val="0"/>
-              </a:spcAft>
-              <a:buClr>
-                <a:srgbClr val="000000"/>
-              </a:buClr>
-              <a:buSzTx/>
-              <a:buFont typeface="Arial"/>
-              <a:buNone/>
-              <a:tabLst/>
-              <a:defRPr/>
-            </a:pPr>
-            <a:endParaRPr kumimoji="0" lang="pt-BR" sz="1100" b="0" i="0" u="none" strike="noStrike" kern="0" cap="none" spc="0" normalizeH="0" baseline="0" noProof="0" dirty="0">
-              <a:ln>
-                <a:noFill/>
-              </a:ln>
-              <a:solidFill>
-                <a:srgbClr val="FFFFFF"/>
-              </a:solidFill>
-              <a:effectLst/>
-              <a:uLnTx/>
-              <a:uFillTx/>
-              <a:latin typeface="Arial"/>
-              <a:ea typeface="+mn-ea"/>
-              <a:cs typeface="+mn-cs"/>
-              <a:sym typeface="Arial"/>
-            </a:endParaRPr>
-          </a:p>
-          <a:p>
-            <a:pPr marL="0" marR="0" lvl="0" indent="0" algn="just" defTabSz="914400" eaLnBrk="1" fontAlgn="auto" latinLnBrk="0" hangingPunct="1">
-              <a:lnSpc>
-                <a:spcPct val="100000"/>
-              </a:lnSpc>
-              <a:spcBef>
-                <a:spcPts val="0"/>
-              </a:spcBef>
-              <a:spcAft>
-                <a:spcPts val="0"/>
-              </a:spcAft>
-              <a:buClr>
-                <a:srgbClr val="000000"/>
-              </a:buClr>
-              <a:buSzTx/>
-              <a:buFont typeface="Arial"/>
-              <a:buNone/>
-              <a:tabLst/>
-              <a:defRPr/>
-            </a:pPr>
-            <a:r>
-              <a:rPr kumimoji="0" lang="pt-BR" sz="1050" b="0" i="0" u="none" strike="noStrike" kern="0" cap="none" spc="0" normalizeH="0" baseline="0" noProof="0" dirty="0">
-                <a:ln>
-                  <a:noFill/>
-                </a:ln>
-                <a:solidFill>
-                  <a:srgbClr val="FFFFFF"/>
-                </a:solidFill>
-                <a:effectLst/>
-                <a:uLnTx/>
-                <a:uFillTx/>
-                <a:latin typeface="Arial"/>
-                <a:ea typeface="+mn-ea"/>
-                <a:cs typeface="+mn-cs"/>
-                <a:sym typeface="Arial"/>
-              </a:rPr>
-              <a:t>Telefone: (62) 3269-2071 / (62) 3269-2072</a:t>
-            </a:r>
-          </a:p>
-          <a:p>
-            <a:pPr marL="0" marR="0" lvl="0" indent="0" algn="just" defTabSz="914400" eaLnBrk="1" fontAlgn="auto" latinLnBrk="0" hangingPunct="1">
-              <a:lnSpc>
-                <a:spcPct val="100000"/>
-              </a:lnSpc>
-              <a:spcBef>
-                <a:spcPts val="0"/>
-              </a:spcBef>
-              <a:spcAft>
-                <a:spcPts val="0"/>
-              </a:spcAft>
-              <a:buClr>
-                <a:srgbClr val="000000"/>
-              </a:buClr>
-              <a:buSzTx/>
-              <a:buFont typeface="Arial"/>
-              <a:buNone/>
-              <a:tabLst/>
-              <a:defRPr/>
-            </a:pPr>
-            <a:r>
-              <a:rPr kumimoji="0" lang="pt-BR" sz="1050" b="0" i="0" u="none" strike="noStrike" kern="0" cap="none" spc="0" normalizeH="0" baseline="0" noProof="0" dirty="0">
-                <a:ln>
-                  <a:noFill/>
-                </a:ln>
-                <a:solidFill>
-                  <a:srgbClr val="FFFFFF"/>
-                </a:solidFill>
-                <a:effectLst/>
-                <a:uLnTx/>
-                <a:uFillTx/>
-                <a:latin typeface="Arial"/>
-                <a:ea typeface="+mn-ea"/>
-                <a:cs typeface="+mn-cs"/>
-                <a:sym typeface="Arial"/>
-              </a:rPr>
-              <a:t>E-mail: </a:t>
-            </a:r>
-            <a:r>
-              <a:rPr kumimoji="0" lang="pt-BR" sz="1050" b="0" i="0" u="none" strike="noStrike" kern="0" cap="none" spc="0" normalizeH="0" baseline="0" noProof="0" dirty="0">
-                <a:ln>
-                  <a:noFill/>
-                </a:ln>
-                <a:solidFill>
-                  <a:srgbClr val="FFC000"/>
-                </a:solidFill>
-                <a:effectLst/>
-                <a:uLnTx/>
-                <a:uFillTx/>
-                <a:latin typeface="Arial"/>
-                <a:ea typeface="+mn-ea"/>
-                <a:cs typeface="+mn-cs"/>
-                <a:sym typeface="Arial"/>
-                <a:hlinkClick r:id="rId3"/>
-              </a:rPr>
-              <a:t>rrf.economia@goias.gov.br</a:t>
-            </a:r>
-            <a:r>
-              <a:rPr kumimoji="0" lang="pt-BR" sz="1050" b="0" i="0" u="none" strike="noStrike" kern="0" cap="none" spc="0" normalizeH="0" baseline="0" noProof="0" dirty="0">
-                <a:ln>
-                  <a:noFill/>
-                </a:ln>
-                <a:solidFill>
-                  <a:srgbClr val="FFC000"/>
-                </a:solidFill>
-                <a:effectLst/>
-                <a:uLnTx/>
-                <a:uFillTx/>
-                <a:latin typeface="Arial"/>
-                <a:ea typeface="+mn-ea"/>
-                <a:cs typeface="+mn-cs"/>
-                <a:sym typeface="Arial"/>
-              </a:rPr>
-              <a:t> </a:t>
-            </a:r>
-          </a:p>
-          <a:p>
-            <a:pPr marL="0" marR="0" lvl="0" indent="0" algn="just" defTabSz="914400" eaLnBrk="1" fontAlgn="auto" latinLnBrk="0" hangingPunct="1">
-              <a:lnSpc>
-                <a:spcPct val="100000"/>
-              </a:lnSpc>
-              <a:spcBef>
-                <a:spcPts val="0"/>
-              </a:spcBef>
-              <a:spcAft>
-                <a:spcPts val="0"/>
-              </a:spcAft>
-              <a:buClr>
-                <a:srgbClr val="000000"/>
-              </a:buClr>
-              <a:buSzTx/>
-              <a:buFont typeface="Arial"/>
-              <a:buNone/>
-              <a:tabLst/>
-              <a:defRPr/>
-            </a:pPr>
-            <a:r>
-              <a:rPr kumimoji="0" lang="pt-BR" sz="1050" b="0" i="0" u="none" strike="noStrike" kern="0" cap="none" spc="0" normalizeH="0" baseline="0" noProof="0" dirty="0">
-                <a:ln>
-                  <a:noFill/>
-                </a:ln>
-                <a:solidFill>
-                  <a:srgbClr val="FFFFFF"/>
-                </a:solidFill>
-                <a:effectLst/>
-                <a:uLnTx/>
-                <a:uFillTx/>
-                <a:latin typeface="Arial"/>
-                <a:ea typeface="+mn-ea"/>
-                <a:cs typeface="+mn-cs"/>
-                <a:sym typeface="Arial"/>
-              </a:rPr>
-              <a:t>Site: </a:t>
-            </a:r>
-            <a:r>
-              <a:rPr kumimoji="0" lang="pt-BR" sz="1050" b="0" i="0" u="none" strike="noStrike" kern="0" cap="none" spc="0" normalizeH="0" baseline="0" noProof="0" dirty="0">
-                <a:ln>
-                  <a:noFill/>
-                </a:ln>
-                <a:solidFill>
-                  <a:srgbClr val="FFFFFF"/>
-                </a:solidFill>
-                <a:effectLst/>
-                <a:uLnTx/>
-                <a:uFillTx/>
-                <a:latin typeface="Arial"/>
-                <a:ea typeface="+mn-ea"/>
-                <a:cs typeface="+mn-cs"/>
-                <a:sym typeface="Arial"/>
-                <a:hlinkClick r:id="rId4"/>
-              </a:rPr>
-              <a:t>https://goias.gov.br/economia/rrf/</a:t>
-            </a:r>
-            <a:r>
-              <a:rPr kumimoji="0" lang="pt-BR" sz="1050" b="0" i="0" u="none" strike="noStrike" kern="0" cap="none" spc="0" normalizeH="0" baseline="0" noProof="0" dirty="0">
-                <a:ln>
-                  <a:noFill/>
-                </a:ln>
-                <a:solidFill>
-                  <a:srgbClr val="FFFFFF"/>
-                </a:solidFill>
-                <a:effectLst/>
-                <a:uLnTx/>
-                <a:uFillTx/>
-                <a:latin typeface="Arial"/>
-                <a:ea typeface="+mn-ea"/>
-                <a:cs typeface="+mn-cs"/>
-                <a:sym typeface="Arial"/>
-              </a:rPr>
-              <a:t> </a:t>
-            </a:r>
-          </a:p>
-          <a:p>
-            <a:pPr marL="0" marR="0" lvl="0" indent="0" algn="just" defTabSz="914400" eaLnBrk="1" fontAlgn="auto" latinLnBrk="0" hangingPunct="1">
-              <a:lnSpc>
-                <a:spcPct val="100000"/>
-              </a:lnSpc>
-              <a:spcBef>
-                <a:spcPts val="0"/>
-              </a:spcBef>
-              <a:spcAft>
-                <a:spcPts val="0"/>
-              </a:spcAft>
-              <a:buClr>
-                <a:srgbClr val="000000"/>
-              </a:buClr>
-              <a:buSzTx/>
-              <a:buFont typeface="Arial"/>
-              <a:buNone/>
-              <a:tabLst/>
-              <a:defRPr/>
-            </a:pPr>
-            <a:endParaRPr kumimoji="0" lang="pt-BR" sz="1050" b="0" i="0" u="none" strike="noStrike" kern="0" cap="none" spc="0" normalizeH="0" baseline="0" noProof="0" dirty="0">
-              <a:ln>
-                <a:noFill/>
-              </a:ln>
-              <a:solidFill>
-                <a:srgbClr val="FFFFFF"/>
-              </a:solidFill>
-              <a:effectLst/>
-              <a:uLnTx/>
-              <a:uFillTx/>
-              <a:latin typeface="Arial"/>
-              <a:ea typeface="+mn-ea"/>
-              <a:cs typeface="+mn-cs"/>
-              <a:sym typeface="Arial"/>
-            </a:endParaRPr>
-          </a:p>
-          <a:p>
-            <a:pPr marL="0" marR="0" lvl="0" indent="0" algn="just" defTabSz="914400" eaLnBrk="1" fontAlgn="auto" latinLnBrk="0" hangingPunct="1">
-              <a:lnSpc>
-                <a:spcPct val="100000"/>
-              </a:lnSpc>
-              <a:spcBef>
-                <a:spcPts val="0"/>
-              </a:spcBef>
-              <a:spcAft>
-                <a:spcPts val="0"/>
-              </a:spcAft>
-              <a:buClr>
-                <a:srgbClr val="000000"/>
-              </a:buClr>
-              <a:buSzTx/>
-              <a:buFont typeface="Arial"/>
-              <a:buNone/>
-              <a:tabLst/>
-              <a:defRPr/>
-            </a:pPr>
-            <a:r>
-              <a:rPr kumimoji="0" lang="pt-BR" sz="1050" b="0" i="0" u="none" strike="noStrike" kern="0" cap="none" spc="0" normalizeH="0" baseline="0" noProof="0" dirty="0">
-                <a:ln>
-                  <a:noFill/>
-                </a:ln>
-                <a:solidFill>
-                  <a:srgbClr val="FFFFFF"/>
-                </a:solidFill>
-                <a:effectLst/>
-                <a:uLnTx/>
-                <a:uFillTx/>
-                <a:latin typeface="Arial"/>
-                <a:ea typeface="+mn-ea"/>
-                <a:cs typeface="+mn-cs"/>
-                <a:sym typeface="Arial"/>
-              </a:rPr>
-              <a:t>É permitida a reprodução total ou parcial, desde que ditada a fonte.</a:t>
-            </a:r>
-            <a:endParaRPr kumimoji="0" lang="pt-BR" sz="1100" b="0" i="0" u="none" strike="noStrike" kern="0" cap="none" spc="0" normalizeH="0" baseline="0" noProof="0" dirty="0">
-              <a:ln>
-                <a:noFill/>
-              </a:ln>
-              <a:solidFill>
-                <a:srgbClr val="FFFFFF"/>
-              </a:solidFill>
-              <a:effectLst/>
-              <a:uLnTx/>
-              <a:uFillTx/>
-              <a:latin typeface="Arial"/>
-              <a:ea typeface="+mn-ea"/>
-              <a:cs typeface="+mn-cs"/>
-              <a:sym typeface="Arial"/>
             </a:endParaRPr>
           </a:p>
         </p:txBody>
@@ -2735,288 +2655,26 @@
       </p:grpSpPr>
       <p:sp>
         <p:nvSpPr>
-          <p:cNvPr id="3" name="Espaço Reservado para Conteúdo 2"/>
-          <p:cNvSpPr>
-            <a:spLocks noGrp="1"/>
-          </p:cNvSpPr>
-          <p:nvPr>
-            <p:ph idx="1"/>
-          </p:nvPr>
-        </p:nvSpPr>
-        <p:spPr>
-          <a:xfrm>
-            <a:off x="838200" y="1253331"/>
-            <a:ext cx="10515600" cy="4351338"/>
-          </a:xfrm>
-        </p:spPr>
-        <p:txBody>
-          <a:bodyPr>
-            <a:normAutofit/>
-          </a:bodyPr>
-          <a:lstStyle>
-            <a:lvl1pPr>
-              <a:defRPr lang="pt-BR" sz="2000" b="0" i="0" u="none" strike="noStrike" cap="none" dirty="0" smtClean="0">
-                <a:solidFill>
-                  <a:srgbClr val="000000"/>
-                </a:solidFill>
-                <a:latin typeface="Arial"/>
-                <a:ea typeface="Arial"/>
-                <a:cs typeface="Arial"/>
-                <a:sym typeface="Arial"/>
-              </a:defRPr>
-            </a:lvl1pPr>
-            <a:lvl2pPr>
-              <a:defRPr lang="pt-BR" sz="2000" b="0" i="0" u="none" strike="noStrike" cap="none" dirty="0" smtClean="0">
-                <a:solidFill>
-                  <a:srgbClr val="000000"/>
-                </a:solidFill>
-                <a:latin typeface="Arial"/>
-                <a:ea typeface="Arial"/>
-                <a:cs typeface="Arial"/>
-                <a:sym typeface="Arial"/>
-              </a:defRPr>
-            </a:lvl2pPr>
-            <a:lvl3pPr>
-              <a:defRPr lang="pt-BR" sz="2000" b="0" i="0" u="none" strike="noStrike" cap="none" dirty="0" smtClean="0">
-                <a:solidFill>
-                  <a:srgbClr val="000000"/>
-                </a:solidFill>
-                <a:latin typeface="Arial"/>
-                <a:ea typeface="Arial"/>
-                <a:cs typeface="Arial"/>
-                <a:sym typeface="Arial"/>
-              </a:defRPr>
-            </a:lvl3pPr>
-            <a:lvl4pPr>
-              <a:defRPr lang="pt-BR" sz="2000" b="0" i="0" u="none" strike="noStrike" cap="none" dirty="0" smtClean="0">
-                <a:solidFill>
-                  <a:srgbClr val="000000"/>
-                </a:solidFill>
-                <a:latin typeface="Arial"/>
-                <a:ea typeface="Arial"/>
-                <a:cs typeface="Arial"/>
-                <a:sym typeface="Arial"/>
-              </a:defRPr>
-            </a:lvl4pPr>
-            <a:lvl5pPr>
-              <a:defRPr lang="pt-BR" sz="2000" b="0" i="0" u="none" strike="noStrike" cap="none" dirty="0">
-                <a:solidFill>
-                  <a:srgbClr val="000000"/>
-                </a:solidFill>
-                <a:latin typeface="Arial"/>
-                <a:ea typeface="Arial"/>
-                <a:cs typeface="Arial"/>
-                <a:sym typeface="Arial"/>
-              </a:defRPr>
-            </a:lvl5pPr>
-          </a:lstStyle>
-          <a:p>
-            <a:pPr lvl="0"/>
-            <a:r>
-              <a:rPr lang="pt-BR" dirty="0"/>
-              <a:t>Clique para editar o texto mestre</a:t>
-            </a:r>
-          </a:p>
-          <a:p>
-            <a:pPr lvl="1"/>
-            <a:r>
-              <a:rPr lang="pt-BR" dirty="0"/>
-              <a:t>Segundo nível</a:t>
-            </a:r>
-          </a:p>
-          <a:p>
-            <a:pPr lvl="2"/>
-            <a:r>
-              <a:rPr lang="pt-BR" dirty="0"/>
-              <a:t>Terceiro nível</a:t>
-            </a:r>
-          </a:p>
-          <a:p>
-            <a:pPr lvl="3"/>
-            <a:r>
-              <a:rPr lang="pt-BR" dirty="0"/>
-              <a:t>Quarto nível</a:t>
-            </a:r>
-          </a:p>
-          <a:p>
-            <a:pPr lvl="4"/>
-            <a:r>
-              <a:rPr lang="pt-BR" dirty="0"/>
-              <a:t>Quinto nível</a:t>
-            </a:r>
-          </a:p>
-        </p:txBody>
-      </p:sp>
-      <p:sp>
-        <p:nvSpPr>
-          <p:cNvPr id="4" name="Espaço Reservado para Data 3"/>
-          <p:cNvSpPr>
-            <a:spLocks noGrp="1"/>
-          </p:cNvSpPr>
-          <p:nvPr>
-            <p:ph type="dt" sz="half" idx="10"/>
-          </p:nvPr>
-        </p:nvSpPr>
-        <p:spPr>
-          <a:xfrm>
-            <a:off x="838200" y="6472341"/>
-            <a:ext cx="2743200" cy="365125"/>
-          </a:xfrm>
-        </p:spPr>
-        <p:txBody>
-          <a:bodyPr/>
-          <a:lstStyle/>
-          <a:p>
-            <a:fld id="{594ACB89-4662-4B0D-B4A6-6AB382733EB7}" type="datetimeFigureOut">
-              <a:rPr lang="pt-BR" smtClean="0"/>
-              <a:t>05/07/2024</a:t>
-            </a:fld>
-            <a:endParaRPr lang="pt-BR"/>
-          </a:p>
-        </p:txBody>
-      </p:sp>
-      <p:sp>
-        <p:nvSpPr>
-          <p:cNvPr id="5" name="Espaço Reservado para Rodapé 4"/>
-          <p:cNvSpPr>
-            <a:spLocks noGrp="1"/>
-          </p:cNvSpPr>
-          <p:nvPr>
-            <p:ph type="ftr" sz="quarter" idx="11"/>
-          </p:nvPr>
-        </p:nvSpPr>
-        <p:spPr>
-          <a:xfrm>
-            <a:off x="4038600" y="6472341"/>
-            <a:ext cx="4114800" cy="365125"/>
-          </a:xfrm>
-        </p:spPr>
-        <p:txBody>
-          <a:bodyPr/>
-          <a:lstStyle/>
-          <a:p>
-            <a:r>
-              <a:rPr lang="pt-BR" dirty="0"/>
-              <a:t>Secretaria de Estado da Economia</a:t>
-            </a:r>
-          </a:p>
-        </p:txBody>
-      </p:sp>
-      <p:sp>
-        <p:nvSpPr>
-          <p:cNvPr id="6" name="Espaço Reservado para Número de Slide 5"/>
-          <p:cNvSpPr>
-            <a:spLocks noGrp="1"/>
-          </p:cNvSpPr>
-          <p:nvPr>
-            <p:ph type="sldNum" sz="quarter" idx="12"/>
-          </p:nvPr>
-        </p:nvSpPr>
-        <p:spPr>
-          <a:xfrm>
-            <a:off x="8610600" y="6472341"/>
-            <a:ext cx="2743200" cy="365125"/>
-          </a:xfrm>
-        </p:spPr>
-        <p:txBody>
-          <a:bodyPr/>
-          <a:lstStyle/>
-          <a:p>
-            <a:fld id="{FAACE0D2-E678-453C-8082-E08B461DE721}" type="slidenum">
-              <a:rPr lang="pt-BR" smtClean="0"/>
-              <a:t>‹nº›</a:t>
-            </a:fld>
-            <a:endParaRPr lang="pt-BR"/>
-          </a:p>
-        </p:txBody>
-      </p:sp>
-      <p:cxnSp>
-        <p:nvCxnSpPr>
-          <p:cNvPr id="10" name="Conector reto 9"/>
-          <p:cNvCxnSpPr/>
-          <p:nvPr userDrawn="1"/>
-        </p:nvCxnSpPr>
-        <p:spPr>
-          <a:xfrm>
-            <a:off x="3603121" y="6472341"/>
-            <a:ext cx="4985759" cy="0"/>
-          </a:xfrm>
-          <a:prstGeom prst="line">
-            <a:avLst/>
-          </a:prstGeom>
-          <a:ln w="12700" cap="rnd">
-            <a:solidFill>
-              <a:srgbClr val="008666">
-                <a:alpha val="70000"/>
-              </a:srgbClr>
-            </a:solidFill>
-            <a:miter lim="800000"/>
-          </a:ln>
-          <a:effectLst/>
-        </p:spPr>
-        <p:style>
-          <a:lnRef idx="1">
-            <a:schemeClr val="accent1"/>
-          </a:lnRef>
-          <a:fillRef idx="0">
-            <a:schemeClr val="accent1"/>
-          </a:fillRef>
-          <a:effectRef idx="0">
-            <a:schemeClr val="accent1"/>
-          </a:effectRef>
-          <a:fontRef idx="minor">
-            <a:schemeClr val="tx1"/>
-          </a:fontRef>
-        </p:style>
-      </p:cxnSp>
-      <p:sp>
-        <p:nvSpPr>
-          <p:cNvPr id="11" name="Espaço Reservado para Título 1"/>
-          <p:cNvSpPr>
-            <a:spLocks noGrp="1"/>
-          </p:cNvSpPr>
-          <p:nvPr>
-            <p:ph type="title"/>
-          </p:nvPr>
-        </p:nvSpPr>
-        <p:spPr>
-          <a:xfrm>
-            <a:off x="45719" y="1"/>
-            <a:ext cx="10835083" cy="438149"/>
-          </a:xfrm>
-          <a:prstGeom prst="rect">
-            <a:avLst/>
-          </a:prstGeom>
-        </p:spPr>
-        <p:txBody>
-          <a:bodyPr vert="horz" lIns="91440" tIns="45720" rIns="91440" bIns="45720" rtlCol="0" anchor="ctr">
-            <a:noAutofit/>
-          </a:bodyPr>
-          <a:lstStyle/>
-          <a:p>
-            <a:r>
-              <a:rPr lang="pt-BR" dirty="0"/>
-              <a:t>Clique para editar o título mestre</a:t>
-            </a:r>
-          </a:p>
-        </p:txBody>
-      </p:sp>
-      <p:sp>
-        <p:nvSpPr>
-          <p:cNvPr id="17" name="Retângulo 16"/>
+          <p:cNvPr id="7" name="Retângulo 6">
+            <a:extLst>
+              <a:ext uri="{FF2B5EF4-FFF2-40B4-BE49-F238E27FC236}">
+                <a16:creationId xmlns:a16="http://schemas.microsoft.com/office/drawing/2014/main" id="{30F9BFF1-A944-7F72-42FC-CF49A5A711FC}"/>
+              </a:ext>
+            </a:extLst>
+          </p:cNvPr>
           <p:cNvSpPr/>
           <p:nvPr userDrawn="1"/>
         </p:nvSpPr>
         <p:spPr>
           <a:xfrm>
-            <a:off x="0" y="0"/>
-            <a:ext cx="45719" cy="830263"/>
+            <a:off x="0" y="6619873"/>
+            <a:ext cx="11483788" cy="193301"/>
           </a:xfrm>
           <a:prstGeom prst="rect">
             <a:avLst/>
           </a:prstGeom>
           <a:solidFill>
-            <a:srgbClr val="008666"/>
+            <a:srgbClr val="002E6B"/>
           </a:solidFill>
           <a:ln>
             <a:noFill/>
@@ -3043,11 +2701,267 @@
           <a:lstStyle/>
           <a:p>
             <a:pPr algn="ctr"/>
-            <a:endParaRPr lang="pt-BR" dirty="0">
-              <a:solidFill>
-                <a:srgbClr val="006E54"/>
-              </a:solidFill>
-            </a:endParaRPr>
+            <a:endParaRPr lang="pt-BR"/>
+          </a:p>
+        </p:txBody>
+      </p:sp>
+      <p:sp>
+        <p:nvSpPr>
+          <p:cNvPr id="3" name="Espaço Reservado para Conteúdo 2"/>
+          <p:cNvSpPr>
+            <a:spLocks noGrp="1"/>
+          </p:cNvSpPr>
+          <p:nvPr>
+            <p:ph idx="1"/>
+          </p:nvPr>
+        </p:nvSpPr>
+        <p:spPr>
+          <a:xfrm>
+            <a:off x="838200" y="1253331"/>
+            <a:ext cx="10515600" cy="4351338"/>
+          </a:xfrm>
+        </p:spPr>
+        <p:txBody>
+          <a:bodyPr>
+            <a:normAutofit/>
+          </a:bodyPr>
+          <a:lstStyle>
+            <a:lvl1pPr>
+              <a:defRPr lang="pt-BR" sz="2000" b="0" i="0" u="none" strike="noStrike" cap="none" dirty="0" smtClean="0">
+                <a:solidFill>
+                  <a:srgbClr val="000000"/>
+                </a:solidFill>
+                <a:latin typeface="Arial"/>
+                <a:ea typeface="Arial"/>
+                <a:cs typeface="Arial"/>
+                <a:sym typeface="Arial"/>
+              </a:defRPr>
+            </a:lvl1pPr>
+            <a:lvl2pPr>
+              <a:defRPr lang="pt-BR" sz="2000" b="0" i="0" u="none" strike="noStrike" cap="none" dirty="0" smtClean="0">
+                <a:solidFill>
+                  <a:srgbClr val="000000"/>
+                </a:solidFill>
+                <a:latin typeface="Arial"/>
+                <a:ea typeface="Arial"/>
+                <a:cs typeface="Arial"/>
+                <a:sym typeface="Arial"/>
+              </a:defRPr>
+            </a:lvl2pPr>
+            <a:lvl3pPr>
+              <a:defRPr lang="pt-BR" sz="2000" b="0" i="0" u="none" strike="noStrike" cap="none" dirty="0" smtClean="0">
+                <a:solidFill>
+                  <a:srgbClr val="000000"/>
+                </a:solidFill>
+                <a:latin typeface="Arial"/>
+                <a:ea typeface="Arial"/>
+                <a:cs typeface="Arial"/>
+                <a:sym typeface="Arial"/>
+              </a:defRPr>
+            </a:lvl3pPr>
+            <a:lvl4pPr>
+              <a:defRPr lang="pt-BR" sz="2000" b="0" i="0" u="none" strike="noStrike" cap="none" dirty="0" smtClean="0">
+                <a:solidFill>
+                  <a:srgbClr val="000000"/>
+                </a:solidFill>
+                <a:latin typeface="Arial"/>
+                <a:ea typeface="Arial"/>
+                <a:cs typeface="Arial"/>
+                <a:sym typeface="Arial"/>
+              </a:defRPr>
+            </a:lvl4pPr>
+            <a:lvl5pPr>
+              <a:defRPr lang="pt-BR" sz="2000" b="0" i="0" u="none" strike="noStrike" cap="none" dirty="0">
+                <a:solidFill>
+                  <a:srgbClr val="000000"/>
+                </a:solidFill>
+                <a:latin typeface="Arial"/>
+                <a:ea typeface="Arial"/>
+                <a:cs typeface="Arial"/>
+                <a:sym typeface="Arial"/>
+              </a:defRPr>
+            </a:lvl5pPr>
+          </a:lstStyle>
+          <a:p>
+            <a:pPr lvl="0"/>
+            <a:r>
+              <a:rPr lang="pt-BR" dirty="0"/>
+              <a:t>Clique para editar o texto mestre</a:t>
+            </a:r>
+          </a:p>
+          <a:p>
+            <a:pPr lvl="1"/>
+            <a:r>
+              <a:rPr lang="pt-BR" dirty="0"/>
+              <a:t>Segundo nível</a:t>
+            </a:r>
+          </a:p>
+          <a:p>
+            <a:pPr lvl="2"/>
+            <a:r>
+              <a:rPr lang="pt-BR" dirty="0"/>
+              <a:t>Terceiro nível</a:t>
+            </a:r>
+          </a:p>
+          <a:p>
+            <a:pPr lvl="3"/>
+            <a:r>
+              <a:rPr lang="pt-BR" dirty="0"/>
+              <a:t>Quarto nível</a:t>
+            </a:r>
+          </a:p>
+          <a:p>
+            <a:pPr lvl="4"/>
+            <a:r>
+              <a:rPr lang="pt-BR" dirty="0"/>
+              <a:t>Quinto nível</a:t>
+            </a:r>
+          </a:p>
+        </p:txBody>
+      </p:sp>
+      <p:sp>
+        <p:nvSpPr>
+          <p:cNvPr id="4" name="Espaço Reservado para Data 3"/>
+          <p:cNvSpPr>
+            <a:spLocks noGrp="1"/>
+          </p:cNvSpPr>
+          <p:nvPr>
+            <p:ph type="dt" sz="half" idx="10"/>
+          </p:nvPr>
+        </p:nvSpPr>
+        <p:spPr>
+          <a:xfrm>
+            <a:off x="11353800" y="-1447"/>
+            <a:ext cx="838200" cy="365125"/>
+          </a:xfrm>
+        </p:spPr>
+        <p:txBody>
+          <a:bodyPr/>
+          <a:lstStyle>
+            <a:lvl1pPr algn="l">
+              <a:defRPr sz="1000" i="1"/>
+            </a:lvl1pPr>
+          </a:lstStyle>
+          <a:p>
+            <a:fld id="{974FFC0B-9CD3-4EB1-8E25-0252DDCEF5C4}" type="datetime1">
+              <a:rPr lang="pt-BR" smtClean="0"/>
+              <a:pPr/>
+              <a:t>11/07/2024</a:t>
+            </a:fld>
+            <a:endParaRPr lang="pt-BR" dirty="0"/>
+          </a:p>
+        </p:txBody>
+      </p:sp>
+      <p:sp>
+        <p:nvSpPr>
+          <p:cNvPr id="5" name="Espaço Reservado para Rodapé 4"/>
+          <p:cNvSpPr>
+            <a:spLocks noGrp="1"/>
+          </p:cNvSpPr>
+          <p:nvPr>
+            <p:ph type="ftr" sz="quarter" idx="11"/>
+          </p:nvPr>
+        </p:nvSpPr>
+        <p:spPr>
+          <a:xfrm>
+            <a:off x="7368988" y="6619873"/>
+            <a:ext cx="4114800" cy="183795"/>
+          </a:xfrm>
+        </p:spPr>
+        <p:txBody>
+          <a:bodyPr/>
+          <a:lstStyle>
+            <a:lvl1pPr algn="r">
+              <a:defRPr sz="1000" b="1">
+                <a:solidFill>
+                  <a:schemeClr val="bg1"/>
+                </a:solidFill>
+              </a:defRPr>
+            </a:lvl1pPr>
+          </a:lstStyle>
+          <a:p>
+            <a:r>
+              <a:rPr lang="pt-BR" dirty="0"/>
+              <a:t>Boletim Econômico | Secretaria de Estado da Economia</a:t>
+            </a:r>
+          </a:p>
+        </p:txBody>
+      </p:sp>
+      <p:sp>
+        <p:nvSpPr>
+          <p:cNvPr id="6" name="Espaço Reservado para Número de Slide 5"/>
+          <p:cNvSpPr>
+            <a:spLocks noGrp="1"/>
+          </p:cNvSpPr>
+          <p:nvPr>
+            <p:ph type="sldNum" sz="quarter" idx="12"/>
+          </p:nvPr>
+        </p:nvSpPr>
+        <p:spPr>
+          <a:xfrm>
+            <a:off x="11483788" y="6629379"/>
+            <a:ext cx="708212" cy="174289"/>
+          </a:xfrm>
+        </p:spPr>
+        <p:txBody>
+          <a:bodyPr/>
+          <a:lstStyle>
+            <a:lvl1pPr algn="ctr">
+              <a:defRPr sz="1100" b="1">
+                <a:solidFill>
+                  <a:srgbClr val="008666"/>
+                </a:solidFill>
+                <a:latin typeface="Arial Black" panose="020B0A04020102020204" pitchFamily="34" charset="0"/>
+              </a:defRPr>
+            </a:lvl1pPr>
+          </a:lstStyle>
+          <a:p>
+            <a:fld id="{FAACE0D2-E678-453C-8082-E08B461DE721}" type="slidenum">
+              <a:rPr lang="pt-BR" smtClean="0"/>
+              <a:pPr/>
+              <a:t>‹nº›</a:t>
+            </a:fld>
+            <a:endParaRPr lang="pt-BR" dirty="0"/>
+          </a:p>
+        </p:txBody>
+      </p:sp>
+      <p:sp>
+        <p:nvSpPr>
+          <p:cNvPr id="11" name="Espaço Reservado para Título 1"/>
+          <p:cNvSpPr>
+            <a:spLocks noGrp="1"/>
+          </p:cNvSpPr>
+          <p:nvPr>
+            <p:ph type="title"/>
+          </p:nvPr>
+        </p:nvSpPr>
+        <p:spPr>
+          <a:xfrm>
+            <a:off x="45719" y="1"/>
+            <a:ext cx="10515601" cy="438149"/>
+          </a:xfrm>
+          <a:prstGeom prst="rect">
+            <a:avLst/>
+          </a:prstGeom>
+        </p:spPr>
+        <p:txBody>
+          <a:bodyPr vert="horz" lIns="91440" tIns="45720" rIns="91440" bIns="45720" rtlCol="0" anchor="ctr">
+            <a:noAutofit/>
+          </a:bodyPr>
+          <a:lstStyle>
+            <a:lvl1pPr>
+              <a:defRPr>
+                <a:solidFill>
+                  <a:srgbClr val="002E6B"/>
+                </a:solidFill>
+              </a:defRPr>
+            </a:lvl1pPr>
+          </a:lstStyle>
+          <a:p>
+            <a:r>
+              <a:rPr lang="pt-BR" dirty="0"/>
+              <a:t>Clique para editar o título mestre</a:t>
+            </a:r>
           </a:p>
         </p:txBody>
       </p:sp>
@@ -3056,7 +2970,7 @@
           <p:cNvPr id="12" name="Subtítulo 2">
             <a:extLst>
               <a:ext uri="{FF2B5EF4-FFF2-40B4-BE49-F238E27FC236}">
-                <a16:creationId xmlns="" xmlns:a16="http://schemas.microsoft.com/office/drawing/2014/main" id="{A7872648-BA39-4DB2-AE89-6A10579AD6EF}"/>
+                <a16:creationId xmlns:a16="http://schemas.microsoft.com/office/drawing/2014/main" id="{A7872648-BA39-4DB2-AE89-6A10579AD6EF}"/>
               </a:ext>
             </a:extLst>
           </p:cNvPr>
@@ -3070,7 +2984,7 @@
         <p:spPr>
           <a:xfrm>
             <a:off x="45719" y="375247"/>
-            <a:ext cx="8848115" cy="392113"/>
+            <a:ext cx="10515600" cy="392113"/>
           </a:xfrm>
         </p:spPr>
         <p:txBody>
@@ -3095,7 +3009,7 @@
               <a:buNone/>
               <a:defRPr lang="pt-BR" sz="2200" b="0" i="0" u="none" strike="noStrike" cap="none" dirty="0">
                 <a:solidFill>
-                  <a:srgbClr val="008666"/>
+                  <a:srgbClr val="00579E"/>
                 </a:solidFill>
                 <a:latin typeface="Microsoft JhengHei" panose="020B0604030504040204" pitchFamily="34" charset="-120"/>
                 <a:ea typeface="Microsoft JhengHei" panose="020B0604030504040204" pitchFamily="34" charset="-120"/>
@@ -3144,6 +3058,241 @@
           </a:p>
         </p:txBody>
       </p:sp>
+      <p:sp>
+        <p:nvSpPr>
+          <p:cNvPr id="2" name="CaixaDeTexto 1">
+            <a:extLst>
+              <a:ext uri="{FF2B5EF4-FFF2-40B4-BE49-F238E27FC236}">
+                <a16:creationId xmlns:a16="http://schemas.microsoft.com/office/drawing/2014/main" id="{4E402AA0-453D-14D2-D406-249D22CCE85B}"/>
+              </a:ext>
+            </a:extLst>
+          </p:cNvPr>
+          <p:cNvSpPr txBox="1"/>
+          <p:nvPr userDrawn="1"/>
+        </p:nvSpPr>
+        <p:spPr>
+          <a:xfrm>
+            <a:off x="10165976" y="-1447"/>
+            <a:ext cx="1317812" cy="365125"/>
+          </a:xfrm>
+          <a:prstGeom prst="rect">
+            <a:avLst/>
+          </a:prstGeom>
+        </p:spPr>
+        <p:txBody>
+          <a:bodyPr vert="horz" lIns="91440" tIns="45720" rIns="91440" bIns="45720" rtlCol="0" anchor="ctr"/>
+          <a:lstStyle>
+            <a:defPPr>
+              <a:defRPr lang="pt-BR"/>
+            </a:defPPr>
+            <a:lvl1pPr>
+              <a:defRPr sz="1000">
+                <a:solidFill>
+                  <a:schemeClr val="tx1">
+                    <a:tint val="75000"/>
+                  </a:schemeClr>
+                </a:solidFill>
+              </a:defRPr>
+            </a:lvl1pPr>
+          </a:lstStyle>
+          <a:p>
+            <a:pPr lvl="0" algn="r"/>
+            <a:r>
+              <a:rPr lang="pt-BR" i="1" dirty="0"/>
+              <a:t>PUBLICADO EM</a:t>
+            </a:r>
+          </a:p>
+        </p:txBody>
+      </p:sp>
+      <p:grpSp>
+        <p:nvGrpSpPr>
+          <p:cNvPr id="18" name="Agrupar 17">
+            <a:extLst>
+              <a:ext uri="{FF2B5EF4-FFF2-40B4-BE49-F238E27FC236}">
+                <a16:creationId xmlns:a16="http://schemas.microsoft.com/office/drawing/2014/main" id="{E813E782-843F-E028-F236-19C64783EE49}"/>
+              </a:ext>
+            </a:extLst>
+          </p:cNvPr>
+          <p:cNvGrpSpPr/>
+          <p:nvPr userDrawn="1"/>
+        </p:nvGrpSpPr>
+        <p:grpSpPr>
+          <a:xfrm>
+            <a:off x="-2" y="-3604"/>
+            <a:ext cx="18000" cy="817990"/>
+            <a:chOff x="68577" y="-3604"/>
+            <a:chExt cx="45720" cy="817990"/>
+          </a:xfrm>
+        </p:grpSpPr>
+        <p:sp>
+          <p:nvSpPr>
+            <p:cNvPr id="19" name="Retângulo 18">
+              <a:extLst>
+                <a:ext uri="{FF2B5EF4-FFF2-40B4-BE49-F238E27FC236}">
+                  <a16:creationId xmlns:a16="http://schemas.microsoft.com/office/drawing/2014/main" id="{E17CC3C7-43AC-D1B4-5C49-C844751CB062}"/>
+                </a:ext>
+              </a:extLst>
+            </p:cNvPr>
+            <p:cNvSpPr/>
+            <p:nvPr userDrawn="1"/>
+          </p:nvSpPr>
+          <p:spPr>
+            <a:xfrm>
+              <a:off x="68578" y="-3604"/>
+              <a:ext cx="45719" cy="273600"/>
+            </a:xfrm>
+            <a:prstGeom prst="rect">
+              <a:avLst/>
+            </a:prstGeom>
+            <a:solidFill>
+              <a:srgbClr val="002E23"/>
+            </a:solidFill>
+            <a:ln>
+              <a:noFill/>
+            </a:ln>
+          </p:spPr>
+          <p:style>
+            <a:lnRef idx="2">
+              <a:schemeClr val="accent1">
+                <a:shade val="50000"/>
+              </a:schemeClr>
+            </a:lnRef>
+            <a:fillRef idx="1">
+              <a:schemeClr val="accent1"/>
+            </a:fillRef>
+            <a:effectRef idx="0">
+              <a:schemeClr val="accent1"/>
+            </a:effectRef>
+            <a:fontRef idx="minor">
+              <a:schemeClr val="lt1"/>
+            </a:fontRef>
+          </p:style>
+          <p:txBody>
+            <a:bodyPr rtlCol="0" anchor="ctr"/>
+            <a:lstStyle/>
+            <a:p>
+              <a:pPr algn="ctr"/>
+              <a:endParaRPr lang="pt-BR" dirty="0">
+                <a:solidFill>
+                  <a:srgbClr val="006E54"/>
+                </a:solidFill>
+              </a:endParaRPr>
+            </a:p>
+          </p:txBody>
+        </p:sp>
+        <p:sp>
+          <p:nvSpPr>
+            <p:cNvPr id="20" name="Retângulo 19">
+              <a:extLst>
+                <a:ext uri="{FF2B5EF4-FFF2-40B4-BE49-F238E27FC236}">
+                  <a16:creationId xmlns:a16="http://schemas.microsoft.com/office/drawing/2014/main" id="{C380F8DA-717B-BC54-7855-409729988158}"/>
+                </a:ext>
+              </a:extLst>
+            </p:cNvPr>
+            <p:cNvSpPr/>
+            <p:nvPr userDrawn="1"/>
+          </p:nvSpPr>
+          <p:spPr>
+            <a:xfrm>
+              <a:off x="68578" y="267186"/>
+              <a:ext cx="45719" cy="273600"/>
+            </a:xfrm>
+            <a:prstGeom prst="rect">
+              <a:avLst/>
+            </a:prstGeom>
+            <a:solidFill>
+              <a:srgbClr val="AC9A63"/>
+            </a:solidFill>
+            <a:ln>
+              <a:noFill/>
+            </a:ln>
+          </p:spPr>
+          <p:style>
+            <a:lnRef idx="2">
+              <a:schemeClr val="accent1">
+                <a:shade val="50000"/>
+              </a:schemeClr>
+            </a:lnRef>
+            <a:fillRef idx="1">
+              <a:schemeClr val="accent1"/>
+            </a:fillRef>
+            <a:effectRef idx="0">
+              <a:schemeClr val="accent1"/>
+            </a:effectRef>
+            <a:fontRef idx="minor">
+              <a:schemeClr val="lt1"/>
+            </a:fontRef>
+          </p:style>
+          <p:txBody>
+            <a:bodyPr rtlCol="0" anchor="ctr"/>
+            <a:lstStyle/>
+            <a:p>
+              <a:pPr algn="ctr"/>
+              <a:endParaRPr lang="pt-BR" dirty="0">
+                <a:solidFill>
+                  <a:srgbClr val="006E54"/>
+                </a:solidFill>
+              </a:endParaRPr>
+            </a:p>
+          </p:txBody>
+        </p:sp>
+        <p:sp>
+          <p:nvSpPr>
+            <p:cNvPr id="21" name="Retângulo 20">
+              <a:extLst>
+                <a:ext uri="{FF2B5EF4-FFF2-40B4-BE49-F238E27FC236}">
+                  <a16:creationId xmlns:a16="http://schemas.microsoft.com/office/drawing/2014/main" id="{7D4870C5-E341-98B0-A745-01EF6D509132}"/>
+                </a:ext>
+              </a:extLst>
+            </p:cNvPr>
+            <p:cNvSpPr/>
+            <p:nvPr userDrawn="1"/>
+          </p:nvSpPr>
+          <p:spPr>
+            <a:xfrm>
+              <a:off x="68577" y="540786"/>
+              <a:ext cx="45720" cy="273600"/>
+            </a:xfrm>
+            <a:prstGeom prst="rect">
+              <a:avLst/>
+            </a:prstGeom>
+            <a:solidFill>
+              <a:srgbClr val="003774"/>
+            </a:solidFill>
+            <a:ln>
+              <a:noFill/>
+            </a:ln>
+          </p:spPr>
+          <p:style>
+            <a:lnRef idx="2">
+              <a:schemeClr val="accent1">
+                <a:shade val="50000"/>
+              </a:schemeClr>
+            </a:lnRef>
+            <a:fillRef idx="1">
+              <a:schemeClr val="accent1"/>
+            </a:fillRef>
+            <a:effectRef idx="0">
+              <a:schemeClr val="accent1"/>
+            </a:effectRef>
+            <a:fontRef idx="minor">
+              <a:schemeClr val="lt1"/>
+            </a:fontRef>
+          </p:style>
+          <p:txBody>
+            <a:bodyPr rtlCol="0" anchor="ctr"/>
+            <a:lstStyle/>
+            <a:p>
+              <a:pPr algn="ctr"/>
+              <a:endParaRPr lang="pt-BR" dirty="0">
+                <a:solidFill>
+                  <a:srgbClr val="006E54"/>
+                </a:solidFill>
+              </a:endParaRPr>
+            </a:p>
+          </p:txBody>
+        </p:sp>
+      </p:grpSp>
     </p:spTree>
     <p:extLst>
       <p:ext uri="{BB962C8B-B14F-4D97-AF65-F5344CB8AC3E}">
@@ -3174,22 +3323,217 @@
           <a:chExt cx="0" cy="0"/>
         </a:xfrm>
       </p:grpSpPr>
-      <p:sp>
-        <p:nvSpPr>
-          <p:cNvPr id="14" name="Retângulo 13"/>
+      <p:grpSp>
+        <p:nvGrpSpPr>
+          <p:cNvPr id="16" name="Agrupar 15">
+            <a:extLst>
+              <a:ext uri="{FF2B5EF4-FFF2-40B4-BE49-F238E27FC236}">
+                <a16:creationId xmlns:a16="http://schemas.microsoft.com/office/drawing/2014/main" id="{C317589D-1CDA-F1B2-2C63-58B37826D256}"/>
+              </a:ext>
+            </a:extLst>
+          </p:cNvPr>
+          <p:cNvGrpSpPr/>
+          <p:nvPr userDrawn="1"/>
+        </p:nvGrpSpPr>
+        <p:grpSpPr>
+          <a:xfrm>
+            <a:off x="-2" y="-3604"/>
+            <a:ext cx="18000" cy="817990"/>
+            <a:chOff x="68577" y="-3604"/>
+            <a:chExt cx="45720" cy="817990"/>
+          </a:xfrm>
+        </p:grpSpPr>
+        <p:sp>
+          <p:nvSpPr>
+            <p:cNvPr id="17" name="Retângulo 16">
+              <a:extLst>
+                <a:ext uri="{FF2B5EF4-FFF2-40B4-BE49-F238E27FC236}">
+                  <a16:creationId xmlns:a16="http://schemas.microsoft.com/office/drawing/2014/main" id="{D99164BD-EAC5-826D-E4B2-52946AB5879D}"/>
+                </a:ext>
+              </a:extLst>
+            </p:cNvPr>
+            <p:cNvSpPr/>
+            <p:nvPr userDrawn="1"/>
+          </p:nvSpPr>
+          <p:spPr>
+            <a:xfrm>
+              <a:off x="68578" y="-3604"/>
+              <a:ext cx="45719" cy="273600"/>
+            </a:xfrm>
+            <a:prstGeom prst="rect">
+              <a:avLst/>
+            </a:prstGeom>
+            <a:solidFill>
+              <a:srgbClr val="002E23"/>
+            </a:solidFill>
+            <a:ln>
+              <a:noFill/>
+            </a:ln>
+          </p:spPr>
+          <p:style>
+            <a:lnRef idx="2">
+              <a:schemeClr val="accent1">
+                <a:shade val="50000"/>
+              </a:schemeClr>
+            </a:lnRef>
+            <a:fillRef idx="1">
+              <a:schemeClr val="accent1"/>
+            </a:fillRef>
+            <a:effectRef idx="0">
+              <a:schemeClr val="accent1"/>
+            </a:effectRef>
+            <a:fontRef idx="minor">
+              <a:schemeClr val="lt1"/>
+            </a:fontRef>
+          </p:style>
+          <p:txBody>
+            <a:bodyPr rtlCol="0" anchor="ctr"/>
+            <a:lstStyle/>
+            <a:p>
+              <a:pPr algn="ctr"/>
+              <a:endParaRPr lang="pt-BR" dirty="0">
+                <a:solidFill>
+                  <a:srgbClr val="006E54"/>
+                </a:solidFill>
+              </a:endParaRPr>
+            </a:p>
+          </p:txBody>
+        </p:sp>
+        <p:sp>
+          <p:nvSpPr>
+            <p:cNvPr id="18" name="Retângulo 17">
+              <a:extLst>
+                <a:ext uri="{FF2B5EF4-FFF2-40B4-BE49-F238E27FC236}">
+                  <a16:creationId xmlns:a16="http://schemas.microsoft.com/office/drawing/2014/main" id="{DB4493DE-9A4D-9054-0226-4F1CDA12855E}"/>
+                </a:ext>
+              </a:extLst>
+            </p:cNvPr>
+            <p:cNvSpPr/>
+            <p:nvPr userDrawn="1"/>
+          </p:nvSpPr>
+          <p:spPr>
+            <a:xfrm>
+              <a:off x="68578" y="267186"/>
+              <a:ext cx="45719" cy="273600"/>
+            </a:xfrm>
+            <a:prstGeom prst="rect">
+              <a:avLst/>
+            </a:prstGeom>
+            <a:solidFill>
+              <a:srgbClr val="AC9A63"/>
+            </a:solidFill>
+            <a:ln>
+              <a:noFill/>
+            </a:ln>
+          </p:spPr>
+          <p:style>
+            <a:lnRef idx="2">
+              <a:schemeClr val="accent1">
+                <a:shade val="50000"/>
+              </a:schemeClr>
+            </a:lnRef>
+            <a:fillRef idx="1">
+              <a:schemeClr val="accent1"/>
+            </a:fillRef>
+            <a:effectRef idx="0">
+              <a:schemeClr val="accent1"/>
+            </a:effectRef>
+            <a:fontRef idx="minor">
+              <a:schemeClr val="lt1"/>
+            </a:fontRef>
+          </p:style>
+          <p:txBody>
+            <a:bodyPr rtlCol="0" anchor="ctr"/>
+            <a:lstStyle/>
+            <a:p>
+              <a:pPr algn="ctr"/>
+              <a:endParaRPr lang="pt-BR" dirty="0">
+                <a:solidFill>
+                  <a:srgbClr val="006E54"/>
+                </a:solidFill>
+              </a:endParaRPr>
+            </a:p>
+          </p:txBody>
+        </p:sp>
+        <p:sp>
+          <p:nvSpPr>
+            <p:cNvPr id="19" name="Retângulo 18">
+              <a:extLst>
+                <a:ext uri="{FF2B5EF4-FFF2-40B4-BE49-F238E27FC236}">
+                  <a16:creationId xmlns:a16="http://schemas.microsoft.com/office/drawing/2014/main" id="{F04100D6-80C2-01D3-2606-9756D22FFDF7}"/>
+                </a:ext>
+              </a:extLst>
+            </p:cNvPr>
+            <p:cNvSpPr/>
+            <p:nvPr userDrawn="1"/>
+          </p:nvSpPr>
+          <p:spPr>
+            <a:xfrm>
+              <a:off x="68577" y="540786"/>
+              <a:ext cx="45720" cy="273600"/>
+            </a:xfrm>
+            <a:prstGeom prst="rect">
+              <a:avLst/>
+            </a:prstGeom>
+            <a:solidFill>
+              <a:srgbClr val="003774"/>
+            </a:solidFill>
+            <a:ln>
+              <a:noFill/>
+            </a:ln>
+          </p:spPr>
+          <p:style>
+            <a:lnRef idx="2">
+              <a:schemeClr val="accent1">
+                <a:shade val="50000"/>
+              </a:schemeClr>
+            </a:lnRef>
+            <a:fillRef idx="1">
+              <a:schemeClr val="accent1"/>
+            </a:fillRef>
+            <a:effectRef idx="0">
+              <a:schemeClr val="accent1"/>
+            </a:effectRef>
+            <a:fontRef idx="minor">
+              <a:schemeClr val="lt1"/>
+            </a:fontRef>
+          </p:style>
+          <p:txBody>
+            <a:bodyPr rtlCol="0" anchor="ctr"/>
+            <a:lstStyle/>
+            <a:p>
+              <a:pPr algn="ctr"/>
+              <a:endParaRPr lang="pt-BR" dirty="0">
+                <a:solidFill>
+                  <a:srgbClr val="006E54"/>
+                </a:solidFill>
+              </a:endParaRPr>
+            </a:p>
+          </p:txBody>
+        </p:sp>
+      </p:grpSp>
+      <p:sp>
+        <p:nvSpPr>
+          <p:cNvPr id="10" name="Retângulo 9">
+            <a:extLst>
+              <a:ext uri="{FF2B5EF4-FFF2-40B4-BE49-F238E27FC236}">
+                <a16:creationId xmlns:a16="http://schemas.microsoft.com/office/drawing/2014/main" id="{A126C727-6158-53FA-71D7-F9C5CBB6FBEE}"/>
+              </a:ext>
+            </a:extLst>
+          </p:cNvPr>
           <p:cNvSpPr/>
           <p:nvPr userDrawn="1"/>
         </p:nvSpPr>
         <p:spPr>
           <a:xfrm>
-            <a:off x="0" y="0"/>
-            <a:ext cx="45719" cy="830263"/>
+            <a:off x="0" y="6619873"/>
+            <a:ext cx="11483788" cy="193301"/>
           </a:xfrm>
           <a:prstGeom prst="rect">
             <a:avLst/>
           </a:prstGeom>
           <a:solidFill>
-            <a:srgbClr val="008666"/>
+            <a:srgbClr val="002E6B"/>
           </a:solidFill>
           <a:ln>
             <a:noFill/>
@@ -3216,11 +3560,7 @@
           <a:lstStyle/>
           <a:p>
             <a:pPr algn="ctr"/>
-            <a:endParaRPr lang="pt-BR" dirty="0">
-              <a:solidFill>
-                <a:srgbClr val="006E54"/>
-              </a:solidFill>
-            </a:endParaRPr>
+            <a:endParaRPr lang="pt-BR"/>
           </a:p>
         </p:txBody>
       </p:sp>
@@ -3350,17 +3690,22 @@
         </p:nvSpPr>
         <p:spPr>
           <a:xfrm>
-            <a:off x="838200" y="6472341"/>
-            <a:ext cx="2743200" cy="365125"/>
+            <a:off x="11353800" y="0"/>
+            <a:ext cx="838800" cy="365125"/>
           </a:xfrm>
         </p:spPr>
         <p:txBody>
           <a:bodyPr/>
-          <a:lstStyle/>
-          <a:p>
-            <a:fld id="{594ACB89-4662-4B0D-B4A6-6AB382733EB7}" type="datetimeFigureOut">
+          <a:lstStyle>
+            <a:lvl1pPr>
+              <a:defRPr sz="1000" i="1"/>
+            </a:lvl1pPr>
+          </a:lstStyle>
+          <a:p>
+            <a:fld id="{93E7214A-6D00-4CA1-8A35-EDEED3307A75}" type="datetime1">
               <a:rPr lang="pt-BR" smtClean="0"/>
-              <a:t>05/07/2024</a:t>
+              <a:pPr/>
+              <a:t>11/07/2024</a:t>
             </a:fld>
             <a:endParaRPr lang="pt-BR"/>
           </a:p>
@@ -3378,17 +3723,25 @@
         </p:nvSpPr>
         <p:spPr>
           <a:xfrm>
-            <a:off x="4038600" y="6472341"/>
-            <a:ext cx="4114800" cy="365125"/>
+            <a:off x="6804210" y="6619873"/>
+            <a:ext cx="4679578" cy="183795"/>
           </a:xfrm>
         </p:spPr>
         <p:txBody>
           <a:bodyPr/>
-          <a:lstStyle/>
+          <a:lstStyle>
+            <a:lvl1pPr algn="r">
+              <a:defRPr sz="1000" b="1">
+                <a:solidFill>
+                  <a:schemeClr val="bg1"/>
+                </a:solidFill>
+              </a:defRPr>
+            </a:lvl1pPr>
+          </a:lstStyle>
           <a:p>
             <a:r>
               <a:rPr lang="pt-BR" dirty="0"/>
-              <a:t>Secretaria de Estado da Economia</a:t>
+              <a:t>Boletim Econômico | Secretaria de Estado da Economia</a:t>
             </a:r>
           </a:p>
         </p:txBody>
@@ -3405,64 +3758,41 @@
         </p:nvSpPr>
         <p:spPr>
           <a:xfrm>
-            <a:off x="8610600" y="6472341"/>
-            <a:ext cx="2743200" cy="365125"/>
+            <a:off x="11483788" y="6629381"/>
+            <a:ext cx="708212" cy="174288"/>
           </a:xfrm>
         </p:spPr>
         <p:txBody>
           <a:bodyPr/>
-          <a:lstStyle/>
+          <a:lstStyle>
+            <a:lvl1pPr algn="ctr">
+              <a:defRPr sz="1100" b="1">
+                <a:solidFill>
+                  <a:srgbClr val="008666"/>
+                </a:solidFill>
+                <a:latin typeface="Arial Black" panose="020B0A04020102020204" pitchFamily="34" charset="0"/>
+              </a:defRPr>
+            </a:lvl1pPr>
+          </a:lstStyle>
           <a:p>
             <a:fld id="{FAACE0D2-E678-453C-8082-E08B461DE721}" type="slidenum">
               <a:rPr lang="pt-BR" smtClean="0"/>
+              <a:pPr/>
               <a:t>‹nº›</a:t>
             </a:fld>
-            <a:endParaRPr lang="pt-BR"/>
-          </a:p>
-        </p:txBody>
-      </p:sp>
-      <p:cxnSp>
-        <p:nvCxnSpPr>
-          <p:cNvPr id="10" name="Conector reto 9"/>
-          <p:cNvCxnSpPr/>
-          <p:nvPr userDrawn="1"/>
-        </p:nvCxnSpPr>
-        <p:spPr>
-          <a:xfrm>
-            <a:off x="3603121" y="6472341"/>
-            <a:ext cx="4985759" cy="0"/>
-          </a:xfrm>
-          <a:prstGeom prst="line">
-            <a:avLst/>
-          </a:prstGeom>
-          <a:ln w="12700" cap="rnd">
-            <a:solidFill>
-              <a:srgbClr val="008666">
-                <a:alpha val="70000"/>
-              </a:srgbClr>
-            </a:solidFill>
-            <a:miter lim="800000"/>
-          </a:ln>
-          <a:effectLst/>
-        </p:spPr>
-        <p:style>
-          <a:lnRef idx="1">
-            <a:schemeClr val="accent1"/>
-          </a:lnRef>
-          <a:fillRef idx="0">
-            <a:schemeClr val="accent1"/>
-          </a:fillRef>
-          <a:effectRef idx="0">
-            <a:schemeClr val="accent1"/>
-          </a:effectRef>
-          <a:fontRef idx="minor">
-            <a:schemeClr val="tx1"/>
-          </a:fontRef>
-        </p:style>
-      </p:cxnSp>
-      <p:sp>
-        <p:nvSpPr>
-          <p:cNvPr id="11" name="Espaço Reservado para Título 1"/>
+            <a:endParaRPr lang="pt-BR" dirty="0"/>
+          </a:p>
+        </p:txBody>
+      </p:sp>
+      <p:sp>
+        <p:nvSpPr>
+          <p:cNvPr id="2" name="Espaço Reservado para Título 1">
+            <a:extLst>
+              <a:ext uri="{FF2B5EF4-FFF2-40B4-BE49-F238E27FC236}">
+                <a16:creationId xmlns:a16="http://schemas.microsoft.com/office/drawing/2014/main" id="{3E0F89DE-C20F-DBE0-DF1E-0665BC19DEC1}"/>
+              </a:ext>
+            </a:extLst>
+          </p:cNvPr>
           <p:cNvSpPr>
             <a:spLocks noGrp="1"/>
           </p:cNvSpPr>
@@ -3472,8 +3802,8 @@
         </p:nvSpPr>
         <p:spPr>
           <a:xfrm>
-            <a:off x="45719" y="1"/>
-            <a:ext cx="10835083" cy="438149"/>
+            <a:off x="45720" y="1"/>
+            <a:ext cx="10515600" cy="438149"/>
           </a:xfrm>
           <a:prstGeom prst="rect">
             <a:avLst/>
@@ -3483,7 +3813,15 @@
           <a:bodyPr vert="horz" lIns="91440" tIns="45720" rIns="91440" bIns="45720" rtlCol="0" anchor="ctr">
             <a:noAutofit/>
           </a:bodyPr>
-          <a:lstStyle/>
+          <a:lstStyle>
+            <a:lvl1pPr>
+              <a:defRPr>
+                <a:solidFill>
+                  <a:srgbClr val="002E6B"/>
+                </a:solidFill>
+              </a:defRPr>
+            </a:lvl1pPr>
+          </a:lstStyle>
           <a:p>
             <a:r>
               <a:rPr lang="pt-BR" dirty="0"/>
@@ -3494,59 +3832,10 @@
       </p:sp>
       <p:sp>
         <p:nvSpPr>
-          <p:cNvPr id="12" name="Retângulo 11"/>
-          <p:cNvSpPr/>
-          <p:nvPr userDrawn="1"/>
-        </p:nvSpPr>
-        <p:spPr>
-          <a:xfrm>
-            <a:off x="0" y="798870"/>
-            <a:ext cx="3512322" cy="183794"/>
-          </a:xfrm>
-          <a:prstGeom prst="rect">
-            <a:avLst/>
-          </a:prstGeom>
-          <a:solidFill>
-            <a:schemeClr val="accent4">
-              <a:lumMod val="40000"/>
-              <a:lumOff val="60000"/>
-            </a:schemeClr>
-          </a:solidFill>
-          <a:ln>
-            <a:noFill/>
-          </a:ln>
-        </p:spPr>
-        <p:style>
-          <a:lnRef idx="2">
-            <a:schemeClr val="accent1">
-              <a:shade val="50000"/>
-            </a:schemeClr>
-          </a:lnRef>
-          <a:fillRef idx="1">
-            <a:schemeClr val="accent1"/>
-          </a:fillRef>
-          <a:effectRef idx="0">
-            <a:schemeClr val="accent1"/>
-          </a:effectRef>
-          <a:fontRef idx="minor">
-            <a:schemeClr val="lt1"/>
-          </a:fontRef>
-        </p:style>
-        <p:txBody>
-          <a:bodyPr rtlCol="0" anchor="ctr"/>
-          <a:lstStyle/>
-          <a:p>
-            <a:pPr algn="ctr"/>
-            <a:endParaRPr lang="pt-BR"/>
-          </a:p>
-        </p:txBody>
-      </p:sp>
-      <p:sp>
-        <p:nvSpPr>
-          <p:cNvPr id="13" name="Subtítulo 2">
+          <p:cNvPr id="8" name="Subtítulo 2">
             <a:extLst>
               <a:ext uri="{FF2B5EF4-FFF2-40B4-BE49-F238E27FC236}">
-                <a16:creationId xmlns="" xmlns:a16="http://schemas.microsoft.com/office/drawing/2014/main" id="{A7872648-BA39-4DB2-AE89-6A10579AD6EF}"/>
+                <a16:creationId xmlns:a16="http://schemas.microsoft.com/office/drawing/2014/main" id="{2E709C1C-E53F-FA92-ACB8-FC35F0D61797}"/>
               </a:ext>
             </a:extLst>
           </p:cNvPr>
@@ -3560,7 +3849,7 @@
         <p:spPr>
           <a:xfrm>
             <a:off x="45719" y="375247"/>
-            <a:ext cx="8848115" cy="392113"/>
+            <a:ext cx="10515600" cy="392113"/>
           </a:xfrm>
         </p:spPr>
         <p:txBody>
@@ -3585,7 +3874,7 @@
               <a:buNone/>
               <a:defRPr lang="pt-BR" sz="2200" b="0" i="0" u="none" strike="noStrike" cap="none" dirty="0">
                 <a:solidFill>
-                  <a:srgbClr val="008666"/>
+                  <a:srgbClr val="00579E"/>
                 </a:solidFill>
                 <a:latin typeface="Microsoft JhengHei" panose="020B0604030504040204" pitchFamily="34" charset="-120"/>
                 <a:ea typeface="Microsoft JhengHei" panose="020B0604030504040204" pitchFamily="34" charset="-120"/>
@@ -3630,6 +3919,101 @@
             <a:r>
               <a:rPr lang="pt-BR" dirty="0"/>
               <a:t>Clique para editar o estilo do subtítulo mestre</a:t>
+            </a:r>
+          </a:p>
+        </p:txBody>
+      </p:sp>
+      <p:sp>
+        <p:nvSpPr>
+          <p:cNvPr id="12" name="Retângulo 11"/>
+          <p:cNvSpPr/>
+          <p:nvPr userDrawn="1"/>
+        </p:nvSpPr>
+        <p:spPr>
+          <a:xfrm>
+            <a:off x="-1" y="811576"/>
+            <a:ext cx="1739153" cy="171088"/>
+          </a:xfrm>
+          <a:prstGeom prst="rect">
+            <a:avLst/>
+          </a:prstGeom>
+          <a:solidFill>
+            <a:schemeClr val="accent4">
+              <a:lumMod val="40000"/>
+              <a:lumOff val="60000"/>
+            </a:schemeClr>
+          </a:solidFill>
+          <a:ln>
+            <a:noFill/>
+          </a:ln>
+        </p:spPr>
+        <p:style>
+          <a:lnRef idx="2">
+            <a:schemeClr val="accent1">
+              <a:shade val="50000"/>
+            </a:schemeClr>
+          </a:lnRef>
+          <a:fillRef idx="1">
+            <a:schemeClr val="accent1"/>
+          </a:fillRef>
+          <a:effectRef idx="0">
+            <a:schemeClr val="accent1"/>
+          </a:effectRef>
+          <a:fontRef idx="minor">
+            <a:schemeClr val="lt1"/>
+          </a:fontRef>
+        </p:style>
+        <p:txBody>
+          <a:bodyPr rtlCol="0" anchor="ctr"/>
+          <a:lstStyle/>
+          <a:p>
+            <a:pPr algn="ctr"/>
+            <a:endParaRPr lang="pt-BR"/>
+          </a:p>
+        </p:txBody>
+      </p:sp>
+      <p:sp>
+        <p:nvSpPr>
+          <p:cNvPr id="9" name="CaixaDeTexto 8">
+            <a:extLst>
+              <a:ext uri="{FF2B5EF4-FFF2-40B4-BE49-F238E27FC236}">
+                <a16:creationId xmlns:a16="http://schemas.microsoft.com/office/drawing/2014/main" id="{102727BC-6702-B5DA-B212-08D4BE8EC2F5}"/>
+              </a:ext>
+            </a:extLst>
+          </p:cNvPr>
+          <p:cNvSpPr txBox="1"/>
+          <p:nvPr userDrawn="1"/>
+        </p:nvSpPr>
+        <p:spPr>
+          <a:xfrm>
+            <a:off x="10165976" y="-1447"/>
+            <a:ext cx="1317812" cy="365125"/>
+          </a:xfrm>
+          <a:prstGeom prst="rect">
+            <a:avLst/>
+          </a:prstGeom>
+        </p:spPr>
+        <p:txBody>
+          <a:bodyPr vert="horz" lIns="91440" tIns="45720" rIns="91440" bIns="45720" rtlCol="0" anchor="ctr"/>
+          <a:lstStyle>
+            <a:defPPr>
+              <a:defRPr lang="pt-BR"/>
+            </a:defPPr>
+            <a:lvl1pPr>
+              <a:defRPr sz="1000">
+                <a:solidFill>
+                  <a:schemeClr val="tx1">
+                    <a:tint val="75000"/>
+                  </a:schemeClr>
+                </a:solidFill>
+              </a:defRPr>
+            </a:lvl1pPr>
+          </a:lstStyle>
+          <a:p>
+            <a:pPr lvl="0" algn="r"/>
+            <a:r>
+              <a:rPr lang="pt-BR" i="1" dirty="0"/>
+              <a:t>PUBLICADO EM</a:t>
             </a:r>
           </a:p>
         </p:txBody>
@@ -3648,7 +4032,7 @@
 </file>
 
 <file path=ppt/slideLayouts/slideLayout4.xml><?xml version="1.0" encoding="utf-8"?>
-<p:sldLayout xmlns:a="http://schemas.openxmlformats.org/drawingml/2006/main" xmlns:r="http://schemas.openxmlformats.org/officeDocument/2006/relationships" xmlns:p="http://schemas.openxmlformats.org/presentationml/2006/main" type="secHead" preserve="1">
+<p:sldLayout xmlns:a="http://schemas.openxmlformats.org/drawingml/2006/main" xmlns:r="http://schemas.openxmlformats.org/officeDocument/2006/relationships" xmlns:p="http://schemas.openxmlformats.org/presentationml/2006/main" preserve="1" userDrawn="1">
   <p:cSld name="capa_seção">
     <p:spTree>
       <p:nvGrpSpPr>
@@ -3666,10 +4050,10 @@
       </p:grpSpPr>
       <p:pic>
         <p:nvPicPr>
-          <p:cNvPr id="10" name="Imagem 9">
+          <p:cNvPr id="5" name="Imagem 4">
             <a:extLst>
               <a:ext uri="{FF2B5EF4-FFF2-40B4-BE49-F238E27FC236}">
-                <a16:creationId xmlns="" xmlns:a16="http://schemas.microsoft.com/office/drawing/2014/main" id="{71A80B54-C860-4BA2-B87D-C4589EA9BA7E}"/>
+                <a16:creationId xmlns:a16="http://schemas.microsoft.com/office/drawing/2014/main" id="{C5F4E738-576C-861C-2E45-20F6AEB5ECE6}"/>
               </a:ext>
             </a:extLst>
           </p:cNvPr>
@@ -3679,21 +4063,123 @@
           <p:nvPr userDrawn="1"/>
         </p:nvPicPr>
         <p:blipFill>
-          <a:blip r:embed="rId2"/>
+          <a:blip r:embed="rId2" cstate="print">
+            <a:extLst>
+              <a:ext uri="{28A0092B-C50C-407E-A947-70E740481C1C}">
+                <a14:useLocalDpi xmlns:a14="http://schemas.microsoft.com/office/drawing/2010/main" val="0"/>
+              </a:ext>
+            </a:extLst>
+          </a:blip>
           <a:stretch>
             <a:fillRect/>
           </a:stretch>
         </p:blipFill>
         <p:spPr>
           <a:xfrm>
-            <a:off x="0" y="-9426"/>
-            <a:ext cx="12192000" cy="6867426"/>
+            <a:off x="0" y="428"/>
+            <a:ext cx="12192000" cy="6857143"/>
           </a:xfrm>
           <a:prstGeom prst="rect">
             <a:avLst/>
           </a:prstGeom>
         </p:spPr>
       </p:pic>
+      <p:sp>
+        <p:nvSpPr>
+          <p:cNvPr id="4" name="Subtítulo 2">
+            <a:extLst>
+              <a:ext uri="{FF2B5EF4-FFF2-40B4-BE49-F238E27FC236}">
+                <a16:creationId xmlns:a16="http://schemas.microsoft.com/office/drawing/2014/main" id="{00B1E1F2-F49B-1842-1A9D-D7D167E454EB}"/>
+              </a:ext>
+            </a:extLst>
+          </p:cNvPr>
+          <p:cNvSpPr>
+            <a:spLocks noGrp="1"/>
+          </p:cNvSpPr>
+          <p:nvPr>
+            <p:ph type="subTitle" idx="13"/>
+          </p:nvPr>
+        </p:nvSpPr>
+        <p:spPr>
+          <a:xfrm>
+            <a:off x="6095999" y="2553017"/>
+            <a:ext cx="5517735" cy="511630"/>
+          </a:xfrm>
+        </p:spPr>
+        <p:txBody>
+          <a:bodyPr anchor="b">
+            <a:noAutofit/>
+          </a:bodyPr>
+          <a:lstStyle>
+            <a:lvl1pPr marL="0" marR="0" indent="0" algn="l" rtl="0">
+              <a:lnSpc>
+                <a:spcPct val="100000"/>
+              </a:lnSpc>
+              <a:spcBef>
+                <a:spcPts val="0"/>
+              </a:spcBef>
+              <a:spcAft>
+                <a:spcPts val="0"/>
+              </a:spcAft>
+              <a:buClr>
+                <a:srgbClr val="000000"/>
+              </a:buClr>
+              <a:buFont typeface="Arial" panose="020B0604020202020204" pitchFamily="34" charset="0"/>
+              <a:buNone/>
+              <a:defRPr lang="pt-BR" sz="3600" b="1" i="0" u="none" strike="noStrike" cap="none" dirty="0">
+                <a:solidFill>
+                  <a:srgbClr val="FFC000"/>
+                </a:solidFill>
+                <a:latin typeface="Arial Black" panose="020B0A04020102020204" pitchFamily="34" charset="0"/>
+                <a:ea typeface="Microsoft JhengHei" panose="020B0604030504040204" pitchFamily="34" charset="-120"/>
+                <a:cs typeface="Arial" panose="020B0604020202020204" pitchFamily="34" charset="0"/>
+                <a:sym typeface="Arial" panose="020B0604020202020204" pitchFamily="34" charset="0"/>
+              </a:defRPr>
+            </a:lvl1pPr>
+            <a:lvl2pPr marL="457200" indent="0" algn="ctr">
+              <a:buNone/>
+              <a:defRPr sz="2000"/>
+            </a:lvl2pPr>
+            <a:lvl3pPr marL="914400" indent="0" algn="ctr">
+              <a:buNone/>
+              <a:defRPr sz="1800"/>
+            </a:lvl3pPr>
+            <a:lvl4pPr marL="1371600" indent="0" algn="ctr">
+              <a:buNone/>
+              <a:defRPr sz="1600"/>
+            </a:lvl4pPr>
+            <a:lvl5pPr marL="1828800" indent="0" algn="ctr">
+              <a:buNone/>
+              <a:defRPr sz="1600"/>
+            </a:lvl5pPr>
+            <a:lvl6pPr marL="2286000" indent="0" algn="ctr">
+              <a:buNone/>
+              <a:defRPr sz="1600"/>
+            </a:lvl6pPr>
+            <a:lvl7pPr marL="2743200" indent="0" algn="ctr">
+              <a:buNone/>
+              <a:defRPr sz="1600"/>
+            </a:lvl7pPr>
+            <a:lvl8pPr marL="3200400" indent="0" algn="ctr">
+              <a:buNone/>
+              <a:defRPr sz="1600"/>
+            </a:lvl8pPr>
+            <a:lvl9pPr marL="3657600" indent="0" algn="ctr">
+              <a:buNone/>
+              <a:defRPr sz="1600"/>
+            </a:lvl9pPr>
+          </a:lstStyle>
+          <a:p>
+            <a:endParaRPr lang="pt-BR" dirty="0"/>
+          </a:p>
+          <a:p>
+            <a:r>
+              <a:rPr lang="pt-BR" dirty="0"/>
+              <a:t>1.</a:t>
+            </a:r>
+          </a:p>
+        </p:txBody>
+      </p:sp>
       <p:sp>
         <p:nvSpPr>
           <p:cNvPr id="2" name="Título 1"/>
@@ -3701,17 +4187,20 @@
             <a:spLocks noGrp="1"/>
           </p:cNvSpPr>
           <p:nvPr>
-            <p:ph type="title" hasCustomPrompt="1"/>
+            <p:ph type="title"/>
           </p:nvPr>
         </p:nvSpPr>
         <p:spPr>
           <a:xfrm>
-            <a:off x="541293" y="3051992"/>
-            <a:ext cx="11072442" cy="741362"/>
-          </a:xfrm>
-        </p:spPr>
-        <p:txBody>
-          <a:bodyPr anchor="b">
+            <a:off x="6611428" y="2351949"/>
+            <a:ext cx="4930589" cy="1242896"/>
+          </a:xfrm>
+          <a:prstGeom prst="rect">
+            <a:avLst/>
+          </a:prstGeom>
+        </p:spPr>
+        <p:txBody>
+          <a:bodyPr anchor="t">
             <a:normAutofit/>
           </a:bodyPr>
           <a:lstStyle>
@@ -3730,7 +4219,7 @@
               </a:buClr>
               <a:buSzPts val="4400"/>
               <a:buFont typeface="Arial" panose="020B0604020202020204" pitchFamily="34" charset="0"/>
-              <a:defRPr lang="pt-BR" altLang="pt-BR" sz="3600" b="0" i="0" u="none" strike="noStrike" cap="none" baseline="0" dirty="0">
+              <a:defRPr lang="pt-BR" altLang="pt-BR" sz="4000" b="1" i="0" u="none" strike="noStrike" cap="none" baseline="0" dirty="0">
                 <a:solidFill>
                   <a:srgbClr val="FFFFFF"/>
                 </a:solidFill>
@@ -3745,157 +4234,11 @@
             <a:pPr eaLnBrk="1" hangingPunct="1">
               <a:buSzPts val="4400"/>
             </a:pPr>
-            <a:r>
-              <a:rPr lang="pt-BR" altLang="pt-BR" sz="3600" dirty="0">
-                <a:solidFill>
-                  <a:srgbClr val="FFFFFF"/>
-                </a:solidFill>
-              </a:rPr>
-              <a:t>Texto 2</a:t>
-            </a:r>
-          </a:p>
-        </p:txBody>
-      </p:sp>
-      <p:sp>
-        <p:nvSpPr>
-          <p:cNvPr id="3" name="Espaço Reservado para Texto 2"/>
-          <p:cNvSpPr>
-            <a:spLocks noGrp="1"/>
-          </p:cNvSpPr>
-          <p:nvPr>
-            <p:ph type="body" idx="1" hasCustomPrompt="1"/>
-          </p:nvPr>
-        </p:nvSpPr>
-        <p:spPr>
-          <a:xfrm>
-            <a:off x="541293" y="2734655"/>
-            <a:ext cx="11072442" cy="317337"/>
-          </a:xfrm>
-        </p:spPr>
-        <p:txBody>
-          <a:bodyPr>
-            <a:noAutofit/>
-          </a:bodyPr>
-          <a:lstStyle>
-            <a:lvl1pPr marL="0" marR="0" indent="0" algn="l" rtl="0" eaLnBrk="1" hangingPunct="1">
-              <a:lnSpc>
-                <a:spcPct val="100000"/>
-              </a:lnSpc>
-              <a:spcBef>
-                <a:spcPts val="0"/>
-              </a:spcBef>
-              <a:spcAft>
-                <a:spcPts val="0"/>
-              </a:spcAft>
-              <a:buClr>
-                <a:srgbClr val="000000"/>
-              </a:buClr>
-              <a:buSzPts val="2400"/>
-              <a:buFont typeface="Arial" panose="020B0604020202020204" pitchFamily="34" charset="0"/>
-              <a:buNone/>
-              <a:defRPr lang="pt-BR" altLang="pt-BR" sz="1800" b="1" i="0" u="none" strike="noStrike" cap="none" dirty="0">
-                <a:solidFill>
-                  <a:srgbClr val="F9D700"/>
-                </a:solidFill>
-                <a:latin typeface="Arial" panose="020B0604020202020204" pitchFamily="34" charset="0"/>
-                <a:ea typeface="Arial"/>
-                <a:cs typeface="Arial" panose="020B0604020202020204" pitchFamily="34" charset="0"/>
-                <a:sym typeface="Arial" panose="020B0604020202020204" pitchFamily="34" charset="0"/>
-              </a:defRPr>
-            </a:lvl1pPr>
-            <a:lvl2pPr marL="457200" indent="0">
-              <a:buNone/>
-              <a:defRPr sz="2000">
-                <a:solidFill>
-                  <a:schemeClr val="tx1">
-                    <a:tint val="75000"/>
-                  </a:schemeClr>
-                </a:solidFill>
-              </a:defRPr>
-            </a:lvl2pPr>
-            <a:lvl3pPr marL="914400" indent="0">
-              <a:buNone/>
-              <a:defRPr sz="1800">
-                <a:solidFill>
-                  <a:schemeClr val="tx1">
-                    <a:tint val="75000"/>
-                  </a:schemeClr>
-                </a:solidFill>
-              </a:defRPr>
-            </a:lvl3pPr>
-            <a:lvl4pPr marL="1371600" indent="0">
-              <a:buNone/>
-              <a:defRPr sz="1600">
-                <a:solidFill>
-                  <a:schemeClr val="tx1">
-                    <a:tint val="75000"/>
-                  </a:schemeClr>
-                </a:solidFill>
-              </a:defRPr>
-            </a:lvl4pPr>
-            <a:lvl5pPr marL="1828800" indent="0">
-              <a:buNone/>
-              <a:defRPr sz="1600">
-                <a:solidFill>
-                  <a:schemeClr val="tx1">
-                    <a:tint val="75000"/>
-                  </a:schemeClr>
-                </a:solidFill>
-              </a:defRPr>
-            </a:lvl5pPr>
-            <a:lvl6pPr marL="2286000" indent="0">
-              <a:buNone/>
-              <a:defRPr sz="1600">
-                <a:solidFill>
-                  <a:schemeClr val="tx1">
-                    <a:tint val="75000"/>
-                  </a:schemeClr>
-                </a:solidFill>
-              </a:defRPr>
-            </a:lvl6pPr>
-            <a:lvl7pPr marL="2743200" indent="0">
-              <a:buNone/>
-              <a:defRPr sz="1600">
-                <a:solidFill>
-                  <a:schemeClr val="tx1">
-                    <a:tint val="75000"/>
-                  </a:schemeClr>
-                </a:solidFill>
-              </a:defRPr>
-            </a:lvl7pPr>
-            <a:lvl8pPr marL="3200400" indent="0">
-              <a:buNone/>
-              <a:defRPr sz="1600">
-                <a:solidFill>
-                  <a:schemeClr val="tx1">
-                    <a:tint val="75000"/>
-                  </a:schemeClr>
-                </a:solidFill>
-              </a:defRPr>
-            </a:lvl8pPr>
-            <a:lvl9pPr marL="3657600" indent="0">
-              <a:buNone/>
-              <a:defRPr sz="1600">
-                <a:solidFill>
-                  <a:schemeClr val="tx1">
-                    <a:tint val="75000"/>
-                  </a:schemeClr>
-                </a:solidFill>
-              </a:defRPr>
-            </a:lvl9pPr>
-          </a:lstStyle>
-          <a:p>
-            <a:pPr eaLnBrk="1" hangingPunct="1">
-              <a:buSzPts val="2400"/>
-            </a:pPr>
-            <a:r>
-              <a:rPr lang="pt-BR" altLang="pt-BR" sz="1800" b="1" dirty="0">
-                <a:solidFill>
-                  <a:srgbClr val="F9D700"/>
-                </a:solidFill>
-              </a:rPr>
-              <a:t>Texto 1</a:t>
-            </a:r>
+            <a:endParaRPr lang="pt-BR" altLang="pt-BR" sz="3600" dirty="0">
+              <a:solidFill>
+                <a:srgbClr val="FFFFFF"/>
+              </a:solidFill>
+            </a:endParaRPr>
           </a:p>
         </p:txBody>
       </p:sp>
@@ -4059,11 +4402,15 @@
         </p:spPr>
         <p:txBody>
           <a:bodyPr/>
-          <a:lstStyle/>
-          <a:p>
-            <a:fld id="{594ACB89-4662-4B0D-B4A6-6AB382733EB7}" type="datetimeFigureOut">
+          <a:lstStyle>
+            <a:lvl1pPr>
+              <a:defRPr sz="1000"/>
+            </a:lvl1pPr>
+          </a:lstStyle>
+          <a:p>
+            <a:fld id="{A05A2D86-F1E3-4BFB-BFA1-5406F3A8B1AD}" type="datetime1">
               <a:rPr lang="pt-BR" smtClean="0"/>
-              <a:t>05/07/2024</a:t>
+              <a:t>11/07/2024</a:t>
             </a:fld>
             <a:endParaRPr lang="pt-BR"/>
           </a:p>
@@ -4087,12 +4434,17 @@
         </p:spPr>
         <p:txBody>
           <a:bodyPr/>
-          <a:lstStyle/>
-          <a:p>
-            <a:r>
-              <a:rPr lang="pt-BR" dirty="0"/>
-              <a:t>Secretaria de Estado da Economia</a:t>
-            </a:r>
+          <a:lstStyle>
+            <a:lvl1pPr>
+              <a:defRPr sz="1000"/>
+            </a:lvl1pPr>
+          </a:lstStyle>
+          <a:p>
+            <a:r>
+              <a:rPr lang="pt-BR"/>
+              <a:t>Boletim Econômico | Secretaria de Estado da Economia</a:t>
+            </a:r>
+            <a:endParaRPr lang="pt-BR" dirty="0"/>
           </a:p>
         </p:txBody>
       </p:sp>
@@ -4114,58 +4466,30 @@
         </p:spPr>
         <p:txBody>
           <a:bodyPr/>
-          <a:lstStyle/>
+          <a:lstStyle>
+            <a:lvl1pPr>
+              <a:defRPr sz="1000"/>
+            </a:lvl1pPr>
+          </a:lstStyle>
           <a:p>
             <a:fld id="{FAACE0D2-E678-453C-8082-E08B461DE721}" type="slidenum">
               <a:rPr lang="pt-BR" smtClean="0"/>
+              <a:pPr/>
               <a:t>‹nº›</a:t>
             </a:fld>
             <a:endParaRPr lang="pt-BR"/>
           </a:p>
         </p:txBody>
       </p:sp>
-      <p:cxnSp>
-        <p:nvCxnSpPr>
-          <p:cNvPr id="13" name="Conector reto 12"/>
-          <p:cNvCxnSpPr/>
-          <p:nvPr userDrawn="1"/>
-        </p:nvCxnSpPr>
-        <p:spPr>
-          <a:xfrm>
-            <a:off x="3603121" y="6472341"/>
-            <a:ext cx="4985759" cy="0"/>
-          </a:xfrm>
-          <a:prstGeom prst="line">
-            <a:avLst/>
-          </a:prstGeom>
-          <a:ln w="12700" cap="rnd">
-            <a:solidFill>
-              <a:srgbClr val="008666">
-                <a:alpha val="50000"/>
-              </a:srgbClr>
-            </a:solidFill>
-            <a:miter lim="800000"/>
-          </a:ln>
-          <a:effectLst/>
-        </p:spPr>
-        <p:style>
-          <a:lnRef idx="1">
-            <a:schemeClr val="accent1"/>
-          </a:lnRef>
-          <a:fillRef idx="0">
-            <a:schemeClr val="accent1"/>
-          </a:fillRef>
-          <a:effectRef idx="0">
-            <a:schemeClr val="accent1"/>
-          </a:effectRef>
-          <a:fontRef idx="minor">
-            <a:schemeClr val="tx1"/>
-          </a:fontRef>
-        </p:style>
-      </p:cxnSp>
-      <p:sp>
-        <p:nvSpPr>
-          <p:cNvPr id="14" name="Espaço Reservado para Título 1"/>
+      <p:sp>
+        <p:nvSpPr>
+          <p:cNvPr id="2" name="Espaço Reservado para Título 1">
+            <a:extLst>
+              <a:ext uri="{FF2B5EF4-FFF2-40B4-BE49-F238E27FC236}">
+                <a16:creationId xmlns:a16="http://schemas.microsoft.com/office/drawing/2014/main" id="{66FF00E5-A4EA-4468-A251-86B589FB00CE}"/>
+              </a:ext>
+            </a:extLst>
+          </p:cNvPr>
           <p:cNvSpPr>
             <a:spLocks noGrp="1"/>
           </p:cNvSpPr>
@@ -4186,7 +4510,15 @@
           <a:bodyPr vert="horz" lIns="91440" tIns="45720" rIns="91440" bIns="45720" rtlCol="0" anchor="ctr">
             <a:noAutofit/>
           </a:bodyPr>
-          <a:lstStyle/>
+          <a:lstStyle>
+            <a:lvl1pPr>
+              <a:defRPr>
+                <a:solidFill>
+                  <a:srgbClr val="002E6B"/>
+                </a:solidFill>
+              </a:defRPr>
+            </a:lvl1pPr>
+          </a:lstStyle>
           <a:p>
             <a:r>
               <a:rPr lang="pt-BR" dirty="0"/>
@@ -4197,10 +4529,10 @@
       </p:sp>
       <p:sp>
         <p:nvSpPr>
-          <p:cNvPr id="16" name="Subtítulo 2">
+          <p:cNvPr id="6" name="Subtítulo 2">
             <a:extLst>
               <a:ext uri="{FF2B5EF4-FFF2-40B4-BE49-F238E27FC236}">
-                <a16:creationId xmlns="" xmlns:a16="http://schemas.microsoft.com/office/drawing/2014/main" id="{A7872648-BA39-4DB2-AE89-6A10579AD6EF}"/>
+                <a16:creationId xmlns:a16="http://schemas.microsoft.com/office/drawing/2014/main" id="{177941B4-9BC5-8FCE-83E7-4FE92E137221}"/>
               </a:ext>
             </a:extLst>
           </p:cNvPr>
@@ -4239,7 +4571,7 @@
               <a:buNone/>
               <a:defRPr lang="pt-BR" sz="2200" b="0" i="0" u="none" strike="noStrike" cap="none" dirty="0">
                 <a:solidFill>
-                  <a:srgbClr val="008666"/>
+                  <a:srgbClr val="00579E"/>
                 </a:solidFill>
                 <a:latin typeface="Microsoft JhengHei" panose="020B0604030504040204" pitchFamily="34" charset="-120"/>
                 <a:ea typeface="Microsoft JhengHei" panose="020B0604030504040204" pitchFamily="34" charset="-120"/>
@@ -4288,56 +4620,195 @@
           </a:p>
         </p:txBody>
       </p:sp>
-      <p:sp>
-        <p:nvSpPr>
-          <p:cNvPr id="15" name="Retângulo 14"/>
-          <p:cNvSpPr/>
+      <p:grpSp>
+        <p:nvGrpSpPr>
+          <p:cNvPr id="14" name="Agrupar 13">
+            <a:extLst>
+              <a:ext uri="{FF2B5EF4-FFF2-40B4-BE49-F238E27FC236}">
+                <a16:creationId xmlns:a16="http://schemas.microsoft.com/office/drawing/2014/main" id="{B31936AB-498B-816E-9507-13FBAC74D44A}"/>
+              </a:ext>
+            </a:extLst>
+          </p:cNvPr>
+          <p:cNvGrpSpPr/>
           <p:nvPr userDrawn="1"/>
-        </p:nvSpPr>
-        <p:spPr>
-          <a:xfrm>
-            <a:off x="0" y="0"/>
-            <a:ext cx="45719" cy="830263"/>
-          </a:xfrm>
-          <a:prstGeom prst="rect">
-            <a:avLst/>
-          </a:prstGeom>
-          <a:solidFill>
-            <a:srgbClr val="008666"/>
-          </a:solidFill>
-          <a:ln>
-            <a:noFill/>
-          </a:ln>
-        </p:spPr>
-        <p:style>
-          <a:lnRef idx="2">
-            <a:schemeClr val="accent1">
-              <a:shade val="50000"/>
-            </a:schemeClr>
-          </a:lnRef>
-          <a:fillRef idx="1">
-            <a:schemeClr val="accent1"/>
-          </a:fillRef>
-          <a:effectRef idx="0">
-            <a:schemeClr val="accent1"/>
-          </a:effectRef>
-          <a:fontRef idx="minor">
-            <a:schemeClr val="lt1"/>
-          </a:fontRef>
-        </p:style>
-        <p:txBody>
-          <a:bodyPr rtlCol="0" anchor="ctr"/>
-          <a:lstStyle/>
-          <a:p>
-            <a:pPr algn="ctr"/>
-            <a:endParaRPr lang="pt-BR" dirty="0">
-              <a:solidFill>
-                <a:srgbClr val="006E54"/>
-              </a:solidFill>
-            </a:endParaRPr>
-          </a:p>
-        </p:txBody>
-      </p:sp>
+        </p:nvGrpSpPr>
+        <p:grpSpPr>
+          <a:xfrm>
+            <a:off x="-2" y="-3604"/>
+            <a:ext cx="18000" cy="817990"/>
+            <a:chOff x="68577" y="-3604"/>
+            <a:chExt cx="45720" cy="817990"/>
+          </a:xfrm>
+        </p:grpSpPr>
+        <p:sp>
+          <p:nvSpPr>
+            <p:cNvPr id="15" name="Retângulo 14">
+              <a:extLst>
+                <a:ext uri="{FF2B5EF4-FFF2-40B4-BE49-F238E27FC236}">
+                  <a16:creationId xmlns:a16="http://schemas.microsoft.com/office/drawing/2014/main" id="{F19EB391-C571-24B1-8DC0-230E664DD85C}"/>
+                </a:ext>
+              </a:extLst>
+            </p:cNvPr>
+            <p:cNvSpPr/>
+            <p:nvPr userDrawn="1"/>
+          </p:nvSpPr>
+          <p:spPr>
+            <a:xfrm>
+              <a:off x="68578" y="-3604"/>
+              <a:ext cx="45719" cy="273600"/>
+            </a:xfrm>
+            <a:prstGeom prst="rect">
+              <a:avLst/>
+            </a:prstGeom>
+            <a:solidFill>
+              <a:srgbClr val="002E23"/>
+            </a:solidFill>
+            <a:ln>
+              <a:noFill/>
+            </a:ln>
+          </p:spPr>
+          <p:style>
+            <a:lnRef idx="2">
+              <a:schemeClr val="accent1">
+                <a:shade val="50000"/>
+              </a:schemeClr>
+            </a:lnRef>
+            <a:fillRef idx="1">
+              <a:schemeClr val="accent1"/>
+            </a:fillRef>
+            <a:effectRef idx="0">
+              <a:schemeClr val="accent1"/>
+            </a:effectRef>
+            <a:fontRef idx="minor">
+              <a:schemeClr val="lt1"/>
+            </a:fontRef>
+          </p:style>
+          <p:txBody>
+            <a:bodyPr rtlCol="0" anchor="ctr"/>
+            <a:lstStyle/>
+            <a:p>
+              <a:pPr algn="ctr"/>
+              <a:endParaRPr lang="pt-BR" dirty="0">
+                <a:solidFill>
+                  <a:srgbClr val="006E54"/>
+                </a:solidFill>
+              </a:endParaRPr>
+            </a:p>
+          </p:txBody>
+        </p:sp>
+        <p:sp>
+          <p:nvSpPr>
+            <p:cNvPr id="16" name="Retângulo 15">
+              <a:extLst>
+                <a:ext uri="{FF2B5EF4-FFF2-40B4-BE49-F238E27FC236}">
+                  <a16:creationId xmlns:a16="http://schemas.microsoft.com/office/drawing/2014/main" id="{13C4C650-6E96-A309-0D23-B1FA75AC27D1}"/>
+                </a:ext>
+              </a:extLst>
+            </p:cNvPr>
+            <p:cNvSpPr/>
+            <p:nvPr userDrawn="1"/>
+          </p:nvSpPr>
+          <p:spPr>
+            <a:xfrm>
+              <a:off x="68578" y="267186"/>
+              <a:ext cx="45719" cy="273600"/>
+            </a:xfrm>
+            <a:prstGeom prst="rect">
+              <a:avLst/>
+            </a:prstGeom>
+            <a:solidFill>
+              <a:srgbClr val="AC9A63"/>
+            </a:solidFill>
+            <a:ln>
+              <a:noFill/>
+            </a:ln>
+          </p:spPr>
+          <p:style>
+            <a:lnRef idx="2">
+              <a:schemeClr val="accent1">
+                <a:shade val="50000"/>
+              </a:schemeClr>
+            </a:lnRef>
+            <a:fillRef idx="1">
+              <a:schemeClr val="accent1"/>
+            </a:fillRef>
+            <a:effectRef idx="0">
+              <a:schemeClr val="accent1"/>
+            </a:effectRef>
+            <a:fontRef idx="minor">
+              <a:schemeClr val="lt1"/>
+            </a:fontRef>
+          </p:style>
+          <p:txBody>
+            <a:bodyPr rtlCol="0" anchor="ctr"/>
+            <a:lstStyle/>
+            <a:p>
+              <a:pPr algn="ctr"/>
+              <a:endParaRPr lang="pt-BR" dirty="0">
+                <a:solidFill>
+                  <a:srgbClr val="006E54"/>
+                </a:solidFill>
+              </a:endParaRPr>
+            </a:p>
+          </p:txBody>
+        </p:sp>
+        <p:sp>
+          <p:nvSpPr>
+            <p:cNvPr id="17" name="Retângulo 16">
+              <a:extLst>
+                <a:ext uri="{FF2B5EF4-FFF2-40B4-BE49-F238E27FC236}">
+                  <a16:creationId xmlns:a16="http://schemas.microsoft.com/office/drawing/2014/main" id="{A567C39A-2070-974F-ADCF-C2DC08E32E28}"/>
+                </a:ext>
+              </a:extLst>
+            </p:cNvPr>
+            <p:cNvSpPr/>
+            <p:nvPr userDrawn="1"/>
+          </p:nvSpPr>
+          <p:spPr>
+            <a:xfrm>
+              <a:off x="68577" y="540786"/>
+              <a:ext cx="45720" cy="273600"/>
+            </a:xfrm>
+            <a:prstGeom prst="rect">
+              <a:avLst/>
+            </a:prstGeom>
+            <a:solidFill>
+              <a:srgbClr val="003774"/>
+            </a:solidFill>
+            <a:ln>
+              <a:noFill/>
+            </a:ln>
+          </p:spPr>
+          <p:style>
+            <a:lnRef idx="2">
+              <a:schemeClr val="accent1">
+                <a:shade val="50000"/>
+              </a:schemeClr>
+            </a:lnRef>
+            <a:fillRef idx="1">
+              <a:schemeClr val="accent1"/>
+            </a:fillRef>
+            <a:effectRef idx="0">
+              <a:schemeClr val="accent1"/>
+            </a:effectRef>
+            <a:fontRef idx="minor">
+              <a:schemeClr val="lt1"/>
+            </a:fontRef>
+          </p:style>
+          <p:txBody>
+            <a:bodyPr rtlCol="0" anchor="ctr"/>
+            <a:lstStyle/>
+            <a:p>
+              <a:pPr algn="ctr"/>
+              <a:endParaRPr lang="pt-BR" dirty="0">
+                <a:solidFill>
+                  <a:srgbClr val="006E54"/>
+                </a:solidFill>
+              </a:endParaRPr>
+            </a:p>
+          </p:txBody>
+        </p:sp>
+      </p:grpSp>
     </p:spTree>
     <p:extLst>
       <p:ext uri="{BB962C8B-B14F-4D97-AF65-F5344CB8AC3E}">
@@ -4628,11 +5099,15 @@
         </p:spPr>
         <p:txBody>
           <a:bodyPr/>
-          <a:lstStyle/>
-          <a:p>
-            <a:fld id="{594ACB89-4662-4B0D-B4A6-6AB382733EB7}" type="datetimeFigureOut">
+          <a:lstStyle>
+            <a:lvl1pPr>
+              <a:defRPr sz="1000"/>
+            </a:lvl1pPr>
+          </a:lstStyle>
+          <a:p>
+            <a:fld id="{32F85AFF-28FF-460E-8CBD-61F6616AD901}" type="datetime1">
               <a:rPr lang="pt-BR" smtClean="0"/>
-              <a:t>05/07/2024</a:t>
+              <a:t>11/07/2024</a:t>
             </a:fld>
             <a:endParaRPr lang="pt-BR"/>
           </a:p>
@@ -4656,12 +5131,17 @@
         </p:spPr>
         <p:txBody>
           <a:bodyPr/>
-          <a:lstStyle/>
-          <a:p>
-            <a:r>
-              <a:rPr lang="pt-BR" dirty="0"/>
-              <a:t>Secretaria de Estado da Economia</a:t>
-            </a:r>
+          <a:lstStyle>
+            <a:lvl1pPr>
+              <a:defRPr sz="1000"/>
+            </a:lvl1pPr>
+          </a:lstStyle>
+          <a:p>
+            <a:r>
+              <a:rPr lang="pt-BR"/>
+              <a:t>Boletim Econômico | Secretaria de Estado da Economia</a:t>
+            </a:r>
+            <a:endParaRPr lang="pt-BR" dirty="0"/>
           </a:p>
         </p:txBody>
       </p:sp>
@@ -4683,58 +5163,30 @@
         </p:spPr>
         <p:txBody>
           <a:bodyPr/>
-          <a:lstStyle/>
+          <a:lstStyle>
+            <a:lvl1pPr>
+              <a:defRPr sz="1000"/>
+            </a:lvl1pPr>
+          </a:lstStyle>
           <a:p>
             <a:fld id="{FAACE0D2-E678-453C-8082-E08B461DE721}" type="slidenum">
               <a:rPr lang="pt-BR" smtClean="0"/>
+              <a:pPr/>
               <a:t>‹nº›</a:t>
             </a:fld>
             <a:endParaRPr lang="pt-BR"/>
           </a:p>
         </p:txBody>
       </p:sp>
-      <p:cxnSp>
-        <p:nvCxnSpPr>
-          <p:cNvPr id="15" name="Conector reto 14"/>
-          <p:cNvCxnSpPr/>
-          <p:nvPr userDrawn="1"/>
-        </p:nvCxnSpPr>
-        <p:spPr>
-          <a:xfrm>
-            <a:off x="3603121" y="6472341"/>
-            <a:ext cx="4985759" cy="0"/>
-          </a:xfrm>
-          <a:prstGeom prst="line">
-            <a:avLst/>
-          </a:prstGeom>
-          <a:ln w="12700" cap="rnd">
-            <a:solidFill>
-              <a:srgbClr val="008666">
-                <a:alpha val="50000"/>
-              </a:srgbClr>
-            </a:solidFill>
-            <a:miter lim="800000"/>
-          </a:ln>
-          <a:effectLst/>
-        </p:spPr>
-        <p:style>
-          <a:lnRef idx="1">
-            <a:schemeClr val="accent1"/>
-          </a:lnRef>
-          <a:fillRef idx="0">
-            <a:schemeClr val="accent1"/>
-          </a:fillRef>
-          <a:effectRef idx="0">
-            <a:schemeClr val="accent1"/>
-          </a:effectRef>
-          <a:fontRef idx="minor">
-            <a:schemeClr val="tx1"/>
-          </a:fontRef>
-        </p:style>
-      </p:cxnSp>
-      <p:sp>
-        <p:nvSpPr>
-          <p:cNvPr id="16" name="Espaço Reservado para Título 1"/>
+      <p:sp>
+        <p:nvSpPr>
+          <p:cNvPr id="2" name="Espaço Reservado para Título 1">
+            <a:extLst>
+              <a:ext uri="{FF2B5EF4-FFF2-40B4-BE49-F238E27FC236}">
+                <a16:creationId xmlns:a16="http://schemas.microsoft.com/office/drawing/2014/main" id="{488CC5E4-C104-E76D-1737-0E249282AB3E}"/>
+              </a:ext>
+            </a:extLst>
+          </p:cNvPr>
           <p:cNvSpPr>
             <a:spLocks noGrp="1"/>
           </p:cNvSpPr>
@@ -4755,7 +5207,15 @@
           <a:bodyPr vert="horz" lIns="91440" tIns="45720" rIns="91440" bIns="45720" rtlCol="0" anchor="ctr">
             <a:noAutofit/>
           </a:bodyPr>
-          <a:lstStyle/>
+          <a:lstStyle>
+            <a:lvl1pPr>
+              <a:defRPr>
+                <a:solidFill>
+                  <a:srgbClr val="002E6B"/>
+                </a:solidFill>
+              </a:defRPr>
+            </a:lvl1pPr>
+          </a:lstStyle>
           <a:p>
             <a:r>
               <a:rPr lang="pt-BR" dirty="0"/>
@@ -4766,10 +5226,10 @@
       </p:sp>
       <p:sp>
         <p:nvSpPr>
-          <p:cNvPr id="18" name="Subtítulo 2">
+          <p:cNvPr id="8" name="Subtítulo 2">
             <a:extLst>
               <a:ext uri="{FF2B5EF4-FFF2-40B4-BE49-F238E27FC236}">
-                <a16:creationId xmlns="" xmlns:a16="http://schemas.microsoft.com/office/drawing/2014/main" id="{A7872648-BA39-4DB2-AE89-6A10579AD6EF}"/>
+                <a16:creationId xmlns:a16="http://schemas.microsoft.com/office/drawing/2014/main" id="{668530F2-FB0E-26F4-59C0-FECC91D29F7B}"/>
               </a:ext>
             </a:extLst>
           </p:cNvPr>
@@ -4808,7 +5268,7 @@
               <a:buNone/>
               <a:defRPr lang="pt-BR" sz="2200" b="0" i="0" u="none" strike="noStrike" cap="none" dirty="0">
                 <a:solidFill>
-                  <a:srgbClr val="008666"/>
+                  <a:srgbClr val="00579E"/>
                 </a:solidFill>
                 <a:latin typeface="Microsoft JhengHei" panose="020B0604030504040204" pitchFamily="34" charset="-120"/>
                 <a:ea typeface="Microsoft JhengHei" panose="020B0604030504040204" pitchFamily="34" charset="-120"/>
@@ -4857,56 +5317,195 @@
           </a:p>
         </p:txBody>
       </p:sp>
-      <p:sp>
-        <p:nvSpPr>
-          <p:cNvPr id="17" name="Retângulo 16"/>
-          <p:cNvSpPr/>
+      <p:grpSp>
+        <p:nvGrpSpPr>
+          <p:cNvPr id="16" name="Agrupar 15">
+            <a:extLst>
+              <a:ext uri="{FF2B5EF4-FFF2-40B4-BE49-F238E27FC236}">
+                <a16:creationId xmlns:a16="http://schemas.microsoft.com/office/drawing/2014/main" id="{123CB840-75C1-F195-7FFA-059989BE91FF}"/>
+              </a:ext>
+            </a:extLst>
+          </p:cNvPr>
+          <p:cNvGrpSpPr/>
           <p:nvPr userDrawn="1"/>
-        </p:nvSpPr>
-        <p:spPr>
-          <a:xfrm>
-            <a:off x="0" y="0"/>
-            <a:ext cx="45719" cy="830263"/>
-          </a:xfrm>
-          <a:prstGeom prst="rect">
-            <a:avLst/>
-          </a:prstGeom>
-          <a:solidFill>
-            <a:srgbClr val="008666"/>
-          </a:solidFill>
-          <a:ln>
-            <a:noFill/>
-          </a:ln>
-        </p:spPr>
-        <p:style>
-          <a:lnRef idx="2">
-            <a:schemeClr val="accent1">
-              <a:shade val="50000"/>
-            </a:schemeClr>
-          </a:lnRef>
-          <a:fillRef idx="1">
-            <a:schemeClr val="accent1"/>
-          </a:fillRef>
-          <a:effectRef idx="0">
-            <a:schemeClr val="accent1"/>
-          </a:effectRef>
-          <a:fontRef idx="minor">
-            <a:schemeClr val="lt1"/>
-          </a:fontRef>
-        </p:style>
-        <p:txBody>
-          <a:bodyPr rtlCol="0" anchor="ctr"/>
-          <a:lstStyle/>
-          <a:p>
-            <a:pPr algn="ctr"/>
-            <a:endParaRPr lang="pt-BR" dirty="0">
-              <a:solidFill>
-                <a:srgbClr val="006E54"/>
-              </a:solidFill>
-            </a:endParaRPr>
-          </a:p>
-        </p:txBody>
-      </p:sp>
+        </p:nvGrpSpPr>
+        <p:grpSpPr>
+          <a:xfrm>
+            <a:off x="-2" y="-3604"/>
+            <a:ext cx="18000" cy="817990"/>
+            <a:chOff x="68577" y="-3604"/>
+            <a:chExt cx="45720" cy="817990"/>
+          </a:xfrm>
+        </p:grpSpPr>
+        <p:sp>
+          <p:nvSpPr>
+            <p:cNvPr id="17" name="Retângulo 16">
+              <a:extLst>
+                <a:ext uri="{FF2B5EF4-FFF2-40B4-BE49-F238E27FC236}">
+                  <a16:creationId xmlns:a16="http://schemas.microsoft.com/office/drawing/2014/main" id="{FEF98DDF-F37F-C1DE-36CD-C8E8F0282A76}"/>
+                </a:ext>
+              </a:extLst>
+            </p:cNvPr>
+            <p:cNvSpPr/>
+            <p:nvPr userDrawn="1"/>
+          </p:nvSpPr>
+          <p:spPr>
+            <a:xfrm>
+              <a:off x="68578" y="-3604"/>
+              <a:ext cx="45719" cy="273600"/>
+            </a:xfrm>
+            <a:prstGeom prst="rect">
+              <a:avLst/>
+            </a:prstGeom>
+            <a:solidFill>
+              <a:srgbClr val="002E23"/>
+            </a:solidFill>
+            <a:ln>
+              <a:noFill/>
+            </a:ln>
+          </p:spPr>
+          <p:style>
+            <a:lnRef idx="2">
+              <a:schemeClr val="accent1">
+                <a:shade val="50000"/>
+              </a:schemeClr>
+            </a:lnRef>
+            <a:fillRef idx="1">
+              <a:schemeClr val="accent1"/>
+            </a:fillRef>
+            <a:effectRef idx="0">
+              <a:schemeClr val="accent1"/>
+            </a:effectRef>
+            <a:fontRef idx="minor">
+              <a:schemeClr val="lt1"/>
+            </a:fontRef>
+          </p:style>
+          <p:txBody>
+            <a:bodyPr rtlCol="0" anchor="ctr"/>
+            <a:lstStyle/>
+            <a:p>
+              <a:pPr algn="ctr"/>
+              <a:endParaRPr lang="pt-BR" dirty="0">
+                <a:solidFill>
+                  <a:srgbClr val="006E54"/>
+                </a:solidFill>
+              </a:endParaRPr>
+            </a:p>
+          </p:txBody>
+        </p:sp>
+        <p:sp>
+          <p:nvSpPr>
+            <p:cNvPr id="18" name="Retângulo 17">
+              <a:extLst>
+                <a:ext uri="{FF2B5EF4-FFF2-40B4-BE49-F238E27FC236}">
+                  <a16:creationId xmlns:a16="http://schemas.microsoft.com/office/drawing/2014/main" id="{B96D0F37-0582-FBFA-1C0D-E54D2C228E8E}"/>
+                </a:ext>
+              </a:extLst>
+            </p:cNvPr>
+            <p:cNvSpPr/>
+            <p:nvPr userDrawn="1"/>
+          </p:nvSpPr>
+          <p:spPr>
+            <a:xfrm>
+              <a:off x="68578" y="267186"/>
+              <a:ext cx="45719" cy="273600"/>
+            </a:xfrm>
+            <a:prstGeom prst="rect">
+              <a:avLst/>
+            </a:prstGeom>
+            <a:solidFill>
+              <a:srgbClr val="AC9A63"/>
+            </a:solidFill>
+            <a:ln>
+              <a:noFill/>
+            </a:ln>
+          </p:spPr>
+          <p:style>
+            <a:lnRef idx="2">
+              <a:schemeClr val="accent1">
+                <a:shade val="50000"/>
+              </a:schemeClr>
+            </a:lnRef>
+            <a:fillRef idx="1">
+              <a:schemeClr val="accent1"/>
+            </a:fillRef>
+            <a:effectRef idx="0">
+              <a:schemeClr val="accent1"/>
+            </a:effectRef>
+            <a:fontRef idx="minor">
+              <a:schemeClr val="lt1"/>
+            </a:fontRef>
+          </p:style>
+          <p:txBody>
+            <a:bodyPr rtlCol="0" anchor="ctr"/>
+            <a:lstStyle/>
+            <a:p>
+              <a:pPr algn="ctr"/>
+              <a:endParaRPr lang="pt-BR" dirty="0">
+                <a:solidFill>
+                  <a:srgbClr val="006E54"/>
+                </a:solidFill>
+              </a:endParaRPr>
+            </a:p>
+          </p:txBody>
+        </p:sp>
+        <p:sp>
+          <p:nvSpPr>
+            <p:cNvPr id="19" name="Retângulo 18">
+              <a:extLst>
+                <a:ext uri="{FF2B5EF4-FFF2-40B4-BE49-F238E27FC236}">
+                  <a16:creationId xmlns:a16="http://schemas.microsoft.com/office/drawing/2014/main" id="{42AB2A42-760A-AD8A-6B46-C9AA5BF50175}"/>
+                </a:ext>
+              </a:extLst>
+            </p:cNvPr>
+            <p:cNvSpPr/>
+            <p:nvPr userDrawn="1"/>
+          </p:nvSpPr>
+          <p:spPr>
+            <a:xfrm>
+              <a:off x="68577" y="540786"/>
+              <a:ext cx="45720" cy="273600"/>
+            </a:xfrm>
+            <a:prstGeom prst="rect">
+              <a:avLst/>
+            </a:prstGeom>
+            <a:solidFill>
+              <a:srgbClr val="003774"/>
+            </a:solidFill>
+            <a:ln>
+              <a:noFill/>
+            </a:ln>
+          </p:spPr>
+          <p:style>
+            <a:lnRef idx="2">
+              <a:schemeClr val="accent1">
+                <a:shade val="50000"/>
+              </a:schemeClr>
+            </a:lnRef>
+            <a:fillRef idx="1">
+              <a:schemeClr val="accent1"/>
+            </a:fillRef>
+            <a:effectRef idx="0">
+              <a:schemeClr val="accent1"/>
+            </a:effectRef>
+            <a:fontRef idx="minor">
+              <a:schemeClr val="lt1"/>
+            </a:fontRef>
+          </p:style>
+          <p:txBody>
+            <a:bodyPr rtlCol="0" anchor="ctr"/>
+            <a:lstStyle/>
+            <a:p>
+              <a:pPr algn="ctr"/>
+              <a:endParaRPr lang="pt-BR" dirty="0">
+                <a:solidFill>
+                  <a:srgbClr val="006E54"/>
+                </a:solidFill>
+              </a:endParaRPr>
+            </a:p>
+          </p:txBody>
+        </p:sp>
+      </p:grpSp>
     </p:spTree>
     <p:extLst>
       <p:ext uri="{BB962C8B-B14F-4D97-AF65-F5344CB8AC3E}">
@@ -4955,11 +5554,15 @@
         </p:spPr>
         <p:txBody>
           <a:bodyPr/>
-          <a:lstStyle/>
-          <a:p>
-            <a:fld id="{594ACB89-4662-4B0D-B4A6-6AB382733EB7}" type="datetimeFigureOut">
+          <a:lstStyle>
+            <a:lvl1pPr>
+              <a:defRPr sz="1000"/>
+            </a:lvl1pPr>
+          </a:lstStyle>
+          <a:p>
+            <a:fld id="{2A64B9EC-648F-477D-9DCE-3683D761A52A}" type="datetime1">
               <a:rPr lang="pt-BR" smtClean="0"/>
-              <a:t>05/07/2024</a:t>
+              <a:t>11/07/2024</a:t>
             </a:fld>
             <a:endParaRPr lang="pt-BR"/>
           </a:p>
@@ -4983,12 +5586,17 @@
         </p:spPr>
         <p:txBody>
           <a:bodyPr/>
-          <a:lstStyle/>
-          <a:p>
-            <a:r>
-              <a:rPr lang="pt-BR" dirty="0"/>
-              <a:t>Secretaria de Estado da Economia</a:t>
-            </a:r>
+          <a:lstStyle>
+            <a:lvl1pPr>
+              <a:defRPr sz="1000"/>
+            </a:lvl1pPr>
+          </a:lstStyle>
+          <a:p>
+            <a:r>
+              <a:rPr lang="pt-BR"/>
+              <a:t>Boletim Econômico | Secretaria de Estado da Economia</a:t>
+            </a:r>
+            <a:endParaRPr lang="pt-BR" dirty="0"/>
           </a:p>
         </p:txBody>
       </p:sp>
@@ -5010,58 +5618,30 @@
         </p:spPr>
         <p:txBody>
           <a:bodyPr/>
-          <a:lstStyle/>
+          <a:lstStyle>
+            <a:lvl1pPr>
+              <a:defRPr sz="1000"/>
+            </a:lvl1pPr>
+          </a:lstStyle>
           <a:p>
             <a:fld id="{FAACE0D2-E678-453C-8082-E08B461DE721}" type="slidenum">
               <a:rPr lang="pt-BR" smtClean="0"/>
+              <a:pPr/>
               <a:t>‹nº›</a:t>
             </a:fld>
             <a:endParaRPr lang="pt-BR"/>
           </a:p>
         </p:txBody>
       </p:sp>
-      <p:cxnSp>
-        <p:nvCxnSpPr>
-          <p:cNvPr id="11" name="Conector reto 10"/>
-          <p:cNvCxnSpPr/>
-          <p:nvPr userDrawn="1"/>
-        </p:nvCxnSpPr>
-        <p:spPr>
-          <a:xfrm>
-            <a:off x="3603121" y="6472341"/>
-            <a:ext cx="4985759" cy="0"/>
-          </a:xfrm>
-          <a:prstGeom prst="line">
-            <a:avLst/>
-          </a:prstGeom>
-          <a:ln w="12700" cap="rnd">
-            <a:solidFill>
-              <a:srgbClr val="008666">
-                <a:alpha val="50000"/>
-              </a:srgbClr>
-            </a:solidFill>
-            <a:miter lim="800000"/>
-          </a:ln>
-          <a:effectLst/>
-        </p:spPr>
-        <p:style>
-          <a:lnRef idx="1">
-            <a:schemeClr val="accent1"/>
-          </a:lnRef>
-          <a:fillRef idx="0">
-            <a:schemeClr val="accent1"/>
-          </a:fillRef>
-          <a:effectRef idx="0">
-            <a:schemeClr val="accent1"/>
-          </a:effectRef>
-          <a:fontRef idx="minor">
-            <a:schemeClr val="tx1"/>
-          </a:fontRef>
-        </p:style>
-      </p:cxnSp>
-      <p:sp>
-        <p:nvSpPr>
-          <p:cNvPr id="12" name="Espaço Reservado para Título 1"/>
+      <p:sp>
+        <p:nvSpPr>
+          <p:cNvPr id="2" name="Espaço Reservado para Título 1">
+            <a:extLst>
+              <a:ext uri="{FF2B5EF4-FFF2-40B4-BE49-F238E27FC236}">
+                <a16:creationId xmlns:a16="http://schemas.microsoft.com/office/drawing/2014/main" id="{3ECF18F8-6575-6DAE-C6DE-CAFFD759B5DD}"/>
+              </a:ext>
+            </a:extLst>
+          </p:cNvPr>
           <p:cNvSpPr>
             <a:spLocks noGrp="1"/>
           </p:cNvSpPr>
@@ -5082,7 +5662,15 @@
           <a:bodyPr vert="horz" lIns="91440" tIns="45720" rIns="91440" bIns="45720" rtlCol="0" anchor="ctr">
             <a:noAutofit/>
           </a:bodyPr>
-          <a:lstStyle/>
+          <a:lstStyle>
+            <a:lvl1pPr>
+              <a:defRPr>
+                <a:solidFill>
+                  <a:srgbClr val="002E6B"/>
+                </a:solidFill>
+              </a:defRPr>
+            </a:lvl1pPr>
+          </a:lstStyle>
           <a:p>
             <a:r>
               <a:rPr lang="pt-BR" dirty="0"/>
@@ -5093,10 +5681,10 @@
       </p:sp>
       <p:sp>
         <p:nvSpPr>
-          <p:cNvPr id="14" name="Subtítulo 2">
+          <p:cNvPr id="4" name="Subtítulo 2">
             <a:extLst>
               <a:ext uri="{FF2B5EF4-FFF2-40B4-BE49-F238E27FC236}">
-                <a16:creationId xmlns="" xmlns:a16="http://schemas.microsoft.com/office/drawing/2014/main" id="{A7872648-BA39-4DB2-AE89-6A10579AD6EF}"/>
+                <a16:creationId xmlns:a16="http://schemas.microsoft.com/office/drawing/2014/main" id="{489B8DF9-C184-717C-DB8A-F7F240B1F5B9}"/>
               </a:ext>
             </a:extLst>
           </p:cNvPr>
@@ -5135,7 +5723,7 @@
               <a:buNone/>
               <a:defRPr lang="pt-BR" sz="2200" b="0" i="0" u="none" strike="noStrike" cap="none" dirty="0">
                 <a:solidFill>
-                  <a:srgbClr val="008666"/>
+                  <a:srgbClr val="00579E"/>
                 </a:solidFill>
                 <a:latin typeface="Microsoft JhengHei" panose="020B0604030504040204" pitchFamily="34" charset="-120"/>
                 <a:ea typeface="Microsoft JhengHei" panose="020B0604030504040204" pitchFamily="34" charset="-120"/>
@@ -5184,56 +5772,195 @@
           </a:p>
         </p:txBody>
       </p:sp>
-      <p:sp>
-        <p:nvSpPr>
-          <p:cNvPr id="13" name="Retângulo 12"/>
-          <p:cNvSpPr/>
+      <p:grpSp>
+        <p:nvGrpSpPr>
+          <p:cNvPr id="12" name="Agrupar 11">
+            <a:extLst>
+              <a:ext uri="{FF2B5EF4-FFF2-40B4-BE49-F238E27FC236}">
+                <a16:creationId xmlns:a16="http://schemas.microsoft.com/office/drawing/2014/main" id="{5A90BECE-CE29-7A9D-779C-3681B94F6CB6}"/>
+              </a:ext>
+            </a:extLst>
+          </p:cNvPr>
+          <p:cNvGrpSpPr/>
           <p:nvPr userDrawn="1"/>
-        </p:nvSpPr>
-        <p:spPr>
-          <a:xfrm>
-            <a:off x="0" y="0"/>
-            <a:ext cx="45719" cy="830263"/>
-          </a:xfrm>
-          <a:prstGeom prst="rect">
-            <a:avLst/>
-          </a:prstGeom>
-          <a:solidFill>
-            <a:srgbClr val="008666"/>
-          </a:solidFill>
-          <a:ln>
-            <a:noFill/>
-          </a:ln>
-        </p:spPr>
-        <p:style>
-          <a:lnRef idx="2">
-            <a:schemeClr val="accent1">
-              <a:shade val="50000"/>
-            </a:schemeClr>
-          </a:lnRef>
-          <a:fillRef idx="1">
-            <a:schemeClr val="accent1"/>
-          </a:fillRef>
-          <a:effectRef idx="0">
-            <a:schemeClr val="accent1"/>
-          </a:effectRef>
-          <a:fontRef idx="minor">
-            <a:schemeClr val="lt1"/>
-          </a:fontRef>
-        </p:style>
-        <p:txBody>
-          <a:bodyPr rtlCol="0" anchor="ctr"/>
-          <a:lstStyle/>
-          <a:p>
-            <a:pPr algn="ctr"/>
-            <a:endParaRPr lang="pt-BR" dirty="0">
-              <a:solidFill>
-                <a:srgbClr val="006E54"/>
-              </a:solidFill>
-            </a:endParaRPr>
-          </a:p>
-        </p:txBody>
-      </p:sp>
+        </p:nvGrpSpPr>
+        <p:grpSpPr>
+          <a:xfrm>
+            <a:off x="-2" y="-3604"/>
+            <a:ext cx="18000" cy="817990"/>
+            <a:chOff x="68577" y="-3604"/>
+            <a:chExt cx="45720" cy="817990"/>
+          </a:xfrm>
+        </p:grpSpPr>
+        <p:sp>
+          <p:nvSpPr>
+            <p:cNvPr id="13" name="Retângulo 12">
+              <a:extLst>
+                <a:ext uri="{FF2B5EF4-FFF2-40B4-BE49-F238E27FC236}">
+                  <a16:creationId xmlns:a16="http://schemas.microsoft.com/office/drawing/2014/main" id="{6AF52481-06E1-B370-26BA-87148DE3C33D}"/>
+                </a:ext>
+              </a:extLst>
+            </p:cNvPr>
+            <p:cNvSpPr/>
+            <p:nvPr userDrawn="1"/>
+          </p:nvSpPr>
+          <p:spPr>
+            <a:xfrm>
+              <a:off x="68578" y="-3604"/>
+              <a:ext cx="45719" cy="273600"/>
+            </a:xfrm>
+            <a:prstGeom prst="rect">
+              <a:avLst/>
+            </a:prstGeom>
+            <a:solidFill>
+              <a:srgbClr val="002E23"/>
+            </a:solidFill>
+            <a:ln>
+              <a:noFill/>
+            </a:ln>
+          </p:spPr>
+          <p:style>
+            <a:lnRef idx="2">
+              <a:schemeClr val="accent1">
+                <a:shade val="50000"/>
+              </a:schemeClr>
+            </a:lnRef>
+            <a:fillRef idx="1">
+              <a:schemeClr val="accent1"/>
+            </a:fillRef>
+            <a:effectRef idx="0">
+              <a:schemeClr val="accent1"/>
+            </a:effectRef>
+            <a:fontRef idx="minor">
+              <a:schemeClr val="lt1"/>
+            </a:fontRef>
+          </p:style>
+          <p:txBody>
+            <a:bodyPr rtlCol="0" anchor="ctr"/>
+            <a:lstStyle/>
+            <a:p>
+              <a:pPr algn="ctr"/>
+              <a:endParaRPr lang="pt-BR" dirty="0">
+                <a:solidFill>
+                  <a:srgbClr val="006E54"/>
+                </a:solidFill>
+              </a:endParaRPr>
+            </a:p>
+          </p:txBody>
+        </p:sp>
+        <p:sp>
+          <p:nvSpPr>
+            <p:cNvPr id="14" name="Retângulo 13">
+              <a:extLst>
+                <a:ext uri="{FF2B5EF4-FFF2-40B4-BE49-F238E27FC236}">
+                  <a16:creationId xmlns:a16="http://schemas.microsoft.com/office/drawing/2014/main" id="{3023A946-D735-20C9-546E-C85D010EB3AF}"/>
+                </a:ext>
+              </a:extLst>
+            </p:cNvPr>
+            <p:cNvSpPr/>
+            <p:nvPr userDrawn="1"/>
+          </p:nvSpPr>
+          <p:spPr>
+            <a:xfrm>
+              <a:off x="68578" y="267186"/>
+              <a:ext cx="45719" cy="273600"/>
+            </a:xfrm>
+            <a:prstGeom prst="rect">
+              <a:avLst/>
+            </a:prstGeom>
+            <a:solidFill>
+              <a:srgbClr val="AC9A63"/>
+            </a:solidFill>
+            <a:ln>
+              <a:noFill/>
+            </a:ln>
+          </p:spPr>
+          <p:style>
+            <a:lnRef idx="2">
+              <a:schemeClr val="accent1">
+                <a:shade val="50000"/>
+              </a:schemeClr>
+            </a:lnRef>
+            <a:fillRef idx="1">
+              <a:schemeClr val="accent1"/>
+            </a:fillRef>
+            <a:effectRef idx="0">
+              <a:schemeClr val="accent1"/>
+            </a:effectRef>
+            <a:fontRef idx="minor">
+              <a:schemeClr val="lt1"/>
+            </a:fontRef>
+          </p:style>
+          <p:txBody>
+            <a:bodyPr rtlCol="0" anchor="ctr"/>
+            <a:lstStyle/>
+            <a:p>
+              <a:pPr algn="ctr"/>
+              <a:endParaRPr lang="pt-BR" dirty="0">
+                <a:solidFill>
+                  <a:srgbClr val="006E54"/>
+                </a:solidFill>
+              </a:endParaRPr>
+            </a:p>
+          </p:txBody>
+        </p:sp>
+        <p:sp>
+          <p:nvSpPr>
+            <p:cNvPr id="15" name="Retângulo 14">
+              <a:extLst>
+                <a:ext uri="{FF2B5EF4-FFF2-40B4-BE49-F238E27FC236}">
+                  <a16:creationId xmlns:a16="http://schemas.microsoft.com/office/drawing/2014/main" id="{B50BF5D5-B623-B419-F39C-E4339ABAF92B}"/>
+                </a:ext>
+              </a:extLst>
+            </p:cNvPr>
+            <p:cNvSpPr/>
+            <p:nvPr userDrawn="1"/>
+          </p:nvSpPr>
+          <p:spPr>
+            <a:xfrm>
+              <a:off x="68577" y="540786"/>
+              <a:ext cx="45720" cy="273600"/>
+            </a:xfrm>
+            <a:prstGeom prst="rect">
+              <a:avLst/>
+            </a:prstGeom>
+            <a:solidFill>
+              <a:srgbClr val="003774"/>
+            </a:solidFill>
+            <a:ln>
+              <a:noFill/>
+            </a:ln>
+          </p:spPr>
+          <p:style>
+            <a:lnRef idx="2">
+              <a:schemeClr val="accent1">
+                <a:shade val="50000"/>
+              </a:schemeClr>
+            </a:lnRef>
+            <a:fillRef idx="1">
+              <a:schemeClr val="accent1"/>
+            </a:fillRef>
+            <a:effectRef idx="0">
+              <a:schemeClr val="accent1"/>
+            </a:effectRef>
+            <a:fontRef idx="minor">
+              <a:schemeClr val="lt1"/>
+            </a:fontRef>
+          </p:style>
+          <p:txBody>
+            <a:bodyPr rtlCol="0" anchor="ctr"/>
+            <a:lstStyle/>
+            <a:p>
+              <a:pPr algn="ctr"/>
+              <a:endParaRPr lang="pt-BR" dirty="0">
+                <a:solidFill>
+                  <a:srgbClr val="006E54"/>
+                </a:solidFill>
+              </a:endParaRPr>
+            </a:p>
+          </p:txBody>
+        </p:sp>
+      </p:grpSp>
     </p:spTree>
     <p:extLst>
       <p:ext uri="{BB962C8B-B14F-4D97-AF65-F5344CB8AC3E}">
@@ -5282,11 +6009,15 @@
         </p:spPr>
         <p:txBody>
           <a:bodyPr/>
-          <a:lstStyle/>
-          <a:p>
-            <a:fld id="{594ACB89-4662-4B0D-B4A6-6AB382733EB7}" type="datetimeFigureOut">
+          <a:lstStyle>
+            <a:lvl1pPr>
+              <a:defRPr sz="1000"/>
+            </a:lvl1pPr>
+          </a:lstStyle>
+          <a:p>
+            <a:fld id="{A28D4654-34BB-43FC-8F77-7271489CE0F7}" type="datetime1">
               <a:rPr lang="pt-BR" smtClean="0"/>
-              <a:t>05/07/2024</a:t>
+              <a:t>11/07/2024</a:t>
             </a:fld>
             <a:endParaRPr lang="pt-BR"/>
           </a:p>
@@ -5310,12 +6041,17 @@
         </p:spPr>
         <p:txBody>
           <a:bodyPr/>
-          <a:lstStyle/>
-          <a:p>
-            <a:r>
-              <a:rPr lang="pt-BR" dirty="0"/>
-              <a:t>Secretaria de Estado da Economia</a:t>
-            </a:r>
+          <a:lstStyle>
+            <a:lvl1pPr>
+              <a:defRPr sz="1000"/>
+            </a:lvl1pPr>
+          </a:lstStyle>
+          <a:p>
+            <a:r>
+              <a:rPr lang="pt-BR"/>
+              <a:t>Boletim Econômico | Secretaria de Estado da Economia</a:t>
+            </a:r>
+            <a:endParaRPr lang="pt-BR" dirty="0"/>
           </a:p>
         </p:txBody>
       </p:sp>
@@ -5337,10 +6073,15 @@
         </p:spPr>
         <p:txBody>
           <a:bodyPr/>
-          <a:lstStyle/>
+          <a:lstStyle>
+            <a:lvl1pPr>
+              <a:defRPr sz="1000"/>
+            </a:lvl1pPr>
+          </a:lstStyle>
           <a:p>
             <a:fld id="{FAACE0D2-E678-453C-8082-E08B461DE721}" type="slidenum">
               <a:rPr lang="pt-BR" smtClean="0"/>
+              <a:pPr/>
               <a:t>‹nº›</a:t>
             </a:fld>
             <a:endParaRPr lang="pt-BR"/>
@@ -5349,7 +6090,13 @@
       </p:sp>
       <p:sp>
         <p:nvSpPr>
-          <p:cNvPr id="10" name="Espaço Reservado para Título 1"/>
+          <p:cNvPr id="2" name="Espaço Reservado para Título 1">
+            <a:extLst>
+              <a:ext uri="{FF2B5EF4-FFF2-40B4-BE49-F238E27FC236}">
+                <a16:creationId xmlns:a16="http://schemas.microsoft.com/office/drawing/2014/main" id="{80F98D9B-7344-6815-31D1-E64066C83601}"/>
+              </a:ext>
+            </a:extLst>
+          </p:cNvPr>
           <p:cNvSpPr>
             <a:spLocks noGrp="1"/>
           </p:cNvSpPr>
@@ -5370,7 +6117,15 @@
           <a:bodyPr vert="horz" lIns="91440" tIns="45720" rIns="91440" bIns="45720" rtlCol="0" anchor="ctr">
             <a:noAutofit/>
           </a:bodyPr>
-          <a:lstStyle/>
+          <a:lstStyle>
+            <a:lvl1pPr>
+              <a:defRPr>
+                <a:solidFill>
+                  <a:srgbClr val="002E6B"/>
+                </a:solidFill>
+              </a:defRPr>
+            </a:lvl1pPr>
+          </a:lstStyle>
           <a:p>
             <a:r>
               <a:rPr lang="pt-BR" dirty="0"/>
@@ -5381,10 +6136,10 @@
       </p:sp>
       <p:sp>
         <p:nvSpPr>
-          <p:cNvPr id="12" name="Subtítulo 2">
+          <p:cNvPr id="4" name="Subtítulo 2">
             <a:extLst>
               <a:ext uri="{FF2B5EF4-FFF2-40B4-BE49-F238E27FC236}">
-                <a16:creationId xmlns="" xmlns:a16="http://schemas.microsoft.com/office/drawing/2014/main" id="{A7872648-BA39-4DB2-AE89-6A10579AD6EF}"/>
+                <a16:creationId xmlns:a16="http://schemas.microsoft.com/office/drawing/2014/main" id="{A8411F5F-D726-7AA3-2DDC-C33F7B625119}"/>
               </a:ext>
             </a:extLst>
           </p:cNvPr>
@@ -5423,7 +6178,7 @@
               <a:buNone/>
               <a:defRPr lang="pt-BR" sz="2200" b="0" i="0" u="none" strike="noStrike" cap="none" dirty="0">
                 <a:solidFill>
-                  <a:srgbClr val="008666"/>
+                  <a:srgbClr val="00579E"/>
                 </a:solidFill>
                 <a:latin typeface="Microsoft JhengHei" panose="020B0604030504040204" pitchFamily="34" charset="-120"/>
                 <a:ea typeface="Microsoft JhengHei" panose="020B0604030504040204" pitchFamily="34" charset="-120"/>
@@ -5472,56 +6227,195 @@
           </a:p>
         </p:txBody>
       </p:sp>
-      <p:sp>
-        <p:nvSpPr>
-          <p:cNvPr id="11" name="Retângulo 10"/>
-          <p:cNvSpPr/>
+      <p:grpSp>
+        <p:nvGrpSpPr>
+          <p:cNvPr id="12" name="Agrupar 11">
+            <a:extLst>
+              <a:ext uri="{FF2B5EF4-FFF2-40B4-BE49-F238E27FC236}">
+                <a16:creationId xmlns:a16="http://schemas.microsoft.com/office/drawing/2014/main" id="{B8CBA24F-363E-300E-E869-B1C0B8E4F801}"/>
+              </a:ext>
+            </a:extLst>
+          </p:cNvPr>
+          <p:cNvGrpSpPr/>
           <p:nvPr userDrawn="1"/>
-        </p:nvSpPr>
-        <p:spPr>
-          <a:xfrm>
-            <a:off x="0" y="0"/>
-            <a:ext cx="45719" cy="830263"/>
-          </a:xfrm>
-          <a:prstGeom prst="rect">
-            <a:avLst/>
-          </a:prstGeom>
-          <a:solidFill>
-            <a:srgbClr val="008666"/>
-          </a:solidFill>
-          <a:ln>
-            <a:noFill/>
-          </a:ln>
-        </p:spPr>
-        <p:style>
-          <a:lnRef idx="2">
-            <a:schemeClr val="accent1">
-              <a:shade val="50000"/>
-            </a:schemeClr>
-          </a:lnRef>
-          <a:fillRef idx="1">
-            <a:schemeClr val="accent1"/>
-          </a:fillRef>
-          <a:effectRef idx="0">
-            <a:schemeClr val="accent1"/>
-          </a:effectRef>
-          <a:fontRef idx="minor">
-            <a:schemeClr val="lt1"/>
-          </a:fontRef>
-        </p:style>
-        <p:txBody>
-          <a:bodyPr rtlCol="0" anchor="ctr"/>
-          <a:lstStyle/>
-          <a:p>
-            <a:pPr algn="ctr"/>
-            <a:endParaRPr lang="pt-BR" dirty="0">
-              <a:solidFill>
-                <a:srgbClr val="006E54"/>
-              </a:solidFill>
-            </a:endParaRPr>
-          </a:p>
-        </p:txBody>
-      </p:sp>
+        </p:nvGrpSpPr>
+        <p:grpSpPr>
+          <a:xfrm>
+            <a:off x="-2" y="-3604"/>
+            <a:ext cx="18000" cy="817990"/>
+            <a:chOff x="68577" y="-3604"/>
+            <a:chExt cx="45720" cy="817990"/>
+          </a:xfrm>
+        </p:grpSpPr>
+        <p:sp>
+          <p:nvSpPr>
+            <p:cNvPr id="13" name="Retângulo 12">
+              <a:extLst>
+                <a:ext uri="{FF2B5EF4-FFF2-40B4-BE49-F238E27FC236}">
+                  <a16:creationId xmlns:a16="http://schemas.microsoft.com/office/drawing/2014/main" id="{E09E175D-2670-14EA-45D7-49C4124110A4}"/>
+                </a:ext>
+              </a:extLst>
+            </p:cNvPr>
+            <p:cNvSpPr/>
+            <p:nvPr userDrawn="1"/>
+          </p:nvSpPr>
+          <p:spPr>
+            <a:xfrm>
+              <a:off x="68578" y="-3604"/>
+              <a:ext cx="45719" cy="273600"/>
+            </a:xfrm>
+            <a:prstGeom prst="rect">
+              <a:avLst/>
+            </a:prstGeom>
+            <a:solidFill>
+              <a:srgbClr val="002E23"/>
+            </a:solidFill>
+            <a:ln>
+              <a:noFill/>
+            </a:ln>
+          </p:spPr>
+          <p:style>
+            <a:lnRef idx="2">
+              <a:schemeClr val="accent1">
+                <a:shade val="50000"/>
+              </a:schemeClr>
+            </a:lnRef>
+            <a:fillRef idx="1">
+              <a:schemeClr val="accent1"/>
+            </a:fillRef>
+            <a:effectRef idx="0">
+              <a:schemeClr val="accent1"/>
+            </a:effectRef>
+            <a:fontRef idx="minor">
+              <a:schemeClr val="lt1"/>
+            </a:fontRef>
+          </p:style>
+          <p:txBody>
+            <a:bodyPr rtlCol="0" anchor="ctr"/>
+            <a:lstStyle/>
+            <a:p>
+              <a:pPr algn="ctr"/>
+              <a:endParaRPr lang="pt-BR" dirty="0">
+                <a:solidFill>
+                  <a:srgbClr val="006E54"/>
+                </a:solidFill>
+              </a:endParaRPr>
+            </a:p>
+          </p:txBody>
+        </p:sp>
+        <p:sp>
+          <p:nvSpPr>
+            <p:cNvPr id="14" name="Retângulo 13">
+              <a:extLst>
+                <a:ext uri="{FF2B5EF4-FFF2-40B4-BE49-F238E27FC236}">
+                  <a16:creationId xmlns:a16="http://schemas.microsoft.com/office/drawing/2014/main" id="{90CA1D91-3D7F-F270-A6B8-EBE3C9677AC4}"/>
+                </a:ext>
+              </a:extLst>
+            </p:cNvPr>
+            <p:cNvSpPr/>
+            <p:nvPr userDrawn="1"/>
+          </p:nvSpPr>
+          <p:spPr>
+            <a:xfrm>
+              <a:off x="68578" y="267186"/>
+              <a:ext cx="45719" cy="273600"/>
+            </a:xfrm>
+            <a:prstGeom prst="rect">
+              <a:avLst/>
+            </a:prstGeom>
+            <a:solidFill>
+              <a:srgbClr val="AC9A63"/>
+            </a:solidFill>
+            <a:ln>
+              <a:noFill/>
+            </a:ln>
+          </p:spPr>
+          <p:style>
+            <a:lnRef idx="2">
+              <a:schemeClr val="accent1">
+                <a:shade val="50000"/>
+              </a:schemeClr>
+            </a:lnRef>
+            <a:fillRef idx="1">
+              <a:schemeClr val="accent1"/>
+            </a:fillRef>
+            <a:effectRef idx="0">
+              <a:schemeClr val="accent1"/>
+            </a:effectRef>
+            <a:fontRef idx="minor">
+              <a:schemeClr val="lt1"/>
+            </a:fontRef>
+          </p:style>
+          <p:txBody>
+            <a:bodyPr rtlCol="0" anchor="ctr"/>
+            <a:lstStyle/>
+            <a:p>
+              <a:pPr algn="ctr"/>
+              <a:endParaRPr lang="pt-BR" dirty="0">
+                <a:solidFill>
+                  <a:srgbClr val="006E54"/>
+                </a:solidFill>
+              </a:endParaRPr>
+            </a:p>
+          </p:txBody>
+        </p:sp>
+        <p:sp>
+          <p:nvSpPr>
+            <p:cNvPr id="15" name="Retângulo 14">
+              <a:extLst>
+                <a:ext uri="{FF2B5EF4-FFF2-40B4-BE49-F238E27FC236}">
+                  <a16:creationId xmlns:a16="http://schemas.microsoft.com/office/drawing/2014/main" id="{B81C0041-4D11-8BC5-7060-498685A54D96}"/>
+                </a:ext>
+              </a:extLst>
+            </p:cNvPr>
+            <p:cNvSpPr/>
+            <p:nvPr userDrawn="1"/>
+          </p:nvSpPr>
+          <p:spPr>
+            <a:xfrm>
+              <a:off x="68577" y="540786"/>
+              <a:ext cx="45720" cy="273600"/>
+            </a:xfrm>
+            <a:prstGeom prst="rect">
+              <a:avLst/>
+            </a:prstGeom>
+            <a:solidFill>
+              <a:srgbClr val="003774"/>
+            </a:solidFill>
+            <a:ln>
+              <a:noFill/>
+            </a:ln>
+          </p:spPr>
+          <p:style>
+            <a:lnRef idx="2">
+              <a:schemeClr val="accent1">
+                <a:shade val="50000"/>
+              </a:schemeClr>
+            </a:lnRef>
+            <a:fillRef idx="1">
+              <a:schemeClr val="accent1"/>
+            </a:fillRef>
+            <a:effectRef idx="0">
+              <a:schemeClr val="accent1"/>
+            </a:effectRef>
+            <a:fontRef idx="minor">
+              <a:schemeClr val="lt1"/>
+            </a:fontRef>
+          </p:style>
+          <p:txBody>
+            <a:bodyPr rtlCol="0" anchor="ctr"/>
+            <a:lstStyle/>
+            <a:p>
+              <a:pPr algn="ctr"/>
+              <a:endParaRPr lang="pt-BR" dirty="0">
+                <a:solidFill>
+                  <a:srgbClr val="006E54"/>
+                </a:solidFill>
+              </a:endParaRPr>
+            </a:p>
+          </p:txBody>
+        </p:sp>
+      </p:grpSp>
     </p:spTree>
     <p:extLst>
       <p:ext uri="{BB962C8B-B14F-4D97-AF65-F5344CB8AC3E}">
@@ -5567,6 +6461,9 @@
             <a:off x="1001282" y="457200"/>
             <a:ext cx="3770743" cy="1600200"/>
           </a:xfrm>
+          <a:prstGeom prst="rect">
+            <a:avLst/>
+          </a:prstGeom>
         </p:spPr>
         <p:txBody>
           <a:bodyPr anchor="b"/>
@@ -5790,11 +6687,15 @@
         </p:spPr>
         <p:txBody>
           <a:bodyPr/>
-          <a:lstStyle/>
-          <a:p>
-            <a:fld id="{594ACB89-4662-4B0D-B4A6-6AB382733EB7}" type="datetimeFigureOut">
+          <a:lstStyle>
+            <a:lvl1pPr>
+              <a:defRPr sz="1000"/>
+            </a:lvl1pPr>
+          </a:lstStyle>
+          <a:p>
+            <a:fld id="{19BB168A-4011-419D-847C-9B52BF257044}" type="datetime1">
               <a:rPr lang="pt-BR" smtClean="0"/>
-              <a:t>05/07/2024</a:t>
+              <a:t>11/07/2024</a:t>
             </a:fld>
             <a:endParaRPr lang="pt-BR"/>
           </a:p>
@@ -5818,12 +6719,17 @@
         </p:spPr>
         <p:txBody>
           <a:bodyPr/>
-          <a:lstStyle/>
-          <a:p>
-            <a:r>
-              <a:rPr lang="pt-BR" dirty="0"/>
-              <a:t>Secretaria de Estado da Economia</a:t>
-            </a:r>
+          <a:lstStyle>
+            <a:lvl1pPr>
+              <a:defRPr sz="1000"/>
+            </a:lvl1pPr>
+          </a:lstStyle>
+          <a:p>
+            <a:r>
+              <a:rPr lang="pt-BR"/>
+              <a:t>Boletim Econômico | Secretaria de Estado da Economia</a:t>
+            </a:r>
+            <a:endParaRPr lang="pt-BR" dirty="0"/>
           </a:p>
         </p:txBody>
       </p:sp>
@@ -5845,10 +6751,15 @@
         </p:spPr>
         <p:txBody>
           <a:bodyPr/>
-          <a:lstStyle/>
+          <a:lstStyle>
+            <a:lvl1pPr>
+              <a:defRPr sz="1000"/>
+            </a:lvl1pPr>
+          </a:lstStyle>
           <a:p>
             <a:fld id="{FAACE0D2-E678-453C-8082-E08B461DE721}" type="slidenum">
               <a:rPr lang="pt-BR" smtClean="0"/>
+              <a:pPr/>
               <a:t>‹nº›</a:t>
             </a:fld>
             <a:endParaRPr lang="pt-BR"/>
@@ -5905,45 +6816,6 @@
           </a:p>
         </p:txBody>
       </p:sp>
-      <p:cxnSp>
-        <p:nvCxnSpPr>
-          <p:cNvPr id="13" name="Conector reto 12"/>
-          <p:cNvCxnSpPr/>
-          <p:nvPr userDrawn="1"/>
-        </p:nvCxnSpPr>
-        <p:spPr>
-          <a:xfrm>
-            <a:off x="3603121" y="6472341"/>
-            <a:ext cx="4985759" cy="0"/>
-          </a:xfrm>
-          <a:prstGeom prst="line">
-            <a:avLst/>
-          </a:prstGeom>
-          <a:ln w="12700" cap="rnd">
-            <a:solidFill>
-              <a:srgbClr val="008666">
-                <a:alpha val="50000"/>
-              </a:srgbClr>
-            </a:solidFill>
-            <a:miter lim="800000"/>
-          </a:ln>
-          <a:effectLst/>
-        </p:spPr>
-        <p:style>
-          <a:lnRef idx="1">
-            <a:schemeClr val="accent1"/>
-          </a:lnRef>
-          <a:fillRef idx="0">
-            <a:schemeClr val="accent1"/>
-          </a:fillRef>
-          <a:effectRef idx="0">
-            <a:schemeClr val="accent1"/>
-          </a:effectRef>
-          <a:fontRef idx="minor">
-            <a:schemeClr val="tx1"/>
-          </a:fontRef>
-        </p:style>
-      </p:cxnSp>
     </p:spTree>
     <p:extLst>
       <p:ext uri="{BB962C8B-B14F-4D97-AF65-F5344CB8AC3E}">
@@ -5981,38 +6853,6 @@
       </p:grpSpPr>
       <p:sp>
         <p:nvSpPr>
-          <p:cNvPr id="2" name="Espaço Reservado para Título 1"/>
-          <p:cNvSpPr>
-            <a:spLocks noGrp="1"/>
-          </p:cNvSpPr>
-          <p:nvPr>
-            <p:ph type="title"/>
-          </p:nvPr>
-        </p:nvSpPr>
-        <p:spPr>
-          <a:xfrm>
-            <a:off x="365202" y="1"/>
-            <a:ext cx="10515600" cy="438149"/>
-          </a:xfrm>
-          <a:prstGeom prst="rect">
-            <a:avLst/>
-          </a:prstGeom>
-        </p:spPr>
-        <p:txBody>
-          <a:bodyPr vert="horz" lIns="91440" tIns="45720" rIns="91440" bIns="45720" rtlCol="0" anchor="ctr">
-            <a:noAutofit/>
-          </a:bodyPr>
-          <a:lstStyle/>
-          <a:p>
-            <a:r>
-              <a:rPr lang="pt-BR" dirty="0"/>
-              <a:t>Clique para editar o título mestre</a:t>
-            </a:r>
-          </a:p>
-        </p:txBody>
-      </p:sp>
-      <p:sp>
-        <p:nvSpPr>
           <p:cNvPr id="3" name="Espaço Reservado para Texto 2"/>
           <p:cNvSpPr>
             <a:spLocks noGrp="1"/>
@@ -6095,7 +6935,7 @@
           <a:bodyPr vert="horz" lIns="91440" tIns="45720" rIns="91440" bIns="45720" rtlCol="0" anchor="ctr"/>
           <a:lstStyle>
             <a:lvl1pPr algn="l">
-              <a:defRPr sz="1200">
+              <a:defRPr sz="1000">
                 <a:solidFill>
                   <a:schemeClr val="tx1">
                     <a:tint val="75000"/>
@@ -6105,9 +6945,9 @@
             </a:lvl1pPr>
           </a:lstStyle>
           <a:p>
-            <a:fld id="{594ACB89-4662-4B0D-B4A6-6AB382733EB7}" type="datetimeFigureOut">
+            <a:fld id="{ADAF0E14-C222-4E2D-87CA-08392E1CA5F1}" type="datetime1">
               <a:rPr lang="pt-BR" smtClean="0"/>
-              <a:t>05/07/2024</a:t>
+              <a:t>11/07/2024</a:t>
             </a:fld>
             <a:endParaRPr lang="pt-BR"/>
           </a:p>
@@ -6136,7 +6976,7 @@
           <a:bodyPr vert="horz" lIns="91440" tIns="45720" rIns="91440" bIns="45720" rtlCol="0" anchor="ctr"/>
           <a:lstStyle>
             <a:lvl1pPr algn="ctr">
-              <a:defRPr sz="1200">
+              <a:defRPr sz="1000">
                 <a:solidFill>
                   <a:schemeClr val="tx1">
                     <a:tint val="75000"/>
@@ -6147,9 +6987,10 @@
           </a:lstStyle>
           <a:p>
             <a:r>
-              <a:rPr lang="pt-BR" dirty="0"/>
-              <a:t>Secretaria de Estado da Economia</a:t>
-            </a:r>
+              <a:rPr lang="pt-BR"/>
+              <a:t>Boletim Econômico | Secretaria de Estado da Economia</a:t>
+            </a:r>
+            <a:endParaRPr lang="pt-BR" dirty="0"/>
           </a:p>
         </p:txBody>
       </p:sp>
@@ -6176,7 +7017,7 @@
           <a:bodyPr vert="horz" lIns="91440" tIns="45720" rIns="91440" bIns="45720" rtlCol="0" anchor="ctr"/>
           <a:lstStyle>
             <a:lvl1pPr algn="r">
-              <a:defRPr sz="1200">
+              <a:defRPr sz="1000">
                 <a:solidFill>
                   <a:schemeClr val="tx1">
                     <a:tint val="75000"/>
@@ -6188,51 +7029,13 @@
           <a:p>
             <a:fld id="{FAACE0D2-E678-453C-8082-E08B461DE721}" type="slidenum">
               <a:rPr lang="pt-BR" smtClean="0"/>
+              <a:pPr/>
               <a:t>‹nº›</a:t>
             </a:fld>
             <a:endParaRPr lang="pt-BR"/>
           </a:p>
         </p:txBody>
       </p:sp>
-      <p:cxnSp>
-        <p:nvCxnSpPr>
-          <p:cNvPr id="16" name="Conector reto 15"/>
-          <p:cNvCxnSpPr/>
-          <p:nvPr userDrawn="1"/>
-        </p:nvCxnSpPr>
-        <p:spPr>
-          <a:xfrm>
-            <a:off x="3603121" y="6472341"/>
-            <a:ext cx="4985759" cy="0"/>
-          </a:xfrm>
-          <a:prstGeom prst="line">
-            <a:avLst/>
-          </a:prstGeom>
-          <a:ln w="12700" cap="rnd">
-            <a:solidFill>
-              <a:srgbClr val="008666">
-                <a:alpha val="70000"/>
-              </a:srgbClr>
-            </a:solidFill>
-            <a:miter lim="800000"/>
-          </a:ln>
-          <a:effectLst/>
-        </p:spPr>
-        <p:style>
-          <a:lnRef idx="1">
-            <a:schemeClr val="accent1"/>
-          </a:lnRef>
-          <a:fillRef idx="0">
-            <a:schemeClr val="accent1"/>
-          </a:fillRef>
-          <a:effectRef idx="0">
-            <a:schemeClr val="accent1"/>
-          </a:effectRef>
-          <a:fontRef idx="minor">
-            <a:schemeClr val="tx1"/>
-          </a:fontRef>
-        </p:style>
-      </p:cxnSp>
     </p:spTree>
     <p:extLst>
       <p:ext uri="{BB962C8B-B14F-4D97-AF65-F5344CB8AC3E}">
@@ -6256,6 +7059,7 @@
     <p:sldLayoutId id="2147483659" r:id="rId12"/>
     <p:sldLayoutId id="2147483660" r:id="rId13"/>
   </p:sldLayoutIdLst>
+  <p:hf sldNum="0" hdr="0" dt="0"/>
   <p:txStyles>
     <p:titleStyle>
       <a:lvl1pPr marR="0" algn="l" defTabSz="914400" rtl="0" eaLnBrk="1" latinLnBrk="0" hangingPunct="1">
@@ -6855,4 +7659,299 @@
     </a:ext>
   </a:extLst>
 </a:theme>
+</file>
+
+<file path=ppt/theme/theme2.xml><?xml version="1.0" encoding="utf-8"?>
+<a:theme xmlns:a="http://schemas.openxmlformats.org/drawingml/2006/main" name="Tema do Office">
+  <a:themeElements>
+    <a:clrScheme name="Office">
+      <a:dk1>
+        <a:sysClr val="windowText" lastClr="000000"/>
+      </a:dk1>
+      <a:lt1>
+        <a:sysClr val="window" lastClr="FFFFFF"/>
+      </a:lt1>
+      <a:dk2>
+        <a:srgbClr val="44546A"/>
+      </a:dk2>
+      <a:lt2>
+        <a:srgbClr val="E7E6E6"/>
+      </a:lt2>
+      <a:accent1>
+        <a:srgbClr val="4472C4"/>
+      </a:accent1>
+      <a:accent2>
+        <a:srgbClr val="ED7D31"/>
+      </a:accent2>
+      <a:accent3>
+        <a:srgbClr val="A5A5A5"/>
+      </a:accent3>
+      <a:accent4>
+        <a:srgbClr val="FFC000"/>
+      </a:accent4>
+      <a:accent5>
+        <a:srgbClr val="5B9BD5"/>
+      </a:accent5>
+      <a:accent6>
+        <a:srgbClr val="70AD47"/>
+      </a:accent6>
+      <a:hlink>
+        <a:srgbClr val="0563C1"/>
+      </a:hlink>
+      <a:folHlink>
+        <a:srgbClr val="954F72"/>
+      </a:folHlink>
+    </a:clrScheme>
+    <a:fontScheme name="Office">
+      <a:majorFont>
+        <a:latin typeface="Calibri Light" panose="020F0302020204030204"/>
+        <a:ea typeface=""/>
+        <a:cs typeface=""/>
+        <a:font script="Jpan" typeface="游ゴシック Light"/>
+        <a:font script="Hang" typeface="맑은 고딕"/>
+        <a:font script="Hans" typeface="等线 Light"/>
+        <a:font script="Hant" typeface="新細明體"/>
+        <a:font script="Arab" typeface="Times New Roman"/>
+        <a:font script="Hebr" typeface="Times New Roman"/>
+        <a:font script="Thai" typeface="Angsana New"/>
+        <a:font script="Ethi" typeface="Nyala"/>
+        <a:font script="Beng" typeface="Vrinda"/>
+        <a:font script="Gujr" typeface="Shruti"/>
+        <a:font script="Khmr" typeface="MoolBoran"/>
+        <a:font script="Knda" typeface="Tunga"/>
+        <a:font script="Guru" typeface="Raavi"/>
+        <a:font script="Cans" typeface="Euphemia"/>
+        <a:font script="Cher" typeface="Plantagenet Cherokee"/>
+        <a:font script="Yiii" typeface="Microsoft Yi Baiti"/>
+        <a:font script="Tibt" typeface="Microsoft Himalaya"/>
+        <a:font script="Thaa" typeface="MV Boli"/>
+        <a:font script="Deva" typeface="Mangal"/>
+        <a:font script="Telu" typeface="Gautami"/>
+        <a:font script="Taml" typeface="Latha"/>
+        <a:font script="Syrc" typeface="Estrangelo Edessa"/>
+        <a:font script="Orya" typeface="Kalinga"/>
+        <a:font script="Mlym" typeface="Kartika"/>
+        <a:font script="Laoo" typeface="DokChampa"/>
+        <a:font script="Sinh" typeface="Iskoola Pota"/>
+        <a:font script="Mong" typeface="Mongolian Baiti"/>
+        <a:font script="Viet" typeface="Times New Roman"/>
+        <a:font script="Uigh" typeface="Microsoft Uighur"/>
+        <a:font script="Geor" typeface="Sylfaen"/>
+        <a:font script="Armn" typeface="Arial"/>
+        <a:font script="Bugi" typeface="Leelawadee UI"/>
+        <a:font script="Bopo" typeface="Microsoft JhengHei"/>
+        <a:font script="Java" typeface="Javanese Text"/>
+        <a:font script="Lisu" typeface="Segoe UI"/>
+        <a:font script="Mymr" typeface="Myanmar Text"/>
+        <a:font script="Nkoo" typeface="Ebrima"/>
+        <a:font script="Olck" typeface="Nirmala UI"/>
+        <a:font script="Osma" typeface="Ebrima"/>
+        <a:font script="Phag" typeface="Phagspa"/>
+        <a:font script="Syrn" typeface="Estrangelo Edessa"/>
+        <a:font script="Syrj" typeface="Estrangelo Edessa"/>
+        <a:font script="Syre" typeface="Estrangelo Edessa"/>
+        <a:font script="Sora" typeface="Nirmala UI"/>
+        <a:font script="Tale" typeface="Microsoft Tai Le"/>
+        <a:font script="Talu" typeface="Microsoft New Tai Lue"/>
+        <a:font script="Tfng" typeface="Ebrima"/>
+      </a:majorFont>
+      <a:minorFont>
+        <a:latin typeface="Calibri" panose="020F0502020204030204"/>
+        <a:ea typeface=""/>
+        <a:cs typeface=""/>
+        <a:font script="Jpan" typeface="游ゴシック"/>
+        <a:font script="Hang" typeface="맑은 고딕"/>
+        <a:font script="Hans" typeface="等线"/>
+        <a:font script="Hant" typeface="新細明體"/>
+        <a:font script="Arab" typeface="Arial"/>
+        <a:font script="Hebr" typeface="Arial"/>
+        <a:font script="Thai" typeface="Cordia New"/>
+        <a:font script="Ethi" typeface="Nyala"/>
+        <a:font script="Beng" typeface="Vrinda"/>
+        <a:font script="Gujr" typeface="Shruti"/>
+        <a:font script="Khmr" typeface="DaunPenh"/>
+        <a:font script="Knda" typeface="Tunga"/>
+        <a:font script="Guru" typeface="Raavi"/>
+        <a:font script="Cans" typeface="Euphemia"/>
+        <a:font script="Cher" typeface="Plantagenet Cherokee"/>
+        <a:font script="Yiii" typeface="Microsoft Yi Baiti"/>
+        <a:font script="Tibt" typeface="Microsoft Himalaya"/>
+        <a:font script="Thaa" typeface="MV Boli"/>
+        <a:font script="Deva" typeface="Mangal"/>
+        <a:font script="Telu" typeface="Gautami"/>
+        <a:font script="Taml" typeface="Latha"/>
+        <a:font script="Syrc" typeface="Estrangelo Edessa"/>
+        <a:font script="Orya" typeface="Kalinga"/>
+        <a:font script="Mlym" typeface="Kartika"/>
+        <a:font script="Laoo" typeface="DokChampa"/>
+        <a:font script="Sinh" typeface="Iskoola Pota"/>
+        <a:font script="Mong" typeface="Mongolian Baiti"/>
+        <a:font script="Viet" typeface="Arial"/>
+        <a:font script="Uigh" typeface="Microsoft Uighur"/>
+        <a:font script="Geor" typeface="Sylfaen"/>
+        <a:font script="Armn" typeface="Arial"/>
+        <a:font script="Bugi" typeface="Leelawadee UI"/>
+        <a:font script="Bopo" typeface="Microsoft JhengHei"/>
+        <a:font script="Java" typeface="Javanese Text"/>
+        <a:font script="Lisu" typeface="Segoe UI"/>
+        <a:font script="Mymr" typeface="Myanmar Text"/>
+        <a:font script="Nkoo" typeface="Ebrima"/>
+        <a:font script="Olck" typeface="Nirmala UI"/>
+        <a:font script="Osma" typeface="Ebrima"/>
+        <a:font script="Phag" typeface="Phagspa"/>
+        <a:font script="Syrn" typeface="Estrangelo Edessa"/>
+        <a:font script="Syrj" typeface="Estrangelo Edessa"/>
+        <a:font script="Syre" typeface="Estrangelo Edessa"/>
+        <a:font script="Sora" typeface="Nirmala UI"/>
+        <a:font script="Tale" typeface="Microsoft Tai Le"/>
+        <a:font script="Talu" typeface="Microsoft New Tai Lue"/>
+        <a:font script="Tfng" typeface="Ebrima"/>
+      </a:minorFont>
+    </a:fontScheme>
+    <a:fmtScheme name="Office">
+      <a:fillStyleLst>
+        <a:solidFill>
+          <a:schemeClr val="phClr"/>
+        </a:solidFill>
+        <a:gradFill rotWithShape="1">
+          <a:gsLst>
+            <a:gs pos="0">
+              <a:schemeClr val="phClr">
+                <a:lumMod val="110000"/>
+                <a:satMod val="105000"/>
+                <a:tint val="67000"/>
+              </a:schemeClr>
+            </a:gs>
+            <a:gs pos="50000">
+              <a:schemeClr val="phClr">
+                <a:lumMod val="105000"/>
+                <a:satMod val="103000"/>
+                <a:tint val="73000"/>
+              </a:schemeClr>
+            </a:gs>
+            <a:gs pos="100000">
+              <a:schemeClr val="phClr">
+                <a:lumMod val="105000"/>
+                <a:satMod val="109000"/>
+                <a:tint val="81000"/>
+              </a:schemeClr>
+            </a:gs>
+          </a:gsLst>
+          <a:lin ang="5400000" scaled="0"/>
+        </a:gradFill>
+        <a:gradFill rotWithShape="1">
+          <a:gsLst>
+            <a:gs pos="0">
+              <a:schemeClr val="phClr">
+                <a:satMod val="103000"/>
+                <a:lumMod val="102000"/>
+                <a:tint val="94000"/>
+              </a:schemeClr>
+            </a:gs>
+            <a:gs pos="50000">
+              <a:schemeClr val="phClr">
+                <a:satMod val="110000"/>
+                <a:lumMod val="100000"/>
+                <a:shade val="100000"/>
+              </a:schemeClr>
+            </a:gs>
+            <a:gs pos="100000">
+              <a:schemeClr val="phClr">
+                <a:lumMod val="99000"/>
+                <a:satMod val="120000"/>
+                <a:shade val="78000"/>
+              </a:schemeClr>
+            </a:gs>
+          </a:gsLst>
+          <a:lin ang="5400000" scaled="0"/>
+        </a:gradFill>
+      </a:fillStyleLst>
+      <a:lnStyleLst>
+        <a:ln w="6350" cap="flat" cmpd="sng" algn="ctr">
+          <a:solidFill>
+            <a:schemeClr val="phClr"/>
+          </a:solidFill>
+          <a:prstDash val="solid"/>
+          <a:miter lim="800000"/>
+        </a:ln>
+        <a:ln w="12700" cap="flat" cmpd="sng" algn="ctr">
+          <a:solidFill>
+            <a:schemeClr val="phClr"/>
+          </a:solidFill>
+          <a:prstDash val="solid"/>
+          <a:miter lim="800000"/>
+        </a:ln>
+        <a:ln w="19050" cap="flat" cmpd="sng" algn="ctr">
+          <a:solidFill>
+            <a:schemeClr val="phClr"/>
+          </a:solidFill>
+          <a:prstDash val="solid"/>
+          <a:miter lim="800000"/>
+        </a:ln>
+      </a:lnStyleLst>
+      <a:effectStyleLst>
+        <a:effectStyle>
+          <a:effectLst/>
+        </a:effectStyle>
+        <a:effectStyle>
+          <a:effectLst/>
+        </a:effectStyle>
+        <a:effectStyle>
+          <a:effectLst>
+            <a:outerShdw blurRad="57150" dist="19050" dir="5400000" algn="ctr" rotWithShape="0">
+              <a:srgbClr val="000000">
+                <a:alpha val="63000"/>
+              </a:srgbClr>
+            </a:outerShdw>
+          </a:effectLst>
+        </a:effectStyle>
+      </a:effectStyleLst>
+      <a:bgFillStyleLst>
+        <a:solidFill>
+          <a:schemeClr val="phClr"/>
+        </a:solidFill>
+        <a:solidFill>
+          <a:schemeClr val="phClr">
+            <a:tint val="95000"/>
+            <a:satMod val="170000"/>
+          </a:schemeClr>
+        </a:solidFill>
+        <a:gradFill rotWithShape="1">
+          <a:gsLst>
+            <a:gs pos="0">
+              <a:schemeClr val="phClr">
+                <a:tint val="93000"/>
+                <a:satMod val="150000"/>
+                <a:shade val="98000"/>
+                <a:lumMod val="102000"/>
+              </a:schemeClr>
+            </a:gs>
+            <a:gs pos="50000">
+              <a:schemeClr val="phClr">
+                <a:tint val="98000"/>
+                <a:satMod val="130000"/>
+                <a:shade val="90000"/>
+                <a:lumMod val="103000"/>
+              </a:schemeClr>
+            </a:gs>
+            <a:gs pos="100000">
+              <a:schemeClr val="phClr">
+                <a:shade val="63000"/>
+                <a:satMod val="120000"/>
+              </a:schemeClr>
+            </a:gs>
+          </a:gsLst>
+          <a:lin ang="5400000" scaled="0"/>
+        </a:gradFill>
+      </a:bgFillStyleLst>
+    </a:fmtScheme>
+  </a:themeElements>
+  <a:objectDefaults/>
+  <a:extraClrSchemeLst/>
+  <a:extLst>
+    <a:ext uri="{05A4C25C-085E-4340-85A3-A5531E510DB2}">
+      <thm15:themeFamily xmlns:thm15="http://schemas.microsoft.com/office/thememl/2012/main" name="Office Theme" id="{62F939B6-93AF-4DB8-9C6B-D6C7DFDC589F}" vid="{4A3C46E8-61CC-4603-A589-7422A47A8E4A}"/>
+    </a:ext>
+  </a:extLst>
+</a:theme>
 </file>
--- a/template - v2.pptx
+++ b/template - v2.pptx
@@ -2937,7 +2937,7 @@
         </p:nvSpPr>
         <p:spPr>
           <a:xfrm>
-            <a:off x="45719" y="1"/>
+            <a:off x="244288" y="112354"/>
             <a:ext cx="10515601" cy="438149"/>
           </a:xfrm>
           <a:prstGeom prst="rect">
@@ -2983,7 +2983,7 @@
         </p:nvSpPr>
         <p:spPr>
           <a:xfrm>
-            <a:off x="45719" y="375247"/>
+            <a:off x="244288" y="487600"/>
             <a:ext cx="10515600" cy="392113"/>
           </a:xfrm>
         </p:spPr>
@@ -3802,7 +3802,7 @@
         </p:nvSpPr>
         <p:spPr>
           <a:xfrm>
-            <a:off x="45720" y="1"/>
+            <a:off x="241307" y="113777"/>
             <a:ext cx="10515600" cy="438149"/>
           </a:xfrm>
           <a:prstGeom prst="rect">
@@ -3848,7 +3848,7 @@
         </p:nvSpPr>
         <p:spPr>
           <a:xfrm>
-            <a:off x="45719" y="375247"/>
+            <a:off x="241306" y="489023"/>
             <a:ext cx="10515600" cy="392113"/>
           </a:xfrm>
         </p:spPr>
@@ -3931,7 +3931,7 @@
         </p:nvSpPr>
         <p:spPr>
           <a:xfrm>
-            <a:off x="-1" y="811576"/>
+            <a:off x="241306" y="896145"/>
             <a:ext cx="1739153" cy="171088"/>
           </a:xfrm>
           <a:prstGeom prst="rect">

--- a/template - v2.pptx
+++ b/template - v2.pptx
@@ -197,7 +197,7 @@
           <a:p>
             <a:fld id="{D9374ACA-3954-42E3-B51E-F6598EAA97F2}" type="datetimeFigureOut">
               <a:rPr lang="pt-BR" smtClean="0"/>
-              <a:t>11/07/2024</a:t>
+              <a:t>15/07/2024</a:t>
             </a:fld>
             <a:endParaRPr lang="pt-BR"/>
           </a:p>
@@ -1270,7 +1270,7 @@
           <a:p>
             <a:fld id="{3847EC4F-048C-499A-9D4E-DFDB1061565D}" type="datetime1">
               <a:rPr lang="pt-BR" smtClean="0"/>
-              <a:t>11/07/2024</a:t>
+              <a:t>15/07/2024</a:t>
             </a:fld>
             <a:endParaRPr lang="pt-BR"/>
           </a:p>
@@ -1498,7 +1498,7 @@
           <a:p>
             <a:fld id="{3B02893F-FD53-419E-9D45-9790A94DA4D0}" type="datetime1">
               <a:rPr lang="pt-BR" smtClean="0"/>
-              <a:t>11/07/2024</a:t>
+              <a:t>15/07/2024</a:t>
             </a:fld>
             <a:endParaRPr lang="pt-BR"/>
           </a:p>
@@ -2039,7 +2039,7 @@
           <a:p>
             <a:fld id="{F0A56DB4-4AEF-4152-BDB3-329CCB6072FA}" type="datetime1">
               <a:rPr lang="pt-BR" smtClean="0"/>
-              <a:t>11/07/2024</a:t>
+              <a:t>15/07/2024</a:t>
             </a:fld>
             <a:endParaRPr lang="pt-BR"/>
           </a:p>
@@ -2846,7 +2846,7 @@
             <a:fld id="{974FFC0B-9CD3-4EB1-8E25-0252DDCEF5C4}" type="datetime1">
               <a:rPr lang="pt-BR" smtClean="0"/>
               <a:pPr/>
-              <a:t>11/07/2024</a:t>
+              <a:t>15/07/2024</a:t>
             </a:fld>
             <a:endParaRPr lang="pt-BR" dirty="0"/>
           </a:p>
@@ -3705,7 +3705,7 @@
             <a:fld id="{93E7214A-6D00-4CA1-8A35-EDEED3307A75}" type="datetime1">
               <a:rPr lang="pt-BR" smtClean="0"/>
               <a:pPr/>
-              <a:t>11/07/2024</a:t>
+              <a:t>15/07/2024</a:t>
             </a:fld>
             <a:endParaRPr lang="pt-BR"/>
           </a:p>
@@ -4126,7 +4126,7 @@
               </a:buClr>
               <a:buFont typeface="Arial" panose="020B0604020202020204" pitchFamily="34" charset="0"/>
               <a:buNone/>
-              <a:defRPr lang="pt-BR" sz="3600" b="1" i="0" u="none" strike="noStrike" cap="none" dirty="0">
+              <a:defRPr lang="pt-BR" sz="2800" b="1" i="0" u="none" strike="noStrike" cap="none" dirty="0">
                 <a:solidFill>
                   <a:srgbClr val="FFC000"/>
                 </a:solidFill>
@@ -4219,7 +4219,7 @@
               </a:buClr>
               <a:buSzPts val="4400"/>
               <a:buFont typeface="Arial" panose="020B0604020202020204" pitchFamily="34" charset="0"/>
-              <a:defRPr lang="pt-BR" altLang="pt-BR" sz="4000" b="1" i="0" u="none" strike="noStrike" cap="none" baseline="0" dirty="0">
+              <a:defRPr lang="pt-BR" altLang="pt-BR" sz="3200" b="1" i="0" u="none" strike="noStrike" cap="none" baseline="0" dirty="0">
                 <a:solidFill>
                   <a:srgbClr val="FFFFFF"/>
                 </a:solidFill>
@@ -4410,7 +4410,7 @@
           <a:p>
             <a:fld id="{A05A2D86-F1E3-4BFB-BFA1-5406F3A8B1AD}" type="datetime1">
               <a:rPr lang="pt-BR" smtClean="0"/>
-              <a:t>11/07/2024</a:t>
+              <a:t>15/07/2024</a:t>
             </a:fld>
             <a:endParaRPr lang="pt-BR"/>
           </a:p>
@@ -5107,7 +5107,7 @@
           <a:p>
             <a:fld id="{32F85AFF-28FF-460E-8CBD-61F6616AD901}" type="datetime1">
               <a:rPr lang="pt-BR" smtClean="0"/>
-              <a:t>11/07/2024</a:t>
+              <a:t>15/07/2024</a:t>
             </a:fld>
             <a:endParaRPr lang="pt-BR"/>
           </a:p>
@@ -5562,7 +5562,7 @@
           <a:p>
             <a:fld id="{2A64B9EC-648F-477D-9DCE-3683D761A52A}" type="datetime1">
               <a:rPr lang="pt-BR" smtClean="0"/>
-              <a:t>11/07/2024</a:t>
+              <a:t>15/07/2024</a:t>
             </a:fld>
             <a:endParaRPr lang="pt-BR"/>
           </a:p>
@@ -6017,7 +6017,7 @@
           <a:p>
             <a:fld id="{A28D4654-34BB-43FC-8F77-7271489CE0F7}" type="datetime1">
               <a:rPr lang="pt-BR" smtClean="0"/>
-              <a:t>11/07/2024</a:t>
+              <a:t>15/07/2024</a:t>
             </a:fld>
             <a:endParaRPr lang="pt-BR"/>
           </a:p>
@@ -6695,7 +6695,7 @@
           <a:p>
             <a:fld id="{19BB168A-4011-419D-847C-9B52BF257044}" type="datetime1">
               <a:rPr lang="pt-BR" smtClean="0"/>
-              <a:t>11/07/2024</a:t>
+              <a:t>15/07/2024</a:t>
             </a:fld>
             <a:endParaRPr lang="pt-BR"/>
           </a:p>
@@ -6947,7 +6947,7 @@
           <a:p>
             <a:fld id="{ADAF0E14-C222-4E2D-87CA-08392E1CA5F1}" type="datetime1">
               <a:rPr lang="pt-BR" smtClean="0"/>
-              <a:t>11/07/2024</a:t>
+              <a:t>15/07/2024</a:t>
             </a:fld>
             <a:endParaRPr lang="pt-BR"/>
           </a:p>
@@ -7427,9 +7427,9 @@
         <a:srgbClr val="954F72"/>
       </a:folHlink>
     </a:clrScheme>
-    <a:fontScheme name="Escritório">
+    <a:fontScheme name="Office 2007 - 2010">
       <a:majorFont>
-        <a:latin typeface="Calibri Light" panose="020F0302020204030204"/>
+        <a:latin typeface="Calibri"/>
         <a:ea typeface=""/>
         <a:cs typeface=""/>
         <a:font script="Jpan" typeface="ＭＳ Ｐゴシック"/>
@@ -7464,7 +7464,7 @@
         <a:font script="Geor" typeface="Sylfaen"/>
       </a:majorFont>
       <a:minorFont>
-        <a:latin typeface="Calibri" panose="020F0502020204030204"/>
+        <a:latin typeface="Calibri"/>
         <a:ea typeface=""/>
         <a:cs typeface=""/>
         <a:font script="Jpan" typeface="ＭＳ Ｐゴシック"/>

--- a/template - v2.pptx
+++ b/template - v2.pptx
@@ -197,7 +197,7 @@
           <a:p>
             <a:fld id="{D9374ACA-3954-42E3-B51E-F6598EAA97F2}" type="datetimeFigureOut">
               <a:rPr lang="pt-BR" smtClean="0"/>
-              <a:t>15/07/2024</a:t>
+              <a:t>17/07/2024</a:t>
             </a:fld>
             <a:endParaRPr lang="pt-BR"/>
           </a:p>
@@ -1270,7 +1270,7 @@
           <a:p>
             <a:fld id="{3847EC4F-048C-499A-9D4E-DFDB1061565D}" type="datetime1">
               <a:rPr lang="pt-BR" smtClean="0"/>
-              <a:t>15/07/2024</a:t>
+              <a:t>17/07/2024</a:t>
             </a:fld>
             <a:endParaRPr lang="pt-BR"/>
           </a:p>
@@ -1498,7 +1498,7 @@
           <a:p>
             <a:fld id="{3B02893F-FD53-419E-9D45-9790A94DA4D0}" type="datetime1">
               <a:rPr lang="pt-BR" smtClean="0"/>
-              <a:t>15/07/2024</a:t>
+              <a:t>17/07/2024</a:t>
             </a:fld>
             <a:endParaRPr lang="pt-BR"/>
           </a:p>
@@ -2039,7 +2039,7 @@
           <a:p>
             <a:fld id="{F0A56DB4-4AEF-4152-BDB3-329CCB6072FA}" type="datetime1">
               <a:rPr lang="pt-BR" smtClean="0"/>
-              <a:t>15/07/2024</a:t>
+              <a:t>17/07/2024</a:t>
             </a:fld>
             <a:endParaRPr lang="pt-BR"/>
           </a:p>
@@ -2655,10 +2655,10 @@
       </p:grpSpPr>
       <p:sp>
         <p:nvSpPr>
-          <p:cNvPr id="7" name="Retângulo 6">
+          <p:cNvPr id="8" name="Retângulo 7">
             <a:extLst>
               <a:ext uri="{FF2B5EF4-FFF2-40B4-BE49-F238E27FC236}">
-                <a16:creationId xmlns:a16="http://schemas.microsoft.com/office/drawing/2014/main" id="{30F9BFF1-A944-7F72-42FC-CF49A5A711FC}"/>
+                <a16:creationId xmlns:a16="http://schemas.microsoft.com/office/drawing/2014/main" id="{8F358C70-32DC-AC4A-1653-A1444CA786A6}"/>
               </a:ext>
             </a:extLst>
           </p:cNvPr>
@@ -2673,9 +2673,21 @@
           <a:prstGeom prst="rect">
             <a:avLst/>
           </a:prstGeom>
-          <a:solidFill>
-            <a:srgbClr val="002E6B"/>
-          </a:solidFill>
+          <a:gradFill flip="none" rotWithShape="1">
+            <a:gsLst>
+              <a:gs pos="0">
+                <a:srgbClr val="003774"/>
+              </a:gs>
+              <a:gs pos="21000">
+                <a:srgbClr val="00579E"/>
+              </a:gs>
+              <a:gs pos="100000">
+                <a:srgbClr val="009E3C"/>
+              </a:gs>
+            </a:gsLst>
+            <a:lin ang="10800000" scaled="1"/>
+            <a:tileRect/>
+          </a:gradFill>
           <a:ln>
             <a:noFill/>
           </a:ln>
@@ -2701,7 +2713,7 @@
           <a:lstStyle/>
           <a:p>
             <a:pPr algn="ctr"/>
-            <a:endParaRPr lang="pt-BR"/>
+            <a:endParaRPr lang="pt-BR" dirty="0"/>
           </a:p>
         </p:txBody>
       </p:sp>
@@ -2846,7 +2858,7 @@
             <a:fld id="{974FFC0B-9CD3-4EB1-8E25-0252DDCEF5C4}" type="datetime1">
               <a:rPr lang="pt-BR" smtClean="0"/>
               <a:pPr/>
-              <a:t>15/07/2024</a:t>
+              <a:t>17/07/2024</a:t>
             </a:fld>
             <a:endParaRPr lang="pt-BR" dirty="0"/>
           </a:p>
@@ -3323,6 +3335,70 @@
           <a:chExt cx="0" cy="0"/>
         </a:xfrm>
       </p:grpSpPr>
+      <p:sp>
+        <p:nvSpPr>
+          <p:cNvPr id="13" name="Retângulo 12">
+            <a:extLst>
+              <a:ext uri="{FF2B5EF4-FFF2-40B4-BE49-F238E27FC236}">
+                <a16:creationId xmlns:a16="http://schemas.microsoft.com/office/drawing/2014/main" id="{68B1DFFF-4A23-7C5D-7561-19319635BB05}"/>
+              </a:ext>
+            </a:extLst>
+          </p:cNvPr>
+          <p:cNvSpPr/>
+          <p:nvPr userDrawn="1"/>
+        </p:nvSpPr>
+        <p:spPr>
+          <a:xfrm>
+            <a:off x="0" y="6619873"/>
+            <a:ext cx="11483788" cy="193301"/>
+          </a:xfrm>
+          <a:prstGeom prst="rect">
+            <a:avLst/>
+          </a:prstGeom>
+          <a:gradFill flip="none" rotWithShape="1">
+            <a:gsLst>
+              <a:gs pos="0">
+                <a:srgbClr val="003774"/>
+              </a:gs>
+              <a:gs pos="21000">
+                <a:srgbClr val="00579E"/>
+              </a:gs>
+              <a:gs pos="100000">
+                <a:srgbClr val="009E3C"/>
+              </a:gs>
+            </a:gsLst>
+            <a:lin ang="10800000" scaled="1"/>
+            <a:tileRect/>
+          </a:gradFill>
+          <a:ln>
+            <a:noFill/>
+          </a:ln>
+        </p:spPr>
+        <p:style>
+          <a:lnRef idx="2">
+            <a:schemeClr val="accent1">
+              <a:shade val="50000"/>
+            </a:schemeClr>
+          </a:lnRef>
+          <a:fillRef idx="1">
+            <a:schemeClr val="accent1"/>
+          </a:fillRef>
+          <a:effectRef idx="0">
+            <a:schemeClr val="accent1"/>
+          </a:effectRef>
+          <a:fontRef idx="minor">
+            <a:schemeClr val="lt1"/>
+          </a:fontRef>
+        </p:style>
+        <p:txBody>
+          <a:bodyPr rtlCol="0" anchor="ctr"/>
+          <a:lstStyle/>
+          <a:p>
+            <a:pPr algn="ctr"/>
+            <a:endParaRPr lang="pt-BR" dirty="0"/>
+          </a:p>
+        </p:txBody>
+      </p:sp>
       <p:grpSp>
         <p:nvGrpSpPr>
           <p:cNvPr id="16" name="Agrupar 15">
@@ -3514,58 +3590,6 @@
       </p:grpSp>
       <p:sp>
         <p:nvSpPr>
-          <p:cNvPr id="10" name="Retângulo 9">
-            <a:extLst>
-              <a:ext uri="{FF2B5EF4-FFF2-40B4-BE49-F238E27FC236}">
-                <a16:creationId xmlns:a16="http://schemas.microsoft.com/office/drawing/2014/main" id="{A126C727-6158-53FA-71D7-F9C5CBB6FBEE}"/>
-              </a:ext>
-            </a:extLst>
-          </p:cNvPr>
-          <p:cNvSpPr/>
-          <p:nvPr userDrawn="1"/>
-        </p:nvSpPr>
-        <p:spPr>
-          <a:xfrm>
-            <a:off x="0" y="6619873"/>
-            <a:ext cx="11483788" cy="193301"/>
-          </a:xfrm>
-          <a:prstGeom prst="rect">
-            <a:avLst/>
-          </a:prstGeom>
-          <a:solidFill>
-            <a:srgbClr val="002E6B"/>
-          </a:solidFill>
-          <a:ln>
-            <a:noFill/>
-          </a:ln>
-        </p:spPr>
-        <p:style>
-          <a:lnRef idx="2">
-            <a:schemeClr val="accent1">
-              <a:shade val="50000"/>
-            </a:schemeClr>
-          </a:lnRef>
-          <a:fillRef idx="1">
-            <a:schemeClr val="accent1"/>
-          </a:fillRef>
-          <a:effectRef idx="0">
-            <a:schemeClr val="accent1"/>
-          </a:effectRef>
-          <a:fontRef idx="minor">
-            <a:schemeClr val="lt1"/>
-          </a:fontRef>
-        </p:style>
-        <p:txBody>
-          <a:bodyPr rtlCol="0" anchor="ctr"/>
-          <a:lstStyle/>
-          <a:p>
-            <a:pPr algn="ctr"/>
-            <a:endParaRPr lang="pt-BR"/>
-          </a:p>
-        </p:txBody>
-      </p:sp>
-      <p:sp>
-        <p:nvSpPr>
           <p:cNvPr id="3" name="Espaço Reservado para Conteúdo 2"/>
           <p:cNvSpPr>
             <a:spLocks noGrp="1"/>
@@ -3705,7 +3729,7 @@
             <a:fld id="{93E7214A-6D00-4CA1-8A35-EDEED3307A75}" type="datetime1">
               <a:rPr lang="pt-BR" smtClean="0"/>
               <a:pPr/>
-              <a:t>15/07/2024</a:t>
+              <a:t>17/07/2024</a:t>
             </a:fld>
             <a:endParaRPr lang="pt-BR"/>
           </a:p>
@@ -4410,7 +4434,7 @@
           <a:p>
             <a:fld id="{A05A2D86-F1E3-4BFB-BFA1-5406F3A8B1AD}" type="datetime1">
               <a:rPr lang="pt-BR" smtClean="0"/>
-              <a:t>15/07/2024</a:t>
+              <a:t>17/07/2024</a:t>
             </a:fld>
             <a:endParaRPr lang="pt-BR"/>
           </a:p>
@@ -5107,7 +5131,7 @@
           <a:p>
             <a:fld id="{32F85AFF-28FF-460E-8CBD-61F6616AD901}" type="datetime1">
               <a:rPr lang="pt-BR" smtClean="0"/>
-              <a:t>15/07/2024</a:t>
+              <a:t>17/07/2024</a:t>
             </a:fld>
             <a:endParaRPr lang="pt-BR"/>
           </a:p>
@@ -5562,7 +5586,7 @@
           <a:p>
             <a:fld id="{2A64B9EC-648F-477D-9DCE-3683D761A52A}" type="datetime1">
               <a:rPr lang="pt-BR" smtClean="0"/>
-              <a:t>15/07/2024</a:t>
+              <a:t>17/07/2024</a:t>
             </a:fld>
             <a:endParaRPr lang="pt-BR"/>
           </a:p>
@@ -6017,7 +6041,7 @@
           <a:p>
             <a:fld id="{A28D4654-34BB-43FC-8F77-7271489CE0F7}" type="datetime1">
               <a:rPr lang="pt-BR" smtClean="0"/>
-              <a:t>15/07/2024</a:t>
+              <a:t>17/07/2024</a:t>
             </a:fld>
             <a:endParaRPr lang="pt-BR"/>
           </a:p>
@@ -6695,7 +6719,7 @@
           <a:p>
             <a:fld id="{19BB168A-4011-419D-847C-9B52BF257044}" type="datetime1">
               <a:rPr lang="pt-BR" smtClean="0"/>
-              <a:t>15/07/2024</a:t>
+              <a:t>17/07/2024</a:t>
             </a:fld>
             <a:endParaRPr lang="pt-BR"/>
           </a:p>
@@ -6947,7 +6971,7 @@
           <a:p>
             <a:fld id="{ADAF0E14-C222-4E2D-87CA-08392E1CA5F1}" type="datetime1">
               <a:rPr lang="pt-BR" smtClean="0"/>
-              <a:t>15/07/2024</a:t>
+              <a:t>17/07/2024</a:t>
             </a:fld>
             <a:endParaRPr lang="pt-BR"/>
           </a:p>

--- a/template - v2.pptx
+++ b/template - v2.pptx
@@ -197,7 +197,7 @@
           <a:p>
             <a:fld id="{D9374ACA-3954-42E3-B51E-F6598EAA97F2}" type="datetimeFigureOut">
               <a:rPr lang="pt-BR" smtClean="0"/>
-              <a:t>17/07/2024</a:t>
+              <a:t>25/07/2024</a:t>
             </a:fld>
             <a:endParaRPr lang="pt-BR"/>
           </a:p>
@@ -483,10 +483,10 @@
       </p:grpSpPr>
       <p:pic>
         <p:nvPicPr>
-          <p:cNvPr id="11" name="Imagem 10">
+          <p:cNvPr id="12" name="Imagem 11">
             <a:extLst>
               <a:ext uri="{FF2B5EF4-FFF2-40B4-BE49-F238E27FC236}">
-                <a16:creationId xmlns:a16="http://schemas.microsoft.com/office/drawing/2014/main" id="{A8588439-4FFA-D7FA-FB21-A64F1AB11E86}"/>
+                <a16:creationId xmlns:a16="http://schemas.microsoft.com/office/drawing/2014/main" id="{1B2E6583-5007-AB0E-57ED-7ACFC3B0111E}"/>
               </a:ext>
             </a:extLst>
           </p:cNvPr>
@@ -1270,7 +1270,7 @@
           <a:p>
             <a:fld id="{3847EC4F-048C-499A-9D4E-DFDB1061565D}" type="datetime1">
               <a:rPr lang="pt-BR" smtClean="0"/>
-              <a:t>17/07/2024</a:t>
+              <a:t>25/07/2024</a:t>
             </a:fld>
             <a:endParaRPr lang="pt-BR"/>
           </a:p>
@@ -1498,7 +1498,7 @@
           <a:p>
             <a:fld id="{3B02893F-FD53-419E-9D45-9790A94DA4D0}" type="datetime1">
               <a:rPr lang="pt-BR" smtClean="0"/>
-              <a:t>17/07/2024</a:t>
+              <a:t>25/07/2024</a:t>
             </a:fld>
             <a:endParaRPr lang="pt-BR"/>
           </a:p>
@@ -2039,7 +2039,7 @@
           <a:p>
             <a:fld id="{F0A56DB4-4AEF-4152-BDB3-329CCB6072FA}" type="datetime1">
               <a:rPr lang="pt-BR" smtClean="0"/>
-              <a:t>17/07/2024</a:t>
+              <a:t>25/07/2024</a:t>
             </a:fld>
             <a:endParaRPr lang="pt-BR"/>
           </a:p>
@@ -2231,10 +2231,10 @@
       </p:grpSpPr>
       <p:pic>
         <p:nvPicPr>
-          <p:cNvPr id="3" name="Imagem 2">
+          <p:cNvPr id="11" name="Imagem 10">
             <a:extLst>
               <a:ext uri="{FF2B5EF4-FFF2-40B4-BE49-F238E27FC236}">
-                <a16:creationId xmlns:a16="http://schemas.microsoft.com/office/drawing/2014/main" id="{1B369B4E-BFA5-002B-042A-4E23520610B9}"/>
+                <a16:creationId xmlns:a16="http://schemas.microsoft.com/office/drawing/2014/main" id="{1C358624-DBA9-2BBE-C4D9-4184583EB337}"/>
               </a:ext>
             </a:extLst>
           </p:cNvPr>
@@ -2258,7 +2258,7 @@
         <p:spPr>
           <a:xfrm>
             <a:off x="0" y="428"/>
-            <a:ext cx="12192000" cy="6857572"/>
+            <a:ext cx="12192000" cy="6857143"/>
           </a:xfrm>
           <a:prstGeom prst="rect">
             <a:avLst/>
@@ -2858,7 +2858,7 @@
             <a:fld id="{974FFC0B-9CD3-4EB1-8E25-0252DDCEF5C4}" type="datetime1">
               <a:rPr lang="pt-BR" smtClean="0"/>
               <a:pPr/>
-              <a:t>17/07/2024</a:t>
+              <a:t>25/07/2024</a:t>
             </a:fld>
             <a:endParaRPr lang="pt-BR" dirty="0"/>
           </a:p>
@@ -3729,7 +3729,7 @@
             <a:fld id="{93E7214A-6D00-4CA1-8A35-EDEED3307A75}" type="datetime1">
               <a:rPr lang="pt-BR" smtClean="0"/>
               <a:pPr/>
-              <a:t>17/07/2024</a:t>
+              <a:t>25/07/2024</a:t>
             </a:fld>
             <a:endParaRPr lang="pt-BR"/>
           </a:p>
@@ -4074,10 +4074,10 @@
       </p:grpSpPr>
       <p:pic>
         <p:nvPicPr>
-          <p:cNvPr id="5" name="Imagem 4">
+          <p:cNvPr id="6" name="Imagem 5">
             <a:extLst>
               <a:ext uri="{FF2B5EF4-FFF2-40B4-BE49-F238E27FC236}">
-                <a16:creationId xmlns:a16="http://schemas.microsoft.com/office/drawing/2014/main" id="{C5F4E738-576C-861C-2E45-20F6AEB5ECE6}"/>
+                <a16:creationId xmlns:a16="http://schemas.microsoft.com/office/drawing/2014/main" id="{A4004E66-2BB0-4185-66C9-96C9EBCAB3AF}"/>
               </a:ext>
             </a:extLst>
           </p:cNvPr>
@@ -4434,7 +4434,7 @@
           <a:p>
             <a:fld id="{A05A2D86-F1E3-4BFB-BFA1-5406F3A8B1AD}" type="datetime1">
               <a:rPr lang="pt-BR" smtClean="0"/>
-              <a:t>17/07/2024</a:t>
+              <a:t>25/07/2024</a:t>
             </a:fld>
             <a:endParaRPr lang="pt-BR"/>
           </a:p>
@@ -5131,7 +5131,7 @@
           <a:p>
             <a:fld id="{32F85AFF-28FF-460E-8CBD-61F6616AD901}" type="datetime1">
               <a:rPr lang="pt-BR" smtClean="0"/>
-              <a:t>17/07/2024</a:t>
+              <a:t>25/07/2024</a:t>
             </a:fld>
             <a:endParaRPr lang="pt-BR"/>
           </a:p>
@@ -5586,7 +5586,7 @@
           <a:p>
             <a:fld id="{2A64B9EC-648F-477D-9DCE-3683D761A52A}" type="datetime1">
               <a:rPr lang="pt-BR" smtClean="0"/>
-              <a:t>17/07/2024</a:t>
+              <a:t>25/07/2024</a:t>
             </a:fld>
             <a:endParaRPr lang="pt-BR"/>
           </a:p>
@@ -6041,7 +6041,7 @@
           <a:p>
             <a:fld id="{A28D4654-34BB-43FC-8F77-7271489CE0F7}" type="datetime1">
               <a:rPr lang="pt-BR" smtClean="0"/>
-              <a:t>17/07/2024</a:t>
+              <a:t>25/07/2024</a:t>
             </a:fld>
             <a:endParaRPr lang="pt-BR"/>
           </a:p>
@@ -6719,7 +6719,7 @@
           <a:p>
             <a:fld id="{19BB168A-4011-419D-847C-9B52BF257044}" type="datetime1">
               <a:rPr lang="pt-BR" smtClean="0"/>
-              <a:t>17/07/2024</a:t>
+              <a:t>25/07/2024</a:t>
             </a:fld>
             <a:endParaRPr lang="pt-BR"/>
           </a:p>
@@ -6971,7 +6971,7 @@
           <a:p>
             <a:fld id="{ADAF0E14-C222-4E2D-87CA-08392E1CA5F1}" type="datetime1">
               <a:rPr lang="pt-BR" smtClean="0"/>
-              <a:t>17/07/2024</a:t>
+              <a:t>25/07/2024</a:t>
             </a:fld>
             <a:endParaRPr lang="pt-BR"/>
           </a:p>

--- a/template - v2.pptx
+++ b/template - v2.pptx
@@ -197,7 +197,7 @@
           <a:p>
             <a:fld id="{D9374ACA-3954-42E3-B51E-F6598EAA97F2}" type="datetimeFigureOut">
               <a:rPr lang="pt-BR" smtClean="0"/>
-              <a:t>25/07/2024</a:t>
+              <a:t>01/08/2024</a:t>
             </a:fld>
             <a:endParaRPr lang="pt-BR"/>
           </a:p>
@@ -1270,7 +1270,7 @@
           <a:p>
             <a:fld id="{3847EC4F-048C-499A-9D4E-DFDB1061565D}" type="datetime1">
               <a:rPr lang="pt-BR" smtClean="0"/>
-              <a:t>25/07/2024</a:t>
+              <a:t>01/08/2024</a:t>
             </a:fld>
             <a:endParaRPr lang="pt-BR"/>
           </a:p>
@@ -1498,7 +1498,7 @@
           <a:p>
             <a:fld id="{3B02893F-FD53-419E-9D45-9790A94DA4D0}" type="datetime1">
               <a:rPr lang="pt-BR" smtClean="0"/>
-              <a:t>25/07/2024</a:t>
+              <a:t>01/08/2024</a:t>
             </a:fld>
             <a:endParaRPr lang="pt-BR"/>
           </a:p>
@@ -2039,7 +2039,7 @@
           <a:p>
             <a:fld id="{F0A56DB4-4AEF-4152-BDB3-329CCB6072FA}" type="datetime1">
               <a:rPr lang="pt-BR" smtClean="0"/>
-              <a:t>25/07/2024</a:t>
+              <a:t>01/08/2024</a:t>
             </a:fld>
             <a:endParaRPr lang="pt-BR"/>
           </a:p>
@@ -2858,7 +2858,7 @@
             <a:fld id="{974FFC0B-9CD3-4EB1-8E25-0252DDCEF5C4}" type="datetime1">
               <a:rPr lang="pt-BR" smtClean="0"/>
               <a:pPr/>
-              <a:t>25/07/2024</a:t>
+              <a:t>01/08/2024</a:t>
             </a:fld>
             <a:endParaRPr lang="pt-BR" dirty="0"/>
           </a:p>
@@ -3729,7 +3729,7 @@
             <a:fld id="{93E7214A-6D00-4CA1-8A35-EDEED3307A75}" type="datetime1">
               <a:rPr lang="pt-BR" smtClean="0"/>
               <a:pPr/>
-              <a:t>25/07/2024</a:t>
+              <a:t>01/08/2024</a:t>
             </a:fld>
             <a:endParaRPr lang="pt-BR"/>
           </a:p>
@@ -4434,7 +4434,7 @@
           <a:p>
             <a:fld id="{A05A2D86-F1E3-4BFB-BFA1-5406F3A8B1AD}" type="datetime1">
               <a:rPr lang="pt-BR" smtClean="0"/>
-              <a:t>25/07/2024</a:t>
+              <a:t>01/08/2024</a:t>
             </a:fld>
             <a:endParaRPr lang="pt-BR"/>
           </a:p>
@@ -5131,7 +5131,7 @@
           <a:p>
             <a:fld id="{32F85AFF-28FF-460E-8CBD-61F6616AD901}" type="datetime1">
               <a:rPr lang="pt-BR" smtClean="0"/>
-              <a:t>25/07/2024</a:t>
+              <a:t>01/08/2024</a:t>
             </a:fld>
             <a:endParaRPr lang="pt-BR"/>
           </a:p>
@@ -5586,7 +5586,7 @@
           <a:p>
             <a:fld id="{2A64B9EC-648F-477D-9DCE-3683D761A52A}" type="datetime1">
               <a:rPr lang="pt-BR" smtClean="0"/>
-              <a:t>25/07/2024</a:t>
+              <a:t>01/08/2024</a:t>
             </a:fld>
             <a:endParaRPr lang="pt-BR"/>
           </a:p>
@@ -6041,7 +6041,7 @@
           <a:p>
             <a:fld id="{A28D4654-34BB-43FC-8F77-7271489CE0F7}" type="datetime1">
               <a:rPr lang="pt-BR" smtClean="0"/>
-              <a:t>25/07/2024</a:t>
+              <a:t>01/08/2024</a:t>
             </a:fld>
             <a:endParaRPr lang="pt-BR"/>
           </a:p>
@@ -6719,7 +6719,7 @@
           <a:p>
             <a:fld id="{19BB168A-4011-419D-847C-9B52BF257044}" type="datetime1">
               <a:rPr lang="pt-BR" smtClean="0"/>
-              <a:t>25/07/2024</a:t>
+              <a:t>01/08/2024</a:t>
             </a:fld>
             <a:endParaRPr lang="pt-BR"/>
           </a:p>
@@ -6971,7 +6971,7 @@
           <a:p>
             <a:fld id="{ADAF0E14-C222-4E2D-87CA-08392E1CA5F1}" type="datetime1">
               <a:rPr lang="pt-BR" smtClean="0"/>
-              <a:t>25/07/2024</a:t>
+              <a:t>01/08/2024</a:t>
             </a:fld>
             <a:endParaRPr lang="pt-BR"/>
           </a:p>

--- a/template - v2.pptx
+++ b/template - v2.pptx
@@ -197,7 +197,7 @@
           <a:p>
             <a:fld id="{D9374ACA-3954-42E3-B51E-F6598EAA97F2}" type="datetimeFigureOut">
               <a:rPr lang="pt-BR" smtClean="0"/>
-              <a:t>01/08/2024</a:t>
+              <a:t>09/08/2024</a:t>
             </a:fld>
             <a:endParaRPr lang="pt-BR"/>
           </a:p>
@@ -648,100 +648,6 @@
               <a:rPr lang="pt-BR" dirty="0"/>
               <a:t>Clique para editar o estilo do subtítulo mestre</a:t>
             </a:r>
-          </a:p>
-        </p:txBody>
-      </p:sp>
-      <p:sp>
-        <p:nvSpPr>
-          <p:cNvPr id="4" name="CaixaDeTexto 3"/>
-          <p:cNvSpPr txBox="1"/>
-          <p:nvPr userDrawn="1"/>
-        </p:nvSpPr>
-        <p:spPr>
-          <a:xfrm>
-            <a:off x="9330397" y="6257279"/>
-            <a:ext cx="2857500" cy="461665"/>
-          </a:xfrm>
-          <a:prstGeom prst="rect">
-            <a:avLst/>
-          </a:prstGeom>
-          <a:noFill/>
-        </p:spPr>
-        <p:txBody>
-          <a:bodyPr wrap="square" rtlCol="0">
-            <a:spAutoFit/>
-          </a:bodyPr>
-          <a:lstStyle/>
-          <a:p>
-            <a:r>
-              <a:rPr lang="pt-BR" sz="800" dirty="0">
-                <a:solidFill>
-                  <a:schemeClr val="bg1"/>
-                </a:solidFill>
-              </a:rPr>
-              <a:t>Boletim elaborado </a:t>
-            </a:r>
-            <a:r>
-              <a:rPr lang="pt-BR" sz="800" b="1" dirty="0">
-                <a:solidFill>
-                  <a:schemeClr val="bg1"/>
-                </a:solidFill>
-              </a:rPr>
-              <a:t>na Secretaria de Estado</a:t>
-            </a:r>
-            <a:r>
-              <a:rPr lang="pt-BR" sz="800" b="1" baseline="0" dirty="0">
-                <a:solidFill>
-                  <a:schemeClr val="bg1"/>
-                </a:solidFill>
-              </a:rPr>
-              <a:t> da Economia</a:t>
-            </a:r>
-            <a:r>
-              <a:rPr lang="pt-BR" sz="800" baseline="0" dirty="0">
-                <a:solidFill>
-                  <a:schemeClr val="bg1"/>
-                </a:solidFill>
-              </a:rPr>
-              <a:t> pela </a:t>
-            </a:r>
-            <a:r>
-              <a:rPr lang="pt-BR" sz="800" b="1" baseline="0" dirty="0">
-                <a:solidFill>
-                  <a:schemeClr val="bg1"/>
-                </a:solidFill>
-              </a:rPr>
-              <a:t>Assessoria Especial de Monitoramento Fiscal e Planejamento Financeiro</a:t>
-            </a:r>
-            <a:r>
-              <a:rPr lang="pt-BR" sz="800" baseline="0" dirty="0">
-                <a:solidFill>
-                  <a:schemeClr val="bg1"/>
-                </a:solidFill>
-              </a:rPr>
-              <a:t> e </a:t>
-            </a:r>
-            <a:r>
-              <a:rPr lang="pt-BR" sz="800" b="1" baseline="0" dirty="0">
-                <a:solidFill>
-                  <a:schemeClr val="bg1"/>
-                </a:solidFill>
-              </a:rPr>
-              <a:t>pela Gerência de Projeções e Análise Fiscais</a:t>
-            </a:r>
-            <a:r>
-              <a:rPr lang="pt-BR" sz="800" b="0" baseline="0" dirty="0">
-                <a:solidFill>
-                  <a:schemeClr val="bg1"/>
-                </a:solidFill>
-              </a:rPr>
-              <a:t>.</a:t>
-            </a:r>
-            <a:endParaRPr lang="pt-BR" sz="800" b="1" dirty="0">
-              <a:solidFill>
-                <a:schemeClr val="bg1"/>
-              </a:solidFill>
-            </a:endParaRPr>
           </a:p>
         </p:txBody>
       </p:sp>
@@ -1270,7 +1176,7 @@
           <a:p>
             <a:fld id="{3847EC4F-048C-499A-9D4E-DFDB1061565D}" type="datetime1">
               <a:rPr lang="pt-BR" smtClean="0"/>
-              <a:t>01/08/2024</a:t>
+              <a:t>09/08/2024</a:t>
             </a:fld>
             <a:endParaRPr lang="pt-BR"/>
           </a:p>
@@ -1498,7 +1404,7 @@
           <a:p>
             <a:fld id="{3B02893F-FD53-419E-9D45-9790A94DA4D0}" type="datetime1">
               <a:rPr lang="pt-BR" smtClean="0"/>
-              <a:t>01/08/2024</a:t>
+              <a:t>09/08/2024</a:t>
             </a:fld>
             <a:endParaRPr lang="pt-BR"/>
           </a:p>
@@ -2039,7 +1945,7 @@
           <a:p>
             <a:fld id="{F0A56DB4-4AEF-4152-BDB3-329CCB6072FA}" type="datetime1">
               <a:rPr lang="pt-BR" smtClean="0"/>
-              <a:t>01/08/2024</a:t>
+              <a:t>09/08/2024</a:t>
             </a:fld>
             <a:endParaRPr lang="pt-BR"/>
           </a:p>
@@ -2523,106 +2429,6 @@
           </p:txBody>
         </p:sp>
       </p:grpSp>
-      <p:sp>
-        <p:nvSpPr>
-          <p:cNvPr id="10" name="CaixaDeTexto 9">
-            <a:extLst>
-              <a:ext uri="{FF2B5EF4-FFF2-40B4-BE49-F238E27FC236}">
-                <a16:creationId xmlns:a16="http://schemas.microsoft.com/office/drawing/2014/main" id="{4618802F-CDD9-C776-9891-F44A8253B81A}"/>
-              </a:ext>
-            </a:extLst>
-          </p:cNvPr>
-          <p:cNvSpPr txBox="1"/>
-          <p:nvPr userDrawn="1"/>
-        </p:nvSpPr>
-        <p:spPr>
-          <a:xfrm>
-            <a:off x="9330397" y="6257279"/>
-            <a:ext cx="2857500" cy="461665"/>
-          </a:xfrm>
-          <a:prstGeom prst="rect">
-            <a:avLst/>
-          </a:prstGeom>
-          <a:noFill/>
-        </p:spPr>
-        <p:txBody>
-          <a:bodyPr wrap="square" rtlCol="0">
-            <a:spAutoFit/>
-          </a:bodyPr>
-          <a:lstStyle/>
-          <a:p>
-            <a:r>
-              <a:rPr lang="pt-BR" sz="800" dirty="0">
-                <a:solidFill>
-                  <a:schemeClr val="bg1"/>
-                </a:solidFill>
-              </a:rPr>
-              <a:t>Boletim elaborado </a:t>
-            </a:r>
-            <a:r>
-              <a:rPr lang="pt-BR" sz="800" b="1" dirty="0">
-                <a:solidFill>
-                  <a:schemeClr val="bg1"/>
-                </a:solidFill>
-              </a:rPr>
-              <a:t>na Secretaria de Estado</a:t>
-            </a:r>
-            <a:r>
-              <a:rPr lang="pt-BR" sz="800" b="1" baseline="0" dirty="0">
-                <a:solidFill>
-                  <a:schemeClr val="bg1"/>
-                </a:solidFill>
-              </a:rPr>
-              <a:t> da Economia</a:t>
-            </a:r>
-            <a:r>
-              <a:rPr lang="pt-BR" sz="800" baseline="0" dirty="0">
-                <a:solidFill>
-                  <a:schemeClr val="bg1"/>
-                </a:solidFill>
-              </a:rPr>
-              <a:t> pela </a:t>
-            </a:r>
-            <a:r>
-              <a:rPr lang="pt-BR" sz="800" b="1" baseline="0" dirty="0">
-                <a:solidFill>
-                  <a:schemeClr val="bg1"/>
-                </a:solidFill>
-              </a:rPr>
-              <a:t>Assessoria Especial de Monitoramento Fiscal e Planejamento Financeiro</a:t>
-            </a:r>
-            <a:r>
-              <a:rPr lang="pt-BR" sz="800" baseline="0" dirty="0">
-                <a:solidFill>
-                  <a:schemeClr val="bg1"/>
-                </a:solidFill>
-              </a:rPr>
-              <a:t> e </a:t>
-            </a:r>
-            <a:r>
-              <a:rPr lang="pt-BR" sz="800" b="1" baseline="0" dirty="0">
-                <a:solidFill>
-                  <a:schemeClr val="bg1"/>
-                </a:solidFill>
-              </a:rPr>
-              <a:t>pela Gerência de Projeções e Análise Fiscais</a:t>
-            </a:r>
-            <a:r>
-              <a:rPr lang="pt-BR" sz="800" b="0" baseline="0" dirty="0">
-                <a:solidFill>
-                  <a:schemeClr val="bg1"/>
-                </a:solidFill>
-              </a:rPr>
-              <a:t>.</a:t>
-            </a:r>
-            <a:endParaRPr lang="pt-BR" sz="800" b="1" dirty="0">
-              <a:solidFill>
-                <a:schemeClr val="bg1"/>
-              </a:solidFill>
-            </a:endParaRPr>
-          </a:p>
-        </p:txBody>
-      </p:sp>
     </p:spTree>
     <p:extLst>
       <p:ext uri="{BB962C8B-B14F-4D97-AF65-F5344CB8AC3E}">
@@ -2858,7 +2664,7 @@
             <a:fld id="{974FFC0B-9CD3-4EB1-8E25-0252DDCEF5C4}" type="datetime1">
               <a:rPr lang="pt-BR" smtClean="0"/>
               <a:pPr/>
-              <a:t>01/08/2024</a:t>
+              <a:t>09/08/2024</a:t>
             </a:fld>
             <a:endParaRPr lang="pt-BR" dirty="0"/>
           </a:p>
@@ -3729,7 +3535,7 @@
             <a:fld id="{93E7214A-6D00-4CA1-8A35-EDEED3307A75}" type="datetime1">
               <a:rPr lang="pt-BR" smtClean="0"/>
               <a:pPr/>
-              <a:t>01/08/2024</a:t>
+              <a:t>09/08/2024</a:t>
             </a:fld>
             <a:endParaRPr lang="pt-BR"/>
           </a:p>
@@ -4434,7 +4240,7 @@
           <a:p>
             <a:fld id="{A05A2D86-F1E3-4BFB-BFA1-5406F3A8B1AD}" type="datetime1">
               <a:rPr lang="pt-BR" smtClean="0"/>
-              <a:t>01/08/2024</a:t>
+              <a:t>09/08/2024</a:t>
             </a:fld>
             <a:endParaRPr lang="pt-BR"/>
           </a:p>
@@ -5131,7 +4937,7 @@
           <a:p>
             <a:fld id="{32F85AFF-28FF-460E-8CBD-61F6616AD901}" type="datetime1">
               <a:rPr lang="pt-BR" smtClean="0"/>
-              <a:t>01/08/2024</a:t>
+              <a:t>09/08/2024</a:t>
             </a:fld>
             <a:endParaRPr lang="pt-BR"/>
           </a:p>
@@ -5586,7 +5392,7 @@
           <a:p>
             <a:fld id="{2A64B9EC-648F-477D-9DCE-3683D761A52A}" type="datetime1">
               <a:rPr lang="pt-BR" smtClean="0"/>
-              <a:t>01/08/2024</a:t>
+              <a:t>09/08/2024</a:t>
             </a:fld>
             <a:endParaRPr lang="pt-BR"/>
           </a:p>
@@ -6041,7 +5847,7 @@
           <a:p>
             <a:fld id="{A28D4654-34BB-43FC-8F77-7271489CE0F7}" type="datetime1">
               <a:rPr lang="pt-BR" smtClean="0"/>
-              <a:t>01/08/2024</a:t>
+              <a:t>09/08/2024</a:t>
             </a:fld>
             <a:endParaRPr lang="pt-BR"/>
           </a:p>
@@ -6719,7 +6525,7 @@
           <a:p>
             <a:fld id="{19BB168A-4011-419D-847C-9B52BF257044}" type="datetime1">
               <a:rPr lang="pt-BR" smtClean="0"/>
-              <a:t>01/08/2024</a:t>
+              <a:t>09/08/2024</a:t>
             </a:fld>
             <a:endParaRPr lang="pt-BR"/>
           </a:p>
@@ -6971,7 +6777,7 @@
           <a:p>
             <a:fld id="{ADAF0E14-C222-4E2D-87CA-08392E1CA5F1}" type="datetime1">
               <a:rPr lang="pt-BR" smtClean="0"/>
-              <a:t>01/08/2024</a:t>
+              <a:t>09/08/2024</a:t>
             </a:fld>
             <a:endParaRPr lang="pt-BR"/>
           </a:p>

--- a/template - v2.pptx
+++ b/template - v2.pptx
@@ -197,7 +197,7 @@
           <a:p>
             <a:fld id="{D9374ACA-3954-42E3-B51E-F6598EAA97F2}" type="datetimeFigureOut">
               <a:rPr lang="pt-BR" smtClean="0"/>
-              <a:t>09/08/2024</a:t>
+              <a:t>13/08/2024</a:t>
             </a:fld>
             <a:endParaRPr lang="pt-BR"/>
           </a:p>
@@ -1176,7 +1176,7 @@
           <a:p>
             <a:fld id="{3847EC4F-048C-499A-9D4E-DFDB1061565D}" type="datetime1">
               <a:rPr lang="pt-BR" smtClean="0"/>
-              <a:t>09/08/2024</a:t>
+              <a:t>13/08/2024</a:t>
             </a:fld>
             <a:endParaRPr lang="pt-BR"/>
           </a:p>
@@ -1404,7 +1404,7 @@
           <a:p>
             <a:fld id="{3B02893F-FD53-419E-9D45-9790A94DA4D0}" type="datetime1">
               <a:rPr lang="pt-BR" smtClean="0"/>
-              <a:t>09/08/2024</a:t>
+              <a:t>13/08/2024</a:t>
             </a:fld>
             <a:endParaRPr lang="pt-BR"/>
           </a:p>
@@ -1945,7 +1945,7 @@
           <a:p>
             <a:fld id="{F0A56DB4-4AEF-4152-BDB3-329CCB6072FA}" type="datetime1">
               <a:rPr lang="pt-BR" smtClean="0"/>
-              <a:t>09/08/2024</a:t>
+              <a:t>13/08/2024</a:t>
             </a:fld>
             <a:endParaRPr lang="pt-BR"/>
           </a:p>
@@ -2664,7 +2664,7 @@
             <a:fld id="{974FFC0B-9CD3-4EB1-8E25-0252DDCEF5C4}" type="datetime1">
               <a:rPr lang="pt-BR" smtClean="0"/>
               <a:pPr/>
-              <a:t>09/08/2024</a:t>
+              <a:t>13/08/2024</a:t>
             </a:fld>
             <a:endParaRPr lang="pt-BR" dirty="0"/>
           </a:p>
@@ -3535,7 +3535,7 @@
             <a:fld id="{93E7214A-6D00-4CA1-8A35-EDEED3307A75}" type="datetime1">
               <a:rPr lang="pt-BR" smtClean="0"/>
               <a:pPr/>
-              <a:t>09/08/2024</a:t>
+              <a:t>13/08/2024</a:t>
             </a:fld>
             <a:endParaRPr lang="pt-BR"/>
           </a:p>
@@ -3927,17 +3927,17 @@
             <a:spLocks noGrp="1"/>
           </p:cNvSpPr>
           <p:nvPr>
-            <p:ph type="subTitle" idx="13"/>
+            <p:ph type="subTitle" idx="13" hasCustomPrompt="1"/>
           </p:nvPr>
         </p:nvSpPr>
         <p:spPr>
           <a:xfrm>
-            <a:off x="6095999" y="2553017"/>
-            <a:ext cx="5517735" cy="511630"/>
-          </a:xfrm>
-        </p:spPr>
-        <p:txBody>
-          <a:bodyPr anchor="b">
+            <a:off x="6096000" y="1695965"/>
+            <a:ext cx="5721627" cy="5062644"/>
+          </a:xfrm>
+        </p:spPr>
+        <p:txBody>
+          <a:bodyPr anchor="t" anchorCtr="0">
             <a:noAutofit/>
           </a:bodyPr>
           <a:lstStyle>
@@ -3949,7 +3949,7 @@
                 <a:spcPts val="0"/>
               </a:spcBef>
               <a:spcAft>
-                <a:spcPts val="0"/>
+                <a:spcPts val="600"/>
               </a:spcAft>
               <a:buClr>
                 <a:srgbClr val="000000"/>
@@ -4000,9 +4000,6 @@
             </a:lvl9pPr>
           </a:lstStyle>
           <a:p>
-            <a:endParaRPr lang="pt-BR" dirty="0"/>
-          </a:p>
-          <a:p>
             <a:r>
               <a:rPr lang="pt-BR" dirty="0"/>
               <a:t>1.</a:t>
@@ -4022,8 +4019,8 @@
         </p:nvSpPr>
         <p:spPr>
           <a:xfrm>
-            <a:off x="6611428" y="2351949"/>
-            <a:ext cx="4930589" cy="1242896"/>
+            <a:off x="6541855" y="1695965"/>
+            <a:ext cx="5275772" cy="5062644"/>
           </a:xfrm>
           <a:prstGeom prst="rect">
             <a:avLst/>
@@ -4042,14 +4039,14 @@
                 <a:spcPts val="0"/>
               </a:spcBef>
               <a:spcAft>
-                <a:spcPts val="0"/>
+                <a:spcPts val="600"/>
               </a:spcAft>
               <a:buClr>
                 <a:srgbClr val="000000"/>
               </a:buClr>
               <a:buSzPts val="4400"/>
               <a:buFont typeface="Arial" panose="020B0604020202020204" pitchFamily="34" charset="0"/>
-              <a:defRPr lang="pt-BR" altLang="pt-BR" sz="3200" b="1" i="0" u="none" strike="noStrike" cap="none" baseline="0" dirty="0">
+              <a:defRPr lang="pt-BR" altLang="pt-BR" sz="2800" b="1" i="0" u="none" strike="noStrike" cap="none" baseline="0" dirty="0">
                 <a:solidFill>
                   <a:srgbClr val="FFFFFF"/>
                 </a:solidFill>
@@ -4240,7 +4237,7 @@
           <a:p>
             <a:fld id="{A05A2D86-F1E3-4BFB-BFA1-5406F3A8B1AD}" type="datetime1">
               <a:rPr lang="pt-BR" smtClean="0"/>
-              <a:t>09/08/2024</a:t>
+              <a:t>13/08/2024</a:t>
             </a:fld>
             <a:endParaRPr lang="pt-BR"/>
           </a:p>
@@ -4937,7 +4934,7 @@
           <a:p>
             <a:fld id="{32F85AFF-28FF-460E-8CBD-61F6616AD901}" type="datetime1">
               <a:rPr lang="pt-BR" smtClean="0"/>
-              <a:t>09/08/2024</a:t>
+              <a:t>13/08/2024</a:t>
             </a:fld>
             <a:endParaRPr lang="pt-BR"/>
           </a:p>
@@ -5392,7 +5389,7 @@
           <a:p>
             <a:fld id="{2A64B9EC-648F-477D-9DCE-3683D761A52A}" type="datetime1">
               <a:rPr lang="pt-BR" smtClean="0"/>
-              <a:t>09/08/2024</a:t>
+              <a:t>13/08/2024</a:t>
             </a:fld>
             <a:endParaRPr lang="pt-BR"/>
           </a:p>
@@ -5847,7 +5844,7 @@
           <a:p>
             <a:fld id="{A28D4654-34BB-43FC-8F77-7271489CE0F7}" type="datetime1">
               <a:rPr lang="pt-BR" smtClean="0"/>
-              <a:t>09/08/2024</a:t>
+              <a:t>13/08/2024</a:t>
             </a:fld>
             <a:endParaRPr lang="pt-BR"/>
           </a:p>
@@ -6525,7 +6522,7 @@
           <a:p>
             <a:fld id="{19BB168A-4011-419D-847C-9B52BF257044}" type="datetime1">
               <a:rPr lang="pt-BR" smtClean="0"/>
-              <a:t>09/08/2024</a:t>
+              <a:t>13/08/2024</a:t>
             </a:fld>
             <a:endParaRPr lang="pt-BR"/>
           </a:p>
@@ -6777,7 +6774,7 @@
           <a:p>
             <a:fld id="{ADAF0E14-C222-4E2D-87CA-08392E1CA5F1}" type="datetime1">
               <a:rPr lang="pt-BR" smtClean="0"/>
-              <a:t>09/08/2024</a:t>
+              <a:t>13/08/2024</a:t>
             </a:fld>
             <a:endParaRPr lang="pt-BR"/>
           </a:p>
